--- a/Files/Презентация.pptx
+++ b/Files/Презентация.pptx
@@ -3,7 +3,16 @@
 <p:presentation xmlns:a="http://schemas.openxmlformats.org/drawingml/2006/main" xmlns:r="http://schemas.openxmlformats.org/officeDocument/2006/relationships" xmlns:p="http://schemas.openxmlformats.org/presentationml/2006/main" saveSubsetFonts="1">
   <p:sldMasterIdLst>
     <p:sldMasterId id="2147483648" r:id="rId1"/>
+    <p:sldMasterId id="2147483660" r:id="rId2"/>
   </p:sldMasterIdLst>
+  <p:sldIdLst>
+    <p:sldId id="256" r:id="rId3"/>
+    <p:sldId id="257" r:id="rId4"/>
+    <p:sldId id="258" r:id="rId5"/>
+    <p:sldId id="259" r:id="rId6"/>
+    <p:sldId id="260" r:id="rId7"/>
+    <p:sldId id="261" r:id="rId8"/>
+  </p:sldIdLst>
   <p:sldSz cx="9144000" cy="6858000" type="screen4x3"/>
   <p:notesSz cx="6858000" cy="9144000"/>
   <p:defaultTextStyle>
@@ -285,7 +294,8 @@
           <a:p>
             <a:fld id="{5B106E36-FD25-4E2D-B0AA-010F637433A0}" type="datetimeFigureOut">
               <a:rPr lang="ru-RU" smtClean="0"/>
-              <a:t>03.11.2006</a:t>
+              <a:pPr/>
+              <a:t>26.05.2021</a:t>
             </a:fld>
             <a:endParaRPr lang="ru-RU"/>
           </a:p>
@@ -327,6 +337,7 @@
           <a:p>
             <a:fld id="{725C68B6-61C2-468F-89AB-4B9F7531AA68}" type="slidenum">
               <a:rPr lang="ru-RU" smtClean="0"/>
+              <a:pPr/>
               <a:t>‹#›</a:t>
             </a:fld>
             <a:endParaRPr lang="ru-RU"/>
@@ -450,7 +461,8 @@
           <a:p>
             <a:fld id="{5B106E36-FD25-4E2D-B0AA-010F637433A0}" type="datetimeFigureOut">
               <a:rPr lang="ru-RU" smtClean="0"/>
-              <a:t>03.11.2006</a:t>
+              <a:pPr/>
+              <a:t>26.05.2021</a:t>
             </a:fld>
             <a:endParaRPr lang="ru-RU"/>
           </a:p>
@@ -492,6 +504,7 @@
           <a:p>
             <a:fld id="{725C68B6-61C2-468F-89AB-4B9F7531AA68}" type="slidenum">
               <a:rPr lang="ru-RU" smtClean="0"/>
+              <a:pPr/>
               <a:t>‹#›</a:t>
             </a:fld>
             <a:endParaRPr lang="ru-RU"/>
@@ -625,7 +638,8 @@
           <a:p>
             <a:fld id="{5B106E36-FD25-4E2D-B0AA-010F637433A0}" type="datetimeFigureOut">
               <a:rPr lang="ru-RU" smtClean="0"/>
-              <a:t>03.11.2006</a:t>
+              <a:pPr/>
+              <a:t>26.05.2021</a:t>
             </a:fld>
             <a:endParaRPr lang="ru-RU"/>
           </a:p>
@@ -667,6 +681,7 @@
           <a:p>
             <a:fld id="{725C68B6-61C2-468F-89AB-4B9F7531AA68}" type="slidenum">
               <a:rPr lang="ru-RU" smtClean="0"/>
+              <a:pPr/>
               <a:t>‹#›</a:t>
             </a:fld>
             <a:endParaRPr lang="ru-RU"/>
@@ -678,6 +693,1953 @@
   <p:clrMapOvr>
     <a:masterClrMapping/>
   </p:clrMapOvr>
+</p:sldLayout>
+</file>
+
+<file path=ppt/slideLayouts/slideLayout12.xml><?xml version="1.0" encoding="utf-8"?>
+<p:sldLayout xmlns:a="http://schemas.openxmlformats.org/drawingml/2006/main" xmlns:r="http://schemas.openxmlformats.org/officeDocument/2006/relationships" xmlns:p="http://schemas.openxmlformats.org/presentationml/2006/main" preserve="1" userDrawn="1">
+  <p:cSld name="Hat Title">
+    <p:spTree>
+      <p:nvGrpSpPr>
+        <p:cNvPr id="1" name=""/>
+        <p:cNvGrpSpPr/>
+        <p:nvPr/>
+      </p:nvGrpSpPr>
+      <p:grpSpPr>
+        <a:xfrm>
+          <a:off x="0" y="0"/>
+          <a:ext cx="0" cy="0"/>
+          <a:chOff x="0" y="0"/>
+          <a:chExt cx="0" cy="0"/>
+        </a:xfrm>
+      </p:grpSpPr>
+      <p:pic>
+        <p:nvPicPr>
+          <p:cNvPr id="13" name="Рисунок 12">
+            <a:extLst>
+              <a:ext uri="{FF2B5EF4-FFF2-40B4-BE49-F238E27FC236}">
+                <a16:creationId xmlns:a16="http://schemas.microsoft.com/office/drawing/2014/main" xmlns="" id="{4A31B4A1-04B8-44D5-9807-F086E65FC243}"/>
+              </a:ext>
+            </a:extLst>
+          </p:cNvPr>
+          <p:cNvPicPr>
+            <a:picLocks noChangeAspect="1"/>
+          </p:cNvPicPr>
+          <p:nvPr userDrawn="1"/>
+        </p:nvPicPr>
+        <p:blipFill rotWithShape="1">
+          <a:blip r:embed="rId2">
+            <a:extLst>
+              <a:ext uri="{28A0092B-C50C-407E-A947-70E740481C1C}">
+                <a14:useLocalDpi xmlns:a14="http://schemas.microsoft.com/office/drawing/2010/main" xmlns="" val="0"/>
+              </a:ext>
+            </a:extLst>
+          </a:blip>
+          <a:srcRect l="23308" t="-1" r="589" b="48523"/>
+          <a:stretch/>
+        </p:blipFill>
+        <p:spPr>
+          <a:xfrm>
+            <a:off x="0" y="4385951"/>
+            <a:ext cx="4816070" cy="2472050"/>
+          </a:xfrm>
+          <a:prstGeom prst="rect">
+            <a:avLst/>
+          </a:prstGeom>
+        </p:spPr>
+      </p:pic>
+      <p:pic>
+        <p:nvPicPr>
+          <p:cNvPr id="17" name="Рисунок 16">
+            <a:extLst>
+              <a:ext uri="{FF2B5EF4-FFF2-40B4-BE49-F238E27FC236}">
+                <a16:creationId xmlns:a16="http://schemas.microsoft.com/office/drawing/2014/main" xmlns="" id="{060B23B0-1F13-4112-BAB2-7DFE67F06978}"/>
+              </a:ext>
+            </a:extLst>
+          </p:cNvPr>
+          <p:cNvPicPr>
+            <a:picLocks noChangeAspect="1"/>
+          </p:cNvPicPr>
+          <p:nvPr userDrawn="1"/>
+        </p:nvPicPr>
+        <p:blipFill>
+          <a:blip r:embed="rId3" cstate="print">
+            <a:extLst>
+              <a:ext uri="{28A0092B-C50C-407E-A947-70E740481C1C}">
+                <a14:useLocalDpi xmlns:a14="http://schemas.microsoft.com/office/drawing/2010/main" xmlns="" val="0"/>
+              </a:ext>
+            </a:extLst>
+          </a:blip>
+          <a:stretch>
+            <a:fillRect/>
+          </a:stretch>
+        </p:blipFill>
+        <p:spPr>
+          <a:xfrm>
+            <a:off x="1885360" y="2213453"/>
+            <a:ext cx="5189456" cy="2431097"/>
+          </a:xfrm>
+          <a:prstGeom prst="rect">
+            <a:avLst/>
+          </a:prstGeom>
+        </p:spPr>
+      </p:pic>
+      <p:pic>
+        <p:nvPicPr>
+          <p:cNvPr id="18" name="Рисунок 17">
+            <a:extLst>
+              <a:ext uri="{FF2B5EF4-FFF2-40B4-BE49-F238E27FC236}">
+                <a16:creationId xmlns:a16="http://schemas.microsoft.com/office/drawing/2014/main" xmlns="" id="{F29E0DE8-6BA8-4BCD-9713-F4117FC7D2A8}"/>
+              </a:ext>
+            </a:extLst>
+          </p:cNvPr>
+          <p:cNvPicPr>
+            <a:picLocks noChangeAspect="1"/>
+          </p:cNvPicPr>
+          <p:nvPr userDrawn="1"/>
+        </p:nvPicPr>
+        <p:blipFill rotWithShape="1">
+          <a:blip r:embed="rId4">
+            <a:extLst>
+              <a:ext uri="{28A0092B-C50C-407E-A947-70E740481C1C}">
+                <a14:useLocalDpi xmlns:a14="http://schemas.microsoft.com/office/drawing/2010/main" xmlns="" val="0"/>
+              </a:ext>
+            </a:extLst>
+          </a:blip>
+          <a:srcRect l="23308" t="-1" r="589" b="48523"/>
+          <a:stretch/>
+        </p:blipFill>
+        <p:spPr>
+          <a:xfrm rot="10800000">
+            <a:off x="4327930" y="-1"/>
+            <a:ext cx="4816070" cy="2472050"/>
+          </a:xfrm>
+          <a:prstGeom prst="rect">
+            <a:avLst/>
+          </a:prstGeom>
+        </p:spPr>
+      </p:pic>
+      <p:grpSp>
+        <p:nvGrpSpPr>
+          <p:cNvPr id="2" name="Группа 27">
+            <a:extLst>
+              <a:ext uri="{FF2B5EF4-FFF2-40B4-BE49-F238E27FC236}">
+                <a16:creationId xmlns:a16="http://schemas.microsoft.com/office/drawing/2014/main" xmlns="" id="{07BBF26F-CF90-4923-AF12-668894DE37DC}"/>
+              </a:ext>
+            </a:extLst>
+          </p:cNvPr>
+          <p:cNvGrpSpPr/>
+          <p:nvPr userDrawn="1"/>
+        </p:nvGrpSpPr>
+        <p:grpSpPr>
+          <a:xfrm rot="5400000">
+            <a:off x="315780" y="110302"/>
+            <a:ext cx="130630" cy="422307"/>
+            <a:chOff x="7081442" y="2246001"/>
+            <a:chExt cx="130630" cy="563076"/>
+          </a:xfrm>
+        </p:grpSpPr>
+        <p:sp>
+          <p:nvSpPr>
+            <p:cNvPr id="29" name="Овал 28">
+              <a:extLst>
+                <a:ext uri="{FF2B5EF4-FFF2-40B4-BE49-F238E27FC236}">
+                  <a16:creationId xmlns:a16="http://schemas.microsoft.com/office/drawing/2014/main" xmlns="" id="{33CD5DF1-0A51-4B8C-98D1-9408A20E705E}"/>
+                </a:ext>
+              </a:extLst>
+            </p:cNvPr>
+            <p:cNvSpPr/>
+            <p:nvPr/>
+          </p:nvSpPr>
+          <p:spPr>
+            <a:xfrm>
+              <a:off x="7081443" y="2246001"/>
+              <a:ext cx="130629" cy="130629"/>
+            </a:xfrm>
+            <a:prstGeom prst="ellipse">
+              <a:avLst/>
+            </a:prstGeom>
+            <a:noFill/>
+            <a:ln>
+              <a:solidFill>
+                <a:schemeClr val="bg1"/>
+              </a:solidFill>
+            </a:ln>
+          </p:spPr>
+          <p:style>
+            <a:lnRef idx="2">
+              <a:schemeClr val="accent1">
+                <a:shade val="50000"/>
+              </a:schemeClr>
+            </a:lnRef>
+            <a:fillRef idx="1">
+              <a:schemeClr val="accent1"/>
+            </a:fillRef>
+            <a:effectRef idx="0">
+              <a:schemeClr val="accent1"/>
+            </a:effectRef>
+            <a:fontRef idx="minor">
+              <a:schemeClr val="lt1"/>
+            </a:fontRef>
+          </p:style>
+          <p:txBody>
+            <a:bodyPr rtlCol="0" anchor="ctr"/>
+            <a:lstStyle/>
+            <a:p>
+              <a:pPr algn="ctr" rtl="0"/>
+              <a:endParaRPr lang="ru-RU" kern="1200">
+                <a:solidFill>
+                  <a:prstClr val="white"/>
+                </a:solidFill>
+                <a:latin typeface="SamsungOne 450C"/>
+                <a:ea typeface="+mn-ea"/>
+                <a:cs typeface="+mn-cs"/>
+              </a:endParaRPr>
+            </a:p>
+          </p:txBody>
+        </p:sp>
+        <p:sp>
+          <p:nvSpPr>
+            <p:cNvPr id="30" name="Овал 29">
+              <a:extLst>
+                <a:ext uri="{FF2B5EF4-FFF2-40B4-BE49-F238E27FC236}">
+                  <a16:creationId xmlns:a16="http://schemas.microsoft.com/office/drawing/2014/main" xmlns="" id="{DD845DBC-7FF4-4F7E-BD11-080AB9E6BCD4}"/>
+                </a:ext>
+              </a:extLst>
+            </p:cNvPr>
+            <p:cNvSpPr/>
+            <p:nvPr/>
+          </p:nvSpPr>
+          <p:spPr>
+            <a:xfrm>
+              <a:off x="7081442" y="2471398"/>
+              <a:ext cx="130629" cy="130629"/>
+            </a:xfrm>
+            <a:prstGeom prst="ellipse">
+              <a:avLst/>
+            </a:prstGeom>
+            <a:noFill/>
+            <a:ln>
+              <a:solidFill>
+                <a:schemeClr val="bg1"/>
+              </a:solidFill>
+            </a:ln>
+          </p:spPr>
+          <p:style>
+            <a:lnRef idx="2">
+              <a:schemeClr val="accent1">
+                <a:shade val="50000"/>
+              </a:schemeClr>
+            </a:lnRef>
+            <a:fillRef idx="1">
+              <a:schemeClr val="accent1"/>
+            </a:fillRef>
+            <a:effectRef idx="0">
+              <a:schemeClr val="accent1"/>
+            </a:effectRef>
+            <a:fontRef idx="minor">
+              <a:schemeClr val="lt1"/>
+            </a:fontRef>
+          </p:style>
+          <p:txBody>
+            <a:bodyPr rtlCol="0" anchor="ctr"/>
+            <a:lstStyle/>
+            <a:p>
+              <a:pPr algn="ctr" rtl="0"/>
+              <a:endParaRPr lang="ru-RU" kern="1200">
+                <a:solidFill>
+                  <a:prstClr val="white"/>
+                </a:solidFill>
+                <a:latin typeface="SamsungOne 450C"/>
+                <a:ea typeface="+mn-ea"/>
+                <a:cs typeface="+mn-cs"/>
+              </a:endParaRPr>
+            </a:p>
+          </p:txBody>
+        </p:sp>
+        <p:sp>
+          <p:nvSpPr>
+            <p:cNvPr id="31" name="Овал 30">
+              <a:extLst>
+                <a:ext uri="{FF2B5EF4-FFF2-40B4-BE49-F238E27FC236}">
+                  <a16:creationId xmlns:a16="http://schemas.microsoft.com/office/drawing/2014/main" xmlns="" id="{8732161D-26BD-4287-9735-97BEF0C8FD13}"/>
+                </a:ext>
+              </a:extLst>
+            </p:cNvPr>
+            <p:cNvSpPr/>
+            <p:nvPr/>
+          </p:nvSpPr>
+          <p:spPr>
+            <a:xfrm>
+              <a:off x="7081442" y="2678448"/>
+              <a:ext cx="130629" cy="130629"/>
+            </a:xfrm>
+            <a:prstGeom prst="ellipse">
+              <a:avLst/>
+            </a:prstGeom>
+            <a:noFill/>
+            <a:ln>
+              <a:solidFill>
+                <a:schemeClr val="bg1"/>
+              </a:solidFill>
+            </a:ln>
+          </p:spPr>
+          <p:style>
+            <a:lnRef idx="2">
+              <a:schemeClr val="accent1">
+                <a:shade val="50000"/>
+              </a:schemeClr>
+            </a:lnRef>
+            <a:fillRef idx="1">
+              <a:schemeClr val="accent1"/>
+            </a:fillRef>
+            <a:effectRef idx="0">
+              <a:schemeClr val="accent1"/>
+            </a:effectRef>
+            <a:fontRef idx="minor">
+              <a:schemeClr val="lt1"/>
+            </a:fontRef>
+          </p:style>
+          <p:txBody>
+            <a:bodyPr rtlCol="0" anchor="ctr"/>
+            <a:lstStyle/>
+            <a:p>
+              <a:pPr algn="ctr" rtl="0"/>
+              <a:endParaRPr lang="ru-RU" kern="1200">
+                <a:solidFill>
+                  <a:prstClr val="white"/>
+                </a:solidFill>
+                <a:latin typeface="SamsungOne 450C"/>
+                <a:ea typeface="+mn-ea"/>
+                <a:cs typeface="+mn-cs"/>
+              </a:endParaRPr>
+            </a:p>
+          </p:txBody>
+        </p:sp>
+      </p:grpSp>
+      <p:grpSp>
+        <p:nvGrpSpPr>
+          <p:cNvPr id="3" name="Группа 31">
+            <a:extLst>
+              <a:ext uri="{FF2B5EF4-FFF2-40B4-BE49-F238E27FC236}">
+                <a16:creationId xmlns:a16="http://schemas.microsoft.com/office/drawing/2014/main" xmlns="" id="{C6C7C577-D02F-475A-A11A-44E37236557A}"/>
+              </a:ext>
+            </a:extLst>
+          </p:cNvPr>
+          <p:cNvGrpSpPr/>
+          <p:nvPr userDrawn="1"/>
+        </p:nvGrpSpPr>
+        <p:grpSpPr>
+          <a:xfrm rot="5400000">
+            <a:off x="906492" y="110302"/>
+            <a:ext cx="130630" cy="422307"/>
+            <a:chOff x="7081442" y="2246001"/>
+            <a:chExt cx="130630" cy="563076"/>
+          </a:xfrm>
+        </p:grpSpPr>
+        <p:sp>
+          <p:nvSpPr>
+            <p:cNvPr id="33" name="Овал 32">
+              <a:extLst>
+                <a:ext uri="{FF2B5EF4-FFF2-40B4-BE49-F238E27FC236}">
+                  <a16:creationId xmlns:a16="http://schemas.microsoft.com/office/drawing/2014/main" xmlns="" id="{11A52B35-C6A7-4021-B646-C13FF1E69398}"/>
+                </a:ext>
+              </a:extLst>
+            </p:cNvPr>
+            <p:cNvSpPr/>
+            <p:nvPr/>
+          </p:nvSpPr>
+          <p:spPr>
+            <a:xfrm>
+              <a:off x="7081443" y="2246001"/>
+              <a:ext cx="130629" cy="130629"/>
+            </a:xfrm>
+            <a:prstGeom prst="ellipse">
+              <a:avLst/>
+            </a:prstGeom>
+            <a:noFill/>
+            <a:ln>
+              <a:solidFill>
+                <a:schemeClr val="bg1"/>
+              </a:solidFill>
+            </a:ln>
+          </p:spPr>
+          <p:style>
+            <a:lnRef idx="2">
+              <a:schemeClr val="accent1">
+                <a:shade val="50000"/>
+              </a:schemeClr>
+            </a:lnRef>
+            <a:fillRef idx="1">
+              <a:schemeClr val="accent1"/>
+            </a:fillRef>
+            <a:effectRef idx="0">
+              <a:schemeClr val="accent1"/>
+            </a:effectRef>
+            <a:fontRef idx="minor">
+              <a:schemeClr val="lt1"/>
+            </a:fontRef>
+          </p:style>
+          <p:txBody>
+            <a:bodyPr rtlCol="0" anchor="ctr"/>
+            <a:lstStyle/>
+            <a:p>
+              <a:pPr algn="ctr" rtl="0"/>
+              <a:endParaRPr lang="ru-RU" kern="1200">
+                <a:solidFill>
+                  <a:prstClr val="white"/>
+                </a:solidFill>
+                <a:latin typeface="SamsungOne 450C"/>
+                <a:ea typeface="+mn-ea"/>
+                <a:cs typeface="+mn-cs"/>
+              </a:endParaRPr>
+            </a:p>
+          </p:txBody>
+        </p:sp>
+        <p:sp>
+          <p:nvSpPr>
+            <p:cNvPr id="34" name="Овал 33">
+              <a:extLst>
+                <a:ext uri="{FF2B5EF4-FFF2-40B4-BE49-F238E27FC236}">
+                  <a16:creationId xmlns:a16="http://schemas.microsoft.com/office/drawing/2014/main" xmlns="" id="{AD0BBEA0-20B7-47E7-9148-C2C0DB9C2B6B}"/>
+                </a:ext>
+              </a:extLst>
+            </p:cNvPr>
+            <p:cNvSpPr/>
+            <p:nvPr/>
+          </p:nvSpPr>
+          <p:spPr>
+            <a:xfrm>
+              <a:off x="7081442" y="2471398"/>
+              <a:ext cx="130629" cy="130629"/>
+            </a:xfrm>
+            <a:prstGeom prst="ellipse">
+              <a:avLst/>
+            </a:prstGeom>
+            <a:noFill/>
+            <a:ln>
+              <a:solidFill>
+                <a:schemeClr val="bg1"/>
+              </a:solidFill>
+            </a:ln>
+          </p:spPr>
+          <p:style>
+            <a:lnRef idx="2">
+              <a:schemeClr val="accent1">
+                <a:shade val="50000"/>
+              </a:schemeClr>
+            </a:lnRef>
+            <a:fillRef idx="1">
+              <a:schemeClr val="accent1"/>
+            </a:fillRef>
+            <a:effectRef idx="0">
+              <a:schemeClr val="accent1"/>
+            </a:effectRef>
+            <a:fontRef idx="minor">
+              <a:schemeClr val="lt1"/>
+            </a:fontRef>
+          </p:style>
+          <p:txBody>
+            <a:bodyPr rtlCol="0" anchor="ctr"/>
+            <a:lstStyle/>
+            <a:p>
+              <a:pPr algn="ctr" rtl="0"/>
+              <a:endParaRPr lang="ru-RU" kern="1200">
+                <a:solidFill>
+                  <a:prstClr val="white"/>
+                </a:solidFill>
+                <a:latin typeface="SamsungOne 450C"/>
+                <a:ea typeface="+mn-ea"/>
+                <a:cs typeface="+mn-cs"/>
+              </a:endParaRPr>
+            </a:p>
+          </p:txBody>
+        </p:sp>
+        <p:sp>
+          <p:nvSpPr>
+            <p:cNvPr id="35" name="Овал 34">
+              <a:extLst>
+                <a:ext uri="{FF2B5EF4-FFF2-40B4-BE49-F238E27FC236}">
+                  <a16:creationId xmlns:a16="http://schemas.microsoft.com/office/drawing/2014/main" xmlns="" id="{F0A5DB99-6505-461F-95D0-9BF2F3882E33}"/>
+                </a:ext>
+              </a:extLst>
+            </p:cNvPr>
+            <p:cNvSpPr/>
+            <p:nvPr/>
+          </p:nvSpPr>
+          <p:spPr>
+            <a:xfrm>
+              <a:off x="7081442" y="2678448"/>
+              <a:ext cx="130629" cy="130629"/>
+            </a:xfrm>
+            <a:prstGeom prst="ellipse">
+              <a:avLst/>
+            </a:prstGeom>
+            <a:noFill/>
+            <a:ln>
+              <a:solidFill>
+                <a:schemeClr val="bg1"/>
+              </a:solidFill>
+            </a:ln>
+          </p:spPr>
+          <p:style>
+            <a:lnRef idx="2">
+              <a:schemeClr val="accent1">
+                <a:shade val="50000"/>
+              </a:schemeClr>
+            </a:lnRef>
+            <a:fillRef idx="1">
+              <a:schemeClr val="accent1"/>
+            </a:fillRef>
+            <a:effectRef idx="0">
+              <a:schemeClr val="accent1"/>
+            </a:effectRef>
+            <a:fontRef idx="minor">
+              <a:schemeClr val="lt1"/>
+            </a:fontRef>
+          </p:style>
+          <p:txBody>
+            <a:bodyPr rtlCol="0" anchor="ctr"/>
+            <a:lstStyle/>
+            <a:p>
+              <a:pPr algn="ctr" rtl="0"/>
+              <a:endParaRPr lang="ru-RU" kern="1200">
+                <a:solidFill>
+                  <a:prstClr val="white"/>
+                </a:solidFill>
+                <a:latin typeface="SamsungOne 450C"/>
+                <a:ea typeface="+mn-ea"/>
+                <a:cs typeface="+mn-cs"/>
+              </a:endParaRPr>
+            </a:p>
+          </p:txBody>
+        </p:sp>
+      </p:grpSp>
+    </p:spTree>
+    <p:extLst>
+      <p:ext uri="{BB962C8B-B14F-4D97-AF65-F5344CB8AC3E}">
+        <p14:creationId xmlns:p14="http://schemas.microsoft.com/office/powerpoint/2010/main" xmlns="" val="2183302227"/>
+      </p:ext>
+    </p:extLst>
+  </p:cSld>
+  <p:clrMapOvr>
+    <a:masterClrMapping/>
+  </p:clrMapOvr>
+  <p:transition spd="slow">
+    <p:wipe dir="r"/>
+  </p:transition>
+</p:sldLayout>
+</file>
+
+<file path=ppt/slideLayouts/slideLayout13.xml><?xml version="1.0" encoding="utf-8"?>
+<p:sldLayout xmlns:a="http://schemas.openxmlformats.org/drawingml/2006/main" xmlns:r="http://schemas.openxmlformats.org/officeDocument/2006/relationships" xmlns:p="http://schemas.openxmlformats.org/presentationml/2006/main" preserve="1" userDrawn="1">
+  <p:cSld name="Hat Title Clean">
+    <p:spTree>
+      <p:nvGrpSpPr>
+        <p:cNvPr id="1" name=""/>
+        <p:cNvGrpSpPr/>
+        <p:nvPr/>
+      </p:nvGrpSpPr>
+      <p:grpSpPr>
+        <a:xfrm>
+          <a:off x="0" y="0"/>
+          <a:ext cx="0" cy="0"/>
+          <a:chOff x="0" y="0"/>
+          <a:chExt cx="0" cy="0"/>
+        </a:xfrm>
+      </p:grpSpPr>
+      <p:pic>
+        <p:nvPicPr>
+          <p:cNvPr id="13" name="Рисунок 12">
+            <a:extLst>
+              <a:ext uri="{FF2B5EF4-FFF2-40B4-BE49-F238E27FC236}">
+                <a16:creationId xmlns:a16="http://schemas.microsoft.com/office/drawing/2014/main" xmlns="" id="{4A31B4A1-04B8-44D5-9807-F086E65FC243}"/>
+              </a:ext>
+            </a:extLst>
+          </p:cNvPr>
+          <p:cNvPicPr>
+            <a:picLocks noChangeAspect="1"/>
+          </p:cNvPicPr>
+          <p:nvPr userDrawn="1"/>
+        </p:nvPicPr>
+        <p:blipFill rotWithShape="1">
+          <a:blip r:embed="rId2">
+            <a:extLst>
+              <a:ext uri="{28A0092B-C50C-407E-A947-70E740481C1C}">
+                <a14:useLocalDpi xmlns:a14="http://schemas.microsoft.com/office/drawing/2010/main" xmlns="" val="0"/>
+              </a:ext>
+            </a:extLst>
+          </a:blip>
+          <a:srcRect l="23308" t="-1" r="589" b="48523"/>
+          <a:stretch/>
+        </p:blipFill>
+        <p:spPr>
+          <a:xfrm>
+            <a:off x="0" y="4385951"/>
+            <a:ext cx="4816070" cy="2472050"/>
+          </a:xfrm>
+          <a:prstGeom prst="rect">
+            <a:avLst/>
+          </a:prstGeom>
+        </p:spPr>
+      </p:pic>
+      <p:pic>
+        <p:nvPicPr>
+          <p:cNvPr id="18" name="Рисунок 17">
+            <a:extLst>
+              <a:ext uri="{FF2B5EF4-FFF2-40B4-BE49-F238E27FC236}">
+                <a16:creationId xmlns:a16="http://schemas.microsoft.com/office/drawing/2014/main" xmlns="" id="{F29E0DE8-6BA8-4BCD-9713-F4117FC7D2A8}"/>
+              </a:ext>
+            </a:extLst>
+          </p:cNvPr>
+          <p:cNvPicPr>
+            <a:picLocks noChangeAspect="1"/>
+          </p:cNvPicPr>
+          <p:nvPr userDrawn="1"/>
+        </p:nvPicPr>
+        <p:blipFill rotWithShape="1">
+          <a:blip r:embed="rId3">
+            <a:extLst>
+              <a:ext uri="{28A0092B-C50C-407E-A947-70E740481C1C}">
+                <a14:useLocalDpi xmlns:a14="http://schemas.microsoft.com/office/drawing/2010/main" xmlns="" val="0"/>
+              </a:ext>
+            </a:extLst>
+          </a:blip>
+          <a:srcRect l="23308" t="-1" r="589" b="48523"/>
+          <a:stretch/>
+        </p:blipFill>
+        <p:spPr>
+          <a:xfrm rot="10800000">
+            <a:off x="4327930" y="-1"/>
+            <a:ext cx="4816070" cy="2472050"/>
+          </a:xfrm>
+          <a:prstGeom prst="rect">
+            <a:avLst/>
+          </a:prstGeom>
+        </p:spPr>
+      </p:pic>
+      <p:grpSp>
+        <p:nvGrpSpPr>
+          <p:cNvPr id="2" name="Группа 27">
+            <a:extLst>
+              <a:ext uri="{FF2B5EF4-FFF2-40B4-BE49-F238E27FC236}">
+                <a16:creationId xmlns:a16="http://schemas.microsoft.com/office/drawing/2014/main" xmlns="" id="{07BBF26F-CF90-4923-AF12-668894DE37DC}"/>
+              </a:ext>
+            </a:extLst>
+          </p:cNvPr>
+          <p:cNvGrpSpPr/>
+          <p:nvPr userDrawn="1"/>
+        </p:nvGrpSpPr>
+        <p:grpSpPr>
+          <a:xfrm rot="5400000">
+            <a:off x="315780" y="110302"/>
+            <a:ext cx="130630" cy="422307"/>
+            <a:chOff x="7081442" y="2246001"/>
+            <a:chExt cx="130630" cy="563076"/>
+          </a:xfrm>
+        </p:grpSpPr>
+        <p:sp>
+          <p:nvSpPr>
+            <p:cNvPr id="29" name="Овал 28">
+              <a:extLst>
+                <a:ext uri="{FF2B5EF4-FFF2-40B4-BE49-F238E27FC236}">
+                  <a16:creationId xmlns:a16="http://schemas.microsoft.com/office/drawing/2014/main" xmlns="" id="{33CD5DF1-0A51-4B8C-98D1-9408A20E705E}"/>
+                </a:ext>
+              </a:extLst>
+            </p:cNvPr>
+            <p:cNvSpPr/>
+            <p:nvPr/>
+          </p:nvSpPr>
+          <p:spPr>
+            <a:xfrm>
+              <a:off x="7081443" y="2246001"/>
+              <a:ext cx="130629" cy="130629"/>
+            </a:xfrm>
+            <a:prstGeom prst="ellipse">
+              <a:avLst/>
+            </a:prstGeom>
+            <a:noFill/>
+            <a:ln>
+              <a:solidFill>
+                <a:schemeClr val="bg1"/>
+              </a:solidFill>
+            </a:ln>
+          </p:spPr>
+          <p:style>
+            <a:lnRef idx="2">
+              <a:schemeClr val="accent1">
+                <a:shade val="50000"/>
+              </a:schemeClr>
+            </a:lnRef>
+            <a:fillRef idx="1">
+              <a:schemeClr val="accent1"/>
+            </a:fillRef>
+            <a:effectRef idx="0">
+              <a:schemeClr val="accent1"/>
+            </a:effectRef>
+            <a:fontRef idx="minor">
+              <a:schemeClr val="lt1"/>
+            </a:fontRef>
+          </p:style>
+          <p:txBody>
+            <a:bodyPr rtlCol="0" anchor="ctr"/>
+            <a:lstStyle/>
+            <a:p>
+              <a:pPr algn="ctr" rtl="0"/>
+              <a:endParaRPr lang="ru-RU" kern="1200">
+                <a:solidFill>
+                  <a:prstClr val="white"/>
+                </a:solidFill>
+                <a:latin typeface="SamsungOne 450C"/>
+                <a:ea typeface="+mn-ea"/>
+                <a:cs typeface="+mn-cs"/>
+              </a:endParaRPr>
+            </a:p>
+          </p:txBody>
+        </p:sp>
+        <p:sp>
+          <p:nvSpPr>
+            <p:cNvPr id="30" name="Овал 29">
+              <a:extLst>
+                <a:ext uri="{FF2B5EF4-FFF2-40B4-BE49-F238E27FC236}">
+                  <a16:creationId xmlns:a16="http://schemas.microsoft.com/office/drawing/2014/main" xmlns="" id="{DD845DBC-7FF4-4F7E-BD11-080AB9E6BCD4}"/>
+                </a:ext>
+              </a:extLst>
+            </p:cNvPr>
+            <p:cNvSpPr/>
+            <p:nvPr/>
+          </p:nvSpPr>
+          <p:spPr>
+            <a:xfrm>
+              <a:off x="7081442" y="2471398"/>
+              <a:ext cx="130629" cy="130629"/>
+            </a:xfrm>
+            <a:prstGeom prst="ellipse">
+              <a:avLst/>
+            </a:prstGeom>
+            <a:noFill/>
+            <a:ln>
+              <a:solidFill>
+                <a:schemeClr val="bg1"/>
+              </a:solidFill>
+            </a:ln>
+          </p:spPr>
+          <p:style>
+            <a:lnRef idx="2">
+              <a:schemeClr val="accent1">
+                <a:shade val="50000"/>
+              </a:schemeClr>
+            </a:lnRef>
+            <a:fillRef idx="1">
+              <a:schemeClr val="accent1"/>
+            </a:fillRef>
+            <a:effectRef idx="0">
+              <a:schemeClr val="accent1"/>
+            </a:effectRef>
+            <a:fontRef idx="minor">
+              <a:schemeClr val="lt1"/>
+            </a:fontRef>
+          </p:style>
+          <p:txBody>
+            <a:bodyPr rtlCol="0" anchor="ctr"/>
+            <a:lstStyle/>
+            <a:p>
+              <a:pPr algn="ctr" rtl="0"/>
+              <a:endParaRPr lang="ru-RU" kern="1200">
+                <a:solidFill>
+                  <a:prstClr val="white"/>
+                </a:solidFill>
+                <a:latin typeface="SamsungOne 450C"/>
+                <a:ea typeface="+mn-ea"/>
+                <a:cs typeface="+mn-cs"/>
+              </a:endParaRPr>
+            </a:p>
+          </p:txBody>
+        </p:sp>
+        <p:sp>
+          <p:nvSpPr>
+            <p:cNvPr id="31" name="Овал 30">
+              <a:extLst>
+                <a:ext uri="{FF2B5EF4-FFF2-40B4-BE49-F238E27FC236}">
+                  <a16:creationId xmlns:a16="http://schemas.microsoft.com/office/drawing/2014/main" xmlns="" id="{8732161D-26BD-4287-9735-97BEF0C8FD13}"/>
+                </a:ext>
+              </a:extLst>
+            </p:cNvPr>
+            <p:cNvSpPr/>
+            <p:nvPr/>
+          </p:nvSpPr>
+          <p:spPr>
+            <a:xfrm>
+              <a:off x="7081442" y="2678448"/>
+              <a:ext cx="130629" cy="130629"/>
+            </a:xfrm>
+            <a:prstGeom prst="ellipse">
+              <a:avLst/>
+            </a:prstGeom>
+            <a:noFill/>
+            <a:ln>
+              <a:solidFill>
+                <a:schemeClr val="bg1"/>
+              </a:solidFill>
+            </a:ln>
+          </p:spPr>
+          <p:style>
+            <a:lnRef idx="2">
+              <a:schemeClr val="accent1">
+                <a:shade val="50000"/>
+              </a:schemeClr>
+            </a:lnRef>
+            <a:fillRef idx="1">
+              <a:schemeClr val="accent1"/>
+            </a:fillRef>
+            <a:effectRef idx="0">
+              <a:schemeClr val="accent1"/>
+            </a:effectRef>
+            <a:fontRef idx="minor">
+              <a:schemeClr val="lt1"/>
+            </a:fontRef>
+          </p:style>
+          <p:txBody>
+            <a:bodyPr rtlCol="0" anchor="ctr"/>
+            <a:lstStyle/>
+            <a:p>
+              <a:pPr algn="ctr" rtl="0"/>
+              <a:endParaRPr lang="ru-RU" kern="1200">
+                <a:solidFill>
+                  <a:prstClr val="white"/>
+                </a:solidFill>
+                <a:latin typeface="SamsungOne 450C"/>
+                <a:ea typeface="+mn-ea"/>
+                <a:cs typeface="+mn-cs"/>
+              </a:endParaRPr>
+            </a:p>
+          </p:txBody>
+        </p:sp>
+      </p:grpSp>
+      <p:grpSp>
+        <p:nvGrpSpPr>
+          <p:cNvPr id="3" name="Группа 31">
+            <a:extLst>
+              <a:ext uri="{FF2B5EF4-FFF2-40B4-BE49-F238E27FC236}">
+                <a16:creationId xmlns:a16="http://schemas.microsoft.com/office/drawing/2014/main" xmlns="" id="{C6C7C577-D02F-475A-A11A-44E37236557A}"/>
+              </a:ext>
+            </a:extLst>
+          </p:cNvPr>
+          <p:cNvGrpSpPr/>
+          <p:nvPr userDrawn="1"/>
+        </p:nvGrpSpPr>
+        <p:grpSpPr>
+          <a:xfrm rot="5400000">
+            <a:off x="906492" y="110302"/>
+            <a:ext cx="130630" cy="422307"/>
+            <a:chOff x="7081442" y="2246001"/>
+            <a:chExt cx="130630" cy="563076"/>
+          </a:xfrm>
+        </p:grpSpPr>
+        <p:sp>
+          <p:nvSpPr>
+            <p:cNvPr id="33" name="Овал 32">
+              <a:extLst>
+                <a:ext uri="{FF2B5EF4-FFF2-40B4-BE49-F238E27FC236}">
+                  <a16:creationId xmlns:a16="http://schemas.microsoft.com/office/drawing/2014/main" xmlns="" id="{11A52B35-C6A7-4021-B646-C13FF1E69398}"/>
+                </a:ext>
+              </a:extLst>
+            </p:cNvPr>
+            <p:cNvSpPr/>
+            <p:nvPr/>
+          </p:nvSpPr>
+          <p:spPr>
+            <a:xfrm>
+              <a:off x="7081443" y="2246001"/>
+              <a:ext cx="130629" cy="130629"/>
+            </a:xfrm>
+            <a:prstGeom prst="ellipse">
+              <a:avLst/>
+            </a:prstGeom>
+            <a:noFill/>
+            <a:ln>
+              <a:solidFill>
+                <a:schemeClr val="bg1"/>
+              </a:solidFill>
+            </a:ln>
+          </p:spPr>
+          <p:style>
+            <a:lnRef idx="2">
+              <a:schemeClr val="accent1">
+                <a:shade val="50000"/>
+              </a:schemeClr>
+            </a:lnRef>
+            <a:fillRef idx="1">
+              <a:schemeClr val="accent1"/>
+            </a:fillRef>
+            <a:effectRef idx="0">
+              <a:schemeClr val="accent1"/>
+            </a:effectRef>
+            <a:fontRef idx="minor">
+              <a:schemeClr val="lt1"/>
+            </a:fontRef>
+          </p:style>
+          <p:txBody>
+            <a:bodyPr rtlCol="0" anchor="ctr"/>
+            <a:lstStyle/>
+            <a:p>
+              <a:pPr algn="ctr" rtl="0"/>
+              <a:endParaRPr lang="ru-RU" kern="1200">
+                <a:solidFill>
+                  <a:prstClr val="white"/>
+                </a:solidFill>
+                <a:latin typeface="SamsungOne 450C"/>
+                <a:ea typeface="+mn-ea"/>
+                <a:cs typeface="+mn-cs"/>
+              </a:endParaRPr>
+            </a:p>
+          </p:txBody>
+        </p:sp>
+        <p:sp>
+          <p:nvSpPr>
+            <p:cNvPr id="34" name="Овал 33">
+              <a:extLst>
+                <a:ext uri="{FF2B5EF4-FFF2-40B4-BE49-F238E27FC236}">
+                  <a16:creationId xmlns:a16="http://schemas.microsoft.com/office/drawing/2014/main" xmlns="" id="{AD0BBEA0-20B7-47E7-9148-C2C0DB9C2B6B}"/>
+                </a:ext>
+              </a:extLst>
+            </p:cNvPr>
+            <p:cNvSpPr/>
+            <p:nvPr/>
+          </p:nvSpPr>
+          <p:spPr>
+            <a:xfrm>
+              <a:off x="7081442" y="2471398"/>
+              <a:ext cx="130629" cy="130629"/>
+            </a:xfrm>
+            <a:prstGeom prst="ellipse">
+              <a:avLst/>
+            </a:prstGeom>
+            <a:noFill/>
+            <a:ln>
+              <a:solidFill>
+                <a:schemeClr val="bg1"/>
+              </a:solidFill>
+            </a:ln>
+          </p:spPr>
+          <p:style>
+            <a:lnRef idx="2">
+              <a:schemeClr val="accent1">
+                <a:shade val="50000"/>
+              </a:schemeClr>
+            </a:lnRef>
+            <a:fillRef idx="1">
+              <a:schemeClr val="accent1"/>
+            </a:fillRef>
+            <a:effectRef idx="0">
+              <a:schemeClr val="accent1"/>
+            </a:effectRef>
+            <a:fontRef idx="minor">
+              <a:schemeClr val="lt1"/>
+            </a:fontRef>
+          </p:style>
+          <p:txBody>
+            <a:bodyPr rtlCol="0" anchor="ctr"/>
+            <a:lstStyle/>
+            <a:p>
+              <a:pPr algn="ctr" rtl="0"/>
+              <a:endParaRPr lang="ru-RU" kern="1200">
+                <a:solidFill>
+                  <a:prstClr val="white"/>
+                </a:solidFill>
+                <a:latin typeface="SamsungOne 450C"/>
+                <a:ea typeface="+mn-ea"/>
+                <a:cs typeface="+mn-cs"/>
+              </a:endParaRPr>
+            </a:p>
+          </p:txBody>
+        </p:sp>
+        <p:sp>
+          <p:nvSpPr>
+            <p:cNvPr id="35" name="Овал 34">
+              <a:extLst>
+                <a:ext uri="{FF2B5EF4-FFF2-40B4-BE49-F238E27FC236}">
+                  <a16:creationId xmlns:a16="http://schemas.microsoft.com/office/drawing/2014/main" xmlns="" id="{F0A5DB99-6505-461F-95D0-9BF2F3882E33}"/>
+                </a:ext>
+              </a:extLst>
+            </p:cNvPr>
+            <p:cNvSpPr/>
+            <p:nvPr/>
+          </p:nvSpPr>
+          <p:spPr>
+            <a:xfrm>
+              <a:off x="7081442" y="2678448"/>
+              <a:ext cx="130629" cy="130629"/>
+            </a:xfrm>
+            <a:prstGeom prst="ellipse">
+              <a:avLst/>
+            </a:prstGeom>
+            <a:noFill/>
+            <a:ln>
+              <a:solidFill>
+                <a:schemeClr val="bg1"/>
+              </a:solidFill>
+            </a:ln>
+          </p:spPr>
+          <p:style>
+            <a:lnRef idx="2">
+              <a:schemeClr val="accent1">
+                <a:shade val="50000"/>
+              </a:schemeClr>
+            </a:lnRef>
+            <a:fillRef idx="1">
+              <a:schemeClr val="accent1"/>
+            </a:fillRef>
+            <a:effectRef idx="0">
+              <a:schemeClr val="accent1"/>
+            </a:effectRef>
+            <a:fontRef idx="minor">
+              <a:schemeClr val="lt1"/>
+            </a:fontRef>
+          </p:style>
+          <p:txBody>
+            <a:bodyPr rtlCol="0" anchor="ctr"/>
+            <a:lstStyle/>
+            <a:p>
+              <a:pPr algn="ctr" rtl="0"/>
+              <a:endParaRPr lang="ru-RU" kern="1200">
+                <a:solidFill>
+                  <a:prstClr val="white"/>
+                </a:solidFill>
+                <a:latin typeface="SamsungOne 450C"/>
+                <a:ea typeface="+mn-ea"/>
+                <a:cs typeface="+mn-cs"/>
+              </a:endParaRPr>
+            </a:p>
+          </p:txBody>
+        </p:sp>
+      </p:grpSp>
+    </p:spTree>
+    <p:extLst>
+      <p:ext uri="{BB962C8B-B14F-4D97-AF65-F5344CB8AC3E}">
+        <p14:creationId xmlns:p14="http://schemas.microsoft.com/office/powerpoint/2010/main" xmlns="" val="2689282344"/>
+      </p:ext>
+    </p:extLst>
+  </p:cSld>
+  <p:clrMapOvr>
+    <a:masterClrMapping/>
+  </p:clrMapOvr>
+  <p:transition spd="slow">
+    <p:wipe dir="r"/>
+  </p:transition>
+</p:sldLayout>
+</file>
+
+<file path=ppt/slideLayouts/slideLayout14.xml><?xml version="1.0" encoding="utf-8"?>
+<p:sldLayout xmlns:a="http://schemas.openxmlformats.org/drawingml/2006/main" xmlns:r="http://schemas.openxmlformats.org/officeDocument/2006/relationships" xmlns:p="http://schemas.openxmlformats.org/presentationml/2006/main" type="title" preserve="1">
+  <p:cSld name="Title">
+    <p:spTree>
+      <p:nvGrpSpPr>
+        <p:cNvPr id="1" name=""/>
+        <p:cNvGrpSpPr/>
+        <p:nvPr/>
+      </p:nvGrpSpPr>
+      <p:grpSpPr>
+        <a:xfrm>
+          <a:off x="0" y="0"/>
+          <a:ext cx="0" cy="0"/>
+          <a:chOff x="0" y="0"/>
+          <a:chExt cx="0" cy="0"/>
+        </a:xfrm>
+      </p:grpSpPr>
+      <p:sp>
+        <p:nvSpPr>
+          <p:cNvPr id="2" name="Заголовок 1">
+            <a:extLst>
+              <a:ext uri="{FF2B5EF4-FFF2-40B4-BE49-F238E27FC236}">
+                <a16:creationId xmlns:a16="http://schemas.microsoft.com/office/drawing/2014/main" xmlns="" id="{9D10B654-93F3-4721-A290-17E9A5184111}"/>
+              </a:ext>
+            </a:extLst>
+          </p:cNvPr>
+          <p:cNvSpPr>
+            <a:spLocks noGrp="1"/>
+          </p:cNvSpPr>
+          <p:nvPr>
+            <p:ph type="ctrTitle"/>
+          </p:nvPr>
+        </p:nvSpPr>
+        <p:spPr>
+          <a:xfrm>
+            <a:off x="1143000" y="3129703"/>
+            <a:ext cx="6858000" cy="1360652"/>
+          </a:xfrm>
+        </p:spPr>
+        <p:txBody>
+          <a:bodyPr anchor="b"/>
+          <a:lstStyle>
+            <a:lvl1pPr algn="ctr">
+              <a:defRPr sz="6000"/>
+            </a:lvl1pPr>
+          </a:lstStyle>
+          <a:p>
+            <a:r>
+              <a:rPr lang="ru-RU"/>
+              <a:t>Образец заголовка</a:t>
+            </a:r>
+          </a:p>
+        </p:txBody>
+      </p:sp>
+      <p:sp>
+        <p:nvSpPr>
+          <p:cNvPr id="3" name="Подзаголовок 2">
+            <a:extLst>
+              <a:ext uri="{FF2B5EF4-FFF2-40B4-BE49-F238E27FC236}">
+                <a16:creationId xmlns:a16="http://schemas.microsoft.com/office/drawing/2014/main" xmlns="" id="{6CB0B30C-7A61-451E-B6EB-667FC2B0DB67}"/>
+              </a:ext>
+            </a:extLst>
+          </p:cNvPr>
+          <p:cNvSpPr>
+            <a:spLocks noGrp="1"/>
+          </p:cNvSpPr>
+          <p:nvPr>
+            <p:ph type="subTitle" idx="1"/>
+          </p:nvPr>
+        </p:nvSpPr>
+        <p:spPr>
+          <a:xfrm>
+            <a:off x="1143000" y="4582431"/>
+            <a:ext cx="6858000" cy="866267"/>
+          </a:xfrm>
+        </p:spPr>
+        <p:txBody>
+          <a:bodyPr/>
+          <a:lstStyle>
+            <a:lvl1pPr marL="0" indent="0" algn="ctr">
+              <a:buNone/>
+              <a:defRPr sz="2400">
+                <a:solidFill>
+                  <a:schemeClr val="bg1"/>
+                </a:solidFill>
+              </a:defRPr>
+            </a:lvl1pPr>
+            <a:lvl2pPr marL="457200" indent="0" algn="ctr">
+              <a:buNone/>
+              <a:defRPr sz="2000"/>
+            </a:lvl2pPr>
+            <a:lvl3pPr marL="914400" indent="0" algn="ctr">
+              <a:buNone/>
+              <a:defRPr sz="1800"/>
+            </a:lvl3pPr>
+            <a:lvl4pPr marL="1371600" indent="0" algn="ctr">
+              <a:buNone/>
+              <a:defRPr sz="1600"/>
+            </a:lvl4pPr>
+            <a:lvl5pPr marL="1828800" indent="0" algn="ctr">
+              <a:buNone/>
+              <a:defRPr sz="1600"/>
+            </a:lvl5pPr>
+            <a:lvl6pPr marL="2286000" indent="0" algn="ctr">
+              <a:buNone/>
+              <a:defRPr sz="1600"/>
+            </a:lvl6pPr>
+            <a:lvl7pPr marL="2743200" indent="0" algn="ctr">
+              <a:buNone/>
+              <a:defRPr sz="1600"/>
+            </a:lvl7pPr>
+            <a:lvl8pPr marL="3200400" indent="0" algn="ctr">
+              <a:buNone/>
+              <a:defRPr sz="1600"/>
+            </a:lvl8pPr>
+            <a:lvl9pPr marL="3657600" indent="0" algn="ctr">
+              <a:buNone/>
+              <a:defRPr sz="1600"/>
+            </a:lvl9pPr>
+          </a:lstStyle>
+          <a:p>
+            <a:r>
+              <a:rPr lang="ru-RU"/>
+              <a:t>Образец подзаголовка</a:t>
+            </a:r>
+          </a:p>
+        </p:txBody>
+      </p:sp>
+      <p:sp>
+        <p:nvSpPr>
+          <p:cNvPr id="4" name="Дата 3">
+            <a:extLst>
+              <a:ext uri="{FF2B5EF4-FFF2-40B4-BE49-F238E27FC236}">
+                <a16:creationId xmlns:a16="http://schemas.microsoft.com/office/drawing/2014/main" xmlns="" id="{ACF9A802-5335-40EA-BD36-A4ED6BD71534}"/>
+              </a:ext>
+            </a:extLst>
+          </p:cNvPr>
+          <p:cNvSpPr>
+            <a:spLocks noGrp="1"/>
+          </p:cNvSpPr>
+          <p:nvPr>
+            <p:ph type="dt" sz="half" idx="10"/>
+          </p:nvPr>
+        </p:nvSpPr>
+        <p:spPr/>
+        <p:txBody>
+          <a:bodyPr/>
+          <a:lstStyle/>
+          <a:p>
+            <a:pPr algn="l" rtl="0"/>
+            <a:fld id="{8815E34C-0C06-422D-8445-4290A33915A8}" type="datetime1">
+              <a:rPr lang="ru-RU" sz="1200" kern="1200">
+                <a:solidFill>
+                  <a:srgbClr val="FFFFFF">
+                    <a:tint val="75000"/>
+                  </a:srgbClr>
+                </a:solidFill>
+                <a:latin typeface="SamsungOne 450C"/>
+                <a:ea typeface="+mn-ea"/>
+                <a:cs typeface="+mn-cs"/>
+              </a:rPr>
+              <a:pPr algn="l" rtl="0"/>
+              <a:t>26.05.2021</a:t>
+            </a:fld>
+            <a:endParaRPr lang="ru-RU" sz="1200" kern="1200">
+              <a:solidFill>
+                <a:srgbClr val="FFFFFF">
+                  <a:tint val="75000"/>
+                </a:srgbClr>
+              </a:solidFill>
+              <a:latin typeface="SamsungOne 450C"/>
+              <a:ea typeface="+mn-ea"/>
+              <a:cs typeface="+mn-cs"/>
+            </a:endParaRPr>
+          </a:p>
+        </p:txBody>
+      </p:sp>
+      <p:sp>
+        <p:nvSpPr>
+          <p:cNvPr id="5" name="Нижний колонтитул 4">
+            <a:extLst>
+              <a:ext uri="{FF2B5EF4-FFF2-40B4-BE49-F238E27FC236}">
+                <a16:creationId xmlns:a16="http://schemas.microsoft.com/office/drawing/2014/main" xmlns="" id="{4CCDB0EB-4A6A-49DF-BB01-129F4E1405CB}"/>
+              </a:ext>
+            </a:extLst>
+          </p:cNvPr>
+          <p:cNvSpPr>
+            <a:spLocks noGrp="1"/>
+          </p:cNvSpPr>
+          <p:nvPr>
+            <p:ph type="ftr" sz="quarter" idx="11"/>
+          </p:nvPr>
+        </p:nvSpPr>
+        <p:spPr/>
+        <p:txBody>
+          <a:bodyPr/>
+          <a:lstStyle/>
+          <a:p>
+            <a:pPr algn="ctr" rtl="0"/>
+            <a:endParaRPr lang="ru-RU" sz="1200" kern="1200">
+              <a:solidFill>
+                <a:srgbClr val="FFFFFF">
+                  <a:tint val="75000"/>
+                </a:srgbClr>
+              </a:solidFill>
+              <a:latin typeface="SamsungOne 450C"/>
+              <a:ea typeface="+mn-ea"/>
+              <a:cs typeface="+mn-cs"/>
+            </a:endParaRPr>
+          </a:p>
+        </p:txBody>
+      </p:sp>
+      <p:sp>
+        <p:nvSpPr>
+          <p:cNvPr id="6" name="Номер слайда 5">
+            <a:extLst>
+              <a:ext uri="{FF2B5EF4-FFF2-40B4-BE49-F238E27FC236}">
+                <a16:creationId xmlns:a16="http://schemas.microsoft.com/office/drawing/2014/main" xmlns="" id="{35CE9C39-4E1D-4183-B199-2D081277E3AA}"/>
+              </a:ext>
+            </a:extLst>
+          </p:cNvPr>
+          <p:cNvSpPr>
+            <a:spLocks noGrp="1"/>
+          </p:cNvSpPr>
+          <p:nvPr>
+            <p:ph type="sldNum" sz="quarter" idx="12"/>
+          </p:nvPr>
+        </p:nvSpPr>
+        <p:spPr/>
+        <p:txBody>
+          <a:bodyPr/>
+          <a:lstStyle/>
+          <a:p>
+            <a:pPr algn="r" rtl="0"/>
+            <a:fld id="{2D0A6DE4-523C-4F70-BC59-CD9CEAB9BA4C}" type="slidenum">
+              <a:rPr lang="ru-RU" sz="1200" kern="1200">
+                <a:solidFill>
+                  <a:srgbClr val="FFFFFF">
+                    <a:tint val="75000"/>
+                  </a:srgbClr>
+                </a:solidFill>
+                <a:latin typeface="SamsungOne 450C"/>
+                <a:ea typeface="+mn-ea"/>
+                <a:cs typeface="+mn-cs"/>
+              </a:rPr>
+              <a:pPr algn="r" rtl="0"/>
+              <a:t>‹#›</a:t>
+            </a:fld>
+            <a:endParaRPr lang="ru-RU" sz="1200" kern="1200">
+              <a:solidFill>
+                <a:srgbClr val="FFFFFF">
+                  <a:tint val="75000"/>
+                </a:srgbClr>
+              </a:solidFill>
+              <a:latin typeface="SamsungOne 450C"/>
+              <a:ea typeface="+mn-ea"/>
+              <a:cs typeface="+mn-cs"/>
+            </a:endParaRPr>
+          </a:p>
+        </p:txBody>
+      </p:sp>
+      <p:pic>
+        <p:nvPicPr>
+          <p:cNvPr id="7" name="Рисунок 6">
+            <a:extLst>
+              <a:ext uri="{FF2B5EF4-FFF2-40B4-BE49-F238E27FC236}">
+                <a16:creationId xmlns:a16="http://schemas.microsoft.com/office/drawing/2014/main" xmlns="" id="{71FD7808-0438-4480-A8FF-E29DCEE768E2}"/>
+              </a:ext>
+            </a:extLst>
+          </p:cNvPr>
+          <p:cNvPicPr>
+            <a:picLocks noChangeAspect="1"/>
+          </p:cNvPicPr>
+          <p:nvPr userDrawn="1"/>
+        </p:nvPicPr>
+        <p:blipFill>
+          <a:blip r:embed="rId2" cstate="print">
+            <a:extLst>
+              <a:ext uri="{28A0092B-C50C-407E-A947-70E740481C1C}">
+                <a14:useLocalDpi xmlns:a14="http://schemas.microsoft.com/office/drawing/2010/main" xmlns="" val="0"/>
+              </a:ext>
+            </a:extLst>
+          </a:blip>
+          <a:stretch>
+            <a:fillRect/>
+          </a:stretch>
+        </p:blipFill>
+        <p:spPr>
+          <a:xfrm>
+            <a:off x="2623008" y="1300561"/>
+            <a:ext cx="3561698" cy="1668544"/>
+          </a:xfrm>
+          <a:prstGeom prst="rect">
+            <a:avLst/>
+          </a:prstGeom>
+        </p:spPr>
+      </p:pic>
+      <p:grpSp>
+        <p:nvGrpSpPr>
+          <p:cNvPr id="10" name="Группа 11">
+            <a:extLst>
+              <a:ext uri="{FF2B5EF4-FFF2-40B4-BE49-F238E27FC236}">
+                <a16:creationId xmlns:a16="http://schemas.microsoft.com/office/drawing/2014/main" xmlns="" id="{82A927BB-4456-4AA2-AF00-6090662CA4DC}"/>
+              </a:ext>
+            </a:extLst>
+          </p:cNvPr>
+          <p:cNvGrpSpPr/>
+          <p:nvPr userDrawn="1"/>
+        </p:nvGrpSpPr>
+        <p:grpSpPr>
+          <a:xfrm>
+            <a:off x="0" y="9429"/>
+            <a:ext cx="1206707" cy="6839144"/>
+            <a:chOff x="-1" y="9429"/>
+            <a:chExt cx="1608943" cy="6839144"/>
+          </a:xfrm>
+        </p:grpSpPr>
+        <p:pic>
+          <p:nvPicPr>
+            <p:cNvPr id="8" name="Рисунок 7">
+              <a:extLst>
+                <a:ext uri="{FF2B5EF4-FFF2-40B4-BE49-F238E27FC236}">
+                  <a16:creationId xmlns:a16="http://schemas.microsoft.com/office/drawing/2014/main" xmlns="" id="{C463AE3D-6F37-4235-8BFD-EBD8FEC3C1BF}"/>
+                </a:ext>
+              </a:extLst>
+            </p:cNvPr>
+            <p:cNvPicPr>
+              <a:picLocks noChangeAspect="1"/>
+            </p:cNvPicPr>
+            <p:nvPr userDrawn="1"/>
+          </p:nvPicPr>
+          <p:blipFill rotWithShape="1">
+            <a:blip r:embed="rId3">
+              <a:extLst>
+                <a:ext uri="{28A0092B-C50C-407E-A947-70E740481C1C}">
+                  <a14:useLocalDpi xmlns:a14="http://schemas.microsoft.com/office/drawing/2010/main" xmlns="" val="0"/>
+                </a:ext>
+              </a:extLst>
+            </a:blip>
+            <a:srcRect l="50000" t="13961" b="54734"/>
+            <a:stretch/>
+          </p:blipFill>
+          <p:spPr>
+            <a:xfrm rot="5400000">
+              <a:off x="-1030206" y="1039634"/>
+              <a:ext cx="3201056" cy="1140645"/>
+            </a:xfrm>
+            <a:prstGeom prst="rect">
+              <a:avLst/>
+            </a:prstGeom>
+          </p:spPr>
+        </p:pic>
+        <p:pic>
+          <p:nvPicPr>
+            <p:cNvPr id="9" name="Рисунок 8">
+              <a:extLst>
+                <a:ext uri="{FF2B5EF4-FFF2-40B4-BE49-F238E27FC236}">
+                  <a16:creationId xmlns:a16="http://schemas.microsoft.com/office/drawing/2014/main" xmlns="" id="{2B2F3198-1EA3-4864-9C8E-69839F491D92}"/>
+                </a:ext>
+              </a:extLst>
+            </p:cNvPr>
+            <p:cNvPicPr>
+              <a:picLocks noChangeAspect="1"/>
+            </p:cNvPicPr>
+            <p:nvPr userDrawn="1"/>
+          </p:nvPicPr>
+          <p:blipFill rotWithShape="1">
+            <a:blip r:embed="rId4">
+              <a:extLst>
+                <a:ext uri="{28A0092B-C50C-407E-A947-70E740481C1C}">
+                  <a14:useLocalDpi xmlns:a14="http://schemas.microsoft.com/office/drawing/2010/main" xmlns="" val="0"/>
+                </a:ext>
+              </a:extLst>
+            </a:blip>
+            <a:srcRect l="50000" t="55842"/>
+            <a:stretch/>
+          </p:blipFill>
+          <p:spPr>
+            <a:xfrm rot="16200000">
+              <a:off x="-796056" y="4443574"/>
+              <a:ext cx="3201056" cy="1608941"/>
+            </a:xfrm>
+            <a:prstGeom prst="rect">
+              <a:avLst/>
+            </a:prstGeom>
+          </p:spPr>
+        </p:pic>
+      </p:grpSp>
+      <p:grpSp>
+        <p:nvGrpSpPr>
+          <p:cNvPr id="11" name="Группа 12">
+            <a:extLst>
+              <a:ext uri="{FF2B5EF4-FFF2-40B4-BE49-F238E27FC236}">
+                <a16:creationId xmlns:a16="http://schemas.microsoft.com/office/drawing/2014/main" xmlns="" id="{FD1F5E58-08B9-43B6-9CF8-68AF52E6DFA1}"/>
+              </a:ext>
+            </a:extLst>
+          </p:cNvPr>
+          <p:cNvGrpSpPr/>
+          <p:nvPr userDrawn="1"/>
+        </p:nvGrpSpPr>
+        <p:grpSpPr>
+          <a:xfrm rot="10800000">
+            <a:off x="7911997" y="0"/>
+            <a:ext cx="1206707" cy="6839144"/>
+            <a:chOff x="-1" y="9429"/>
+            <a:chExt cx="1608943" cy="6839144"/>
+          </a:xfrm>
+        </p:grpSpPr>
+        <p:pic>
+          <p:nvPicPr>
+            <p:cNvPr id="14" name="Рисунок 13">
+              <a:extLst>
+                <a:ext uri="{FF2B5EF4-FFF2-40B4-BE49-F238E27FC236}">
+                  <a16:creationId xmlns:a16="http://schemas.microsoft.com/office/drawing/2014/main" xmlns="" id="{344523D2-5A2A-4FE2-A104-DD929904318D}"/>
+                </a:ext>
+              </a:extLst>
+            </p:cNvPr>
+            <p:cNvPicPr>
+              <a:picLocks noChangeAspect="1"/>
+            </p:cNvPicPr>
+            <p:nvPr userDrawn="1"/>
+          </p:nvPicPr>
+          <p:blipFill rotWithShape="1">
+            <a:blip r:embed="rId5">
+              <a:extLst>
+                <a:ext uri="{28A0092B-C50C-407E-A947-70E740481C1C}">
+                  <a14:useLocalDpi xmlns:a14="http://schemas.microsoft.com/office/drawing/2010/main" xmlns="" val="0"/>
+                </a:ext>
+              </a:extLst>
+            </a:blip>
+            <a:srcRect l="50000" t="13961" b="54734"/>
+            <a:stretch/>
+          </p:blipFill>
+          <p:spPr>
+            <a:xfrm rot="5400000">
+              <a:off x="-1030206" y="1039634"/>
+              <a:ext cx="3201056" cy="1140645"/>
+            </a:xfrm>
+            <a:prstGeom prst="rect">
+              <a:avLst/>
+            </a:prstGeom>
+          </p:spPr>
+        </p:pic>
+        <p:pic>
+          <p:nvPicPr>
+            <p:cNvPr id="15" name="Рисунок 14">
+              <a:extLst>
+                <a:ext uri="{FF2B5EF4-FFF2-40B4-BE49-F238E27FC236}">
+                  <a16:creationId xmlns:a16="http://schemas.microsoft.com/office/drawing/2014/main" xmlns="" id="{60F1EB72-0D3C-4CF7-BA89-80474328040E}"/>
+                </a:ext>
+              </a:extLst>
+            </p:cNvPr>
+            <p:cNvPicPr>
+              <a:picLocks noChangeAspect="1"/>
+            </p:cNvPicPr>
+            <p:nvPr userDrawn="1"/>
+          </p:nvPicPr>
+          <p:blipFill rotWithShape="1">
+            <a:blip r:embed="rId6">
+              <a:extLst>
+                <a:ext uri="{28A0092B-C50C-407E-A947-70E740481C1C}">
+                  <a14:useLocalDpi xmlns:a14="http://schemas.microsoft.com/office/drawing/2010/main" xmlns="" val="0"/>
+                </a:ext>
+              </a:extLst>
+            </a:blip>
+            <a:srcRect l="50000" t="55842"/>
+            <a:stretch/>
+          </p:blipFill>
+          <p:spPr>
+            <a:xfrm rot="16200000">
+              <a:off x="-796056" y="4443574"/>
+              <a:ext cx="3201056" cy="1608941"/>
+            </a:xfrm>
+            <a:prstGeom prst="rect">
+              <a:avLst/>
+            </a:prstGeom>
+          </p:spPr>
+        </p:pic>
+      </p:grpSp>
+    </p:spTree>
+    <p:extLst>
+      <p:ext uri="{BB962C8B-B14F-4D97-AF65-F5344CB8AC3E}">
+        <p14:creationId xmlns:p14="http://schemas.microsoft.com/office/powerpoint/2010/main" xmlns="" val="1854442229"/>
+      </p:ext>
+    </p:extLst>
+  </p:cSld>
+  <p:clrMapOvr>
+    <a:masterClrMapping/>
+  </p:clrMapOvr>
+  <p:transition spd="slow">
+    <p:wipe dir="r"/>
+  </p:transition>
+</p:sldLayout>
+</file>
+
+<file path=ppt/slideLayouts/slideLayout15.xml><?xml version="1.0" encoding="utf-8"?>
+<p:sldLayout xmlns:a="http://schemas.openxmlformats.org/drawingml/2006/main" xmlns:r="http://schemas.openxmlformats.org/officeDocument/2006/relationships" xmlns:p="http://schemas.openxmlformats.org/presentationml/2006/main" preserve="1" userDrawn="1">
+  <p:cSld name="Main">
+    <p:spTree>
+      <p:nvGrpSpPr>
+        <p:cNvPr id="1" name=""/>
+        <p:cNvGrpSpPr/>
+        <p:nvPr/>
+      </p:nvGrpSpPr>
+      <p:grpSpPr>
+        <a:xfrm>
+          <a:off x="0" y="0"/>
+          <a:ext cx="0" cy="0"/>
+          <a:chOff x="0" y="0"/>
+          <a:chExt cx="0" cy="0"/>
+        </a:xfrm>
+      </p:grpSpPr>
+      <p:sp>
+        <p:nvSpPr>
+          <p:cNvPr id="3" name="Дата 2">
+            <a:extLst>
+              <a:ext uri="{FF2B5EF4-FFF2-40B4-BE49-F238E27FC236}">
+                <a16:creationId xmlns:a16="http://schemas.microsoft.com/office/drawing/2014/main" xmlns="" id="{268D3F8B-16D9-4FA9-A055-B3C99F9C7804}"/>
+              </a:ext>
+            </a:extLst>
+          </p:cNvPr>
+          <p:cNvSpPr>
+            <a:spLocks noGrp="1"/>
+          </p:cNvSpPr>
+          <p:nvPr>
+            <p:ph type="dt" sz="half" idx="10"/>
+          </p:nvPr>
+        </p:nvSpPr>
+        <p:spPr/>
+        <p:txBody>
+          <a:bodyPr/>
+          <a:lstStyle/>
+          <a:p>
+            <a:pPr algn="l" rtl="0"/>
+            <a:fld id="{E5875349-B8FF-4EAF-9758-1B6C76217467}" type="datetime1">
+              <a:rPr lang="ru-RU" sz="1200" kern="1200">
+                <a:solidFill>
+                  <a:srgbClr val="FFFFFF">
+                    <a:tint val="75000"/>
+                  </a:srgbClr>
+                </a:solidFill>
+                <a:latin typeface="SamsungOne 450C"/>
+                <a:ea typeface="+mn-ea"/>
+                <a:cs typeface="+mn-cs"/>
+              </a:rPr>
+              <a:pPr algn="l" rtl="0"/>
+              <a:t>26.05.2021</a:t>
+            </a:fld>
+            <a:endParaRPr lang="ru-RU" sz="1200" kern="1200">
+              <a:solidFill>
+                <a:srgbClr val="FFFFFF">
+                  <a:tint val="75000"/>
+                </a:srgbClr>
+              </a:solidFill>
+              <a:latin typeface="SamsungOne 450C"/>
+              <a:ea typeface="+mn-ea"/>
+              <a:cs typeface="+mn-cs"/>
+            </a:endParaRPr>
+          </a:p>
+        </p:txBody>
+      </p:sp>
+      <p:sp>
+        <p:nvSpPr>
+          <p:cNvPr id="4" name="Нижний колонтитул 3">
+            <a:extLst>
+              <a:ext uri="{FF2B5EF4-FFF2-40B4-BE49-F238E27FC236}">
+                <a16:creationId xmlns:a16="http://schemas.microsoft.com/office/drawing/2014/main" xmlns="" id="{B958765E-1D59-4EBD-8B0C-D90EDEBF1927}"/>
+              </a:ext>
+            </a:extLst>
+          </p:cNvPr>
+          <p:cNvSpPr>
+            <a:spLocks noGrp="1"/>
+          </p:cNvSpPr>
+          <p:nvPr>
+            <p:ph type="ftr" sz="quarter" idx="11"/>
+          </p:nvPr>
+        </p:nvSpPr>
+        <p:spPr/>
+        <p:txBody>
+          <a:bodyPr/>
+          <a:lstStyle/>
+          <a:p>
+            <a:pPr algn="ctr" rtl="0"/>
+            <a:endParaRPr lang="ru-RU" sz="1200" kern="1200">
+              <a:solidFill>
+                <a:srgbClr val="FFFFFF">
+                  <a:tint val="75000"/>
+                </a:srgbClr>
+              </a:solidFill>
+              <a:latin typeface="SamsungOne 450C"/>
+              <a:ea typeface="+mn-ea"/>
+              <a:cs typeface="+mn-cs"/>
+            </a:endParaRPr>
+          </a:p>
+        </p:txBody>
+      </p:sp>
+      <p:sp>
+        <p:nvSpPr>
+          <p:cNvPr id="5" name="Номер слайда 4">
+            <a:extLst>
+              <a:ext uri="{FF2B5EF4-FFF2-40B4-BE49-F238E27FC236}">
+                <a16:creationId xmlns:a16="http://schemas.microsoft.com/office/drawing/2014/main" xmlns="" id="{84BC9D76-2C00-47FC-B1BC-53DDDD5D7BD2}"/>
+              </a:ext>
+            </a:extLst>
+          </p:cNvPr>
+          <p:cNvSpPr>
+            <a:spLocks noGrp="1"/>
+          </p:cNvSpPr>
+          <p:nvPr>
+            <p:ph type="sldNum" sz="quarter" idx="12"/>
+          </p:nvPr>
+        </p:nvSpPr>
+        <p:spPr/>
+        <p:txBody>
+          <a:bodyPr/>
+          <a:lstStyle/>
+          <a:p>
+            <a:pPr algn="r" rtl="0"/>
+            <a:fld id="{2D0A6DE4-523C-4F70-BC59-CD9CEAB9BA4C}" type="slidenum">
+              <a:rPr lang="ru-RU" sz="1200" kern="1200">
+                <a:solidFill>
+                  <a:srgbClr val="FFFFFF">
+                    <a:tint val="75000"/>
+                  </a:srgbClr>
+                </a:solidFill>
+                <a:latin typeface="SamsungOne 450C"/>
+                <a:ea typeface="+mn-ea"/>
+                <a:cs typeface="+mn-cs"/>
+              </a:rPr>
+              <a:pPr algn="r" rtl="0"/>
+              <a:t>‹#›</a:t>
+            </a:fld>
+            <a:endParaRPr lang="ru-RU" sz="1200" kern="1200">
+              <a:solidFill>
+                <a:srgbClr val="FFFFFF">
+                  <a:tint val="75000"/>
+                </a:srgbClr>
+              </a:solidFill>
+              <a:latin typeface="SamsungOne 450C"/>
+              <a:ea typeface="+mn-ea"/>
+              <a:cs typeface="+mn-cs"/>
+            </a:endParaRPr>
+          </a:p>
+        </p:txBody>
+      </p:sp>
+      <p:sp>
+        <p:nvSpPr>
+          <p:cNvPr id="6" name="Заголовок 1">
+            <a:extLst>
+              <a:ext uri="{FF2B5EF4-FFF2-40B4-BE49-F238E27FC236}">
+                <a16:creationId xmlns:a16="http://schemas.microsoft.com/office/drawing/2014/main" xmlns="" id="{2619D724-5309-42B0-9DD6-2097051A2255}"/>
+              </a:ext>
+            </a:extLst>
+          </p:cNvPr>
+          <p:cNvSpPr>
+            <a:spLocks noGrp="1"/>
+          </p:cNvSpPr>
+          <p:nvPr>
+            <p:ph type="title"/>
+          </p:nvPr>
+        </p:nvSpPr>
+        <p:spPr>
+          <a:xfrm>
+            <a:off x="628651" y="365126"/>
+            <a:ext cx="6943430" cy="690677"/>
+          </a:xfrm>
+          <a:prstGeom prst="rect">
+            <a:avLst/>
+          </a:prstGeom>
+        </p:spPr>
+        <p:txBody>
+          <a:bodyPr vert="horz" lIns="91440" tIns="45720" rIns="91440" bIns="45720" rtlCol="0" anchor="ctr">
+            <a:normAutofit/>
+          </a:bodyPr>
+          <a:lstStyle>
+            <a:lvl1pPr>
+              <a:defRPr sz="3200"/>
+            </a:lvl1pPr>
+          </a:lstStyle>
+          <a:p>
+            <a:r>
+              <a:rPr lang="ru-RU" dirty="0"/>
+              <a:t>Образец заголовка</a:t>
+            </a:r>
+          </a:p>
+        </p:txBody>
+      </p:sp>
+      <p:pic>
+        <p:nvPicPr>
+          <p:cNvPr id="8" name="Рисунок 7">
+            <a:extLst>
+              <a:ext uri="{FF2B5EF4-FFF2-40B4-BE49-F238E27FC236}">
+                <a16:creationId xmlns:a16="http://schemas.microsoft.com/office/drawing/2014/main" xmlns="" id="{58854032-24A2-4F97-996D-2040FAF5D95D}"/>
+              </a:ext>
+            </a:extLst>
+          </p:cNvPr>
+          <p:cNvPicPr>
+            <a:picLocks noChangeAspect="1"/>
+          </p:cNvPicPr>
+          <p:nvPr userDrawn="1"/>
+        </p:nvPicPr>
+        <p:blipFill>
+          <a:blip r:embed="rId2" cstate="print">
+            <a:extLst>
+              <a:ext uri="{28A0092B-C50C-407E-A947-70E740481C1C}">
+                <a14:useLocalDpi xmlns:a14="http://schemas.microsoft.com/office/drawing/2010/main" xmlns="" val="0"/>
+              </a:ext>
+            </a:extLst>
+          </a:blip>
+          <a:stretch>
+            <a:fillRect/>
+          </a:stretch>
+        </p:blipFill>
+        <p:spPr>
+          <a:xfrm>
+            <a:off x="7381188" y="284687"/>
+            <a:ext cx="1692111" cy="792701"/>
+          </a:xfrm>
+          <a:prstGeom prst="rect">
+            <a:avLst/>
+          </a:prstGeom>
+        </p:spPr>
+      </p:pic>
+      <p:pic>
+        <p:nvPicPr>
+          <p:cNvPr id="9" name="Рисунок 8">
+            <a:extLst>
+              <a:ext uri="{FF2B5EF4-FFF2-40B4-BE49-F238E27FC236}">
+                <a16:creationId xmlns:a16="http://schemas.microsoft.com/office/drawing/2014/main" xmlns="" id="{6EBF6EA5-4E5B-4CD5-90BE-6CA4D9B0937E}"/>
+              </a:ext>
+            </a:extLst>
+          </p:cNvPr>
+          <p:cNvPicPr>
+            <a:picLocks noChangeAspect="1"/>
+          </p:cNvPicPr>
+          <p:nvPr userDrawn="1"/>
+        </p:nvPicPr>
+        <p:blipFill rotWithShape="1">
+          <a:blip r:embed="rId3">
+            <a:extLst>
+              <a:ext uri="{28A0092B-C50C-407E-A947-70E740481C1C}">
+                <a14:useLocalDpi xmlns:a14="http://schemas.microsoft.com/office/drawing/2010/main" xmlns="" val="0"/>
+              </a:ext>
+            </a:extLst>
+          </a:blip>
+          <a:srcRect l="50000" t="13961" b="54734"/>
+          <a:stretch/>
+        </p:blipFill>
+        <p:spPr>
+          <a:xfrm rot="5400000">
+            <a:off x="-1172787" y="1182215"/>
+            <a:ext cx="3201056" cy="855484"/>
+          </a:xfrm>
+          <a:prstGeom prst="rect">
+            <a:avLst/>
+          </a:prstGeom>
+        </p:spPr>
+      </p:pic>
+      <p:pic>
+        <p:nvPicPr>
+          <p:cNvPr id="10" name="Рисунок 9">
+            <a:extLst>
+              <a:ext uri="{FF2B5EF4-FFF2-40B4-BE49-F238E27FC236}">
+                <a16:creationId xmlns:a16="http://schemas.microsoft.com/office/drawing/2014/main" xmlns="" id="{E50C46FF-DB49-4C1C-AE2F-D07AD97199BC}"/>
+              </a:ext>
+            </a:extLst>
+          </p:cNvPr>
+          <p:cNvPicPr>
+            <a:picLocks noChangeAspect="1"/>
+          </p:cNvPicPr>
+          <p:nvPr userDrawn="1"/>
+        </p:nvPicPr>
+        <p:blipFill rotWithShape="1">
+          <a:blip r:embed="rId4">
+            <a:extLst>
+              <a:ext uri="{28A0092B-C50C-407E-A947-70E740481C1C}">
+                <a14:useLocalDpi xmlns:a14="http://schemas.microsoft.com/office/drawing/2010/main" xmlns="" val="0"/>
+              </a:ext>
+            </a:extLst>
+          </a:blip>
+          <a:srcRect l="50000" t="55842"/>
+          <a:stretch/>
+        </p:blipFill>
+        <p:spPr>
+          <a:xfrm rot="16200000">
+            <a:off x="-997174" y="4644692"/>
+            <a:ext cx="3201056" cy="1206706"/>
+          </a:xfrm>
+          <a:prstGeom prst="rect">
+            <a:avLst/>
+          </a:prstGeom>
+        </p:spPr>
+      </p:pic>
+      <p:pic>
+        <p:nvPicPr>
+          <p:cNvPr id="12" name="Рисунок 11">
+            <a:extLst>
+              <a:ext uri="{FF2B5EF4-FFF2-40B4-BE49-F238E27FC236}">
+                <a16:creationId xmlns:a16="http://schemas.microsoft.com/office/drawing/2014/main" xmlns="" id="{FBF37052-BE88-4EBF-AE14-CA53F211E9DA}"/>
+              </a:ext>
+            </a:extLst>
+          </p:cNvPr>
+          <p:cNvPicPr>
+            <a:picLocks noChangeAspect="1"/>
+          </p:cNvPicPr>
+          <p:nvPr userDrawn="1"/>
+        </p:nvPicPr>
+        <p:blipFill rotWithShape="1">
+          <a:blip r:embed="rId5">
+            <a:extLst>
+              <a:ext uri="{28A0092B-C50C-407E-A947-70E740481C1C}">
+                <a14:useLocalDpi xmlns:a14="http://schemas.microsoft.com/office/drawing/2010/main" xmlns="" val="0"/>
+              </a:ext>
+            </a:extLst>
+          </a:blip>
+          <a:srcRect l="50000" t="13961" b="54734"/>
+          <a:stretch/>
+        </p:blipFill>
+        <p:spPr>
+          <a:xfrm rot="16200000">
+            <a:off x="7090433" y="4810875"/>
+            <a:ext cx="3201056" cy="855484"/>
+          </a:xfrm>
+          <a:prstGeom prst="rect">
+            <a:avLst/>
+          </a:prstGeom>
+        </p:spPr>
+      </p:pic>
+    </p:spTree>
+    <p:extLst>
+      <p:ext uri="{BB962C8B-B14F-4D97-AF65-F5344CB8AC3E}">
+        <p14:creationId xmlns:p14="http://schemas.microsoft.com/office/powerpoint/2010/main" xmlns="" val="3455829964"/>
+      </p:ext>
+    </p:extLst>
+  </p:cSld>
+  <p:clrMapOvr>
+    <a:masterClrMapping/>
+  </p:clrMapOvr>
+  <p:transition spd="slow">
+    <p:wipe dir="r"/>
+  </p:transition>
+</p:sldLayout>
+</file>
+
+<file path=ppt/slideLayouts/slideLayout16.xml><?xml version="1.0" encoding="utf-8"?>
+<p:sldLayout xmlns:a="http://schemas.openxmlformats.org/drawingml/2006/main" xmlns:r="http://schemas.openxmlformats.org/officeDocument/2006/relationships" xmlns:p="http://schemas.openxmlformats.org/presentationml/2006/main" preserve="1" userDrawn="1">
+  <p:cSld name="Final">
+    <p:spTree>
+      <p:nvGrpSpPr>
+        <p:cNvPr id="1" name=""/>
+        <p:cNvGrpSpPr/>
+        <p:nvPr/>
+      </p:nvGrpSpPr>
+      <p:grpSpPr>
+        <a:xfrm>
+          <a:off x="0" y="0"/>
+          <a:ext cx="0" cy="0"/>
+          <a:chOff x="0" y="0"/>
+          <a:chExt cx="0" cy="0"/>
+        </a:xfrm>
+      </p:grpSpPr>
+      <p:pic>
+        <p:nvPicPr>
+          <p:cNvPr id="8" name="Рисунок 7">
+            <a:extLst>
+              <a:ext uri="{FF2B5EF4-FFF2-40B4-BE49-F238E27FC236}">
+                <a16:creationId xmlns:a16="http://schemas.microsoft.com/office/drawing/2014/main" xmlns="" id="{33DF5192-23A1-4E74-948A-DD7949D7E813}"/>
+              </a:ext>
+            </a:extLst>
+          </p:cNvPr>
+          <p:cNvPicPr>
+            <a:picLocks noChangeAspect="1"/>
+          </p:cNvPicPr>
+          <p:nvPr userDrawn="1"/>
+        </p:nvPicPr>
+        <p:blipFill>
+          <a:blip r:embed="rId2">
+            <a:extLst>
+              <a:ext uri="{28A0092B-C50C-407E-A947-70E740481C1C}">
+                <a14:useLocalDpi xmlns:a14="http://schemas.microsoft.com/office/drawing/2010/main" xmlns="" val="0"/>
+              </a:ext>
+            </a:extLst>
+          </a:blip>
+          <a:stretch>
+            <a:fillRect/>
+          </a:stretch>
+        </p:blipFill>
+        <p:spPr>
+          <a:xfrm>
+            <a:off x="0" y="0"/>
+            <a:ext cx="9144000" cy="6858000"/>
+          </a:xfrm>
+          <a:prstGeom prst="rect">
+            <a:avLst/>
+          </a:prstGeom>
+        </p:spPr>
+      </p:pic>
+    </p:spTree>
+    <p:extLst>
+      <p:ext uri="{BB962C8B-B14F-4D97-AF65-F5344CB8AC3E}">
+        <p14:creationId xmlns:p14="http://schemas.microsoft.com/office/powerpoint/2010/main" xmlns="" val="256258894"/>
+      </p:ext>
+    </p:extLst>
+  </p:cSld>
+  <p:clrMapOvr>
+    <a:masterClrMapping/>
+  </p:clrMapOvr>
+  <p:transition spd="slow">
+    <p:wipe dir="r"/>
+  </p:transition>
 </p:sldLayout>
 </file>
 
@@ -790,7 +2752,8 @@
           <a:p>
             <a:fld id="{5B106E36-FD25-4E2D-B0AA-010F637433A0}" type="datetimeFigureOut">
               <a:rPr lang="ru-RU" smtClean="0"/>
-              <a:t>03.11.2006</a:t>
+              <a:pPr/>
+              <a:t>26.05.2021</a:t>
             </a:fld>
             <a:endParaRPr lang="ru-RU"/>
           </a:p>
@@ -832,6 +2795,7 @@
           <a:p>
             <a:fld id="{725C68B6-61C2-468F-89AB-4B9F7531AA68}" type="slidenum">
               <a:rPr lang="ru-RU" smtClean="0"/>
+              <a:pPr/>
               <a:t>‹#›</a:t>
             </a:fld>
             <a:endParaRPr lang="ru-RU"/>
@@ -1031,7 +2995,8 @@
           <a:p>
             <a:fld id="{5B106E36-FD25-4E2D-B0AA-010F637433A0}" type="datetimeFigureOut">
               <a:rPr lang="ru-RU" smtClean="0"/>
-              <a:t>03.11.2006</a:t>
+              <a:pPr/>
+              <a:t>26.05.2021</a:t>
             </a:fld>
             <a:endParaRPr lang="ru-RU"/>
           </a:p>
@@ -1073,6 +3038,7 @@
           <a:p>
             <a:fld id="{725C68B6-61C2-468F-89AB-4B9F7531AA68}" type="slidenum">
               <a:rPr lang="ru-RU" smtClean="0"/>
+              <a:pPr/>
               <a:t>‹#›</a:t>
             </a:fld>
             <a:endParaRPr lang="ru-RU"/>
@@ -1314,7 +3280,8 @@
           <a:p>
             <a:fld id="{5B106E36-FD25-4E2D-B0AA-010F637433A0}" type="datetimeFigureOut">
               <a:rPr lang="ru-RU" smtClean="0"/>
-              <a:t>03.11.2006</a:t>
+              <a:pPr/>
+              <a:t>26.05.2021</a:t>
             </a:fld>
             <a:endParaRPr lang="ru-RU"/>
           </a:p>
@@ -1356,6 +3323,7 @@
           <a:p>
             <a:fld id="{725C68B6-61C2-468F-89AB-4B9F7531AA68}" type="slidenum">
               <a:rPr lang="ru-RU" smtClean="0"/>
+              <a:pPr/>
               <a:t>‹#›</a:t>
             </a:fld>
             <a:endParaRPr lang="ru-RU"/>
@@ -1731,7 +3699,8 @@
           <a:p>
             <a:fld id="{5B106E36-FD25-4E2D-B0AA-010F637433A0}" type="datetimeFigureOut">
               <a:rPr lang="ru-RU" smtClean="0"/>
-              <a:t>03.11.2006</a:t>
+              <a:pPr/>
+              <a:t>26.05.2021</a:t>
             </a:fld>
             <a:endParaRPr lang="ru-RU"/>
           </a:p>
@@ -1773,6 +3742,7 @@
           <a:p>
             <a:fld id="{725C68B6-61C2-468F-89AB-4B9F7531AA68}" type="slidenum">
               <a:rPr lang="ru-RU" smtClean="0"/>
+              <a:pPr/>
               <a:t>‹#›</a:t>
             </a:fld>
             <a:endParaRPr lang="ru-RU"/>
@@ -1844,7 +3814,8 @@
           <a:p>
             <a:fld id="{5B106E36-FD25-4E2D-B0AA-010F637433A0}" type="datetimeFigureOut">
               <a:rPr lang="ru-RU" smtClean="0"/>
-              <a:t>03.11.2006</a:t>
+              <a:pPr/>
+              <a:t>26.05.2021</a:t>
             </a:fld>
             <a:endParaRPr lang="ru-RU"/>
           </a:p>
@@ -1886,6 +3857,7 @@
           <a:p>
             <a:fld id="{725C68B6-61C2-468F-89AB-4B9F7531AA68}" type="slidenum">
               <a:rPr lang="ru-RU" smtClean="0"/>
+              <a:pPr/>
               <a:t>‹#›</a:t>
             </a:fld>
             <a:endParaRPr lang="ru-RU"/>
@@ -1934,7 +3906,8 @@
           <a:p>
             <a:fld id="{5B106E36-FD25-4E2D-B0AA-010F637433A0}" type="datetimeFigureOut">
               <a:rPr lang="ru-RU" smtClean="0"/>
-              <a:t>03.11.2006</a:t>
+              <a:pPr/>
+              <a:t>26.05.2021</a:t>
             </a:fld>
             <a:endParaRPr lang="ru-RU"/>
           </a:p>
@@ -1976,6 +3949,7 @@
           <a:p>
             <a:fld id="{725C68B6-61C2-468F-89AB-4B9F7531AA68}" type="slidenum">
               <a:rPr lang="ru-RU" smtClean="0"/>
+              <a:pPr/>
               <a:t>‹#›</a:t>
             </a:fld>
             <a:endParaRPr lang="ru-RU"/>
@@ -2206,7 +4180,8 @@
           <a:p>
             <a:fld id="{5B106E36-FD25-4E2D-B0AA-010F637433A0}" type="datetimeFigureOut">
               <a:rPr lang="ru-RU" smtClean="0"/>
-              <a:t>03.11.2006</a:t>
+              <a:pPr/>
+              <a:t>26.05.2021</a:t>
             </a:fld>
             <a:endParaRPr lang="ru-RU"/>
           </a:p>
@@ -2248,6 +4223,7 @@
           <a:p>
             <a:fld id="{725C68B6-61C2-468F-89AB-4B9F7531AA68}" type="slidenum">
               <a:rPr lang="ru-RU" smtClean="0"/>
+              <a:pPr/>
               <a:t>‹#›</a:t>
             </a:fld>
             <a:endParaRPr lang="ru-RU"/>
@@ -2454,7 +4430,8 @@
           <a:p>
             <a:fld id="{5B106E36-FD25-4E2D-B0AA-010F637433A0}" type="datetimeFigureOut">
               <a:rPr lang="ru-RU" smtClean="0"/>
-              <a:t>03.11.2006</a:t>
+              <a:pPr/>
+              <a:t>26.05.2021</a:t>
             </a:fld>
             <a:endParaRPr lang="ru-RU"/>
           </a:p>
@@ -2496,6 +4473,7 @@
           <a:p>
             <a:fld id="{725C68B6-61C2-468F-89AB-4B9F7531AA68}" type="slidenum">
               <a:rPr lang="ru-RU" smtClean="0"/>
+              <a:pPr/>
               <a:t>‹#›</a:t>
             </a:fld>
             <a:endParaRPr lang="ru-RU"/>
@@ -2662,7 +4640,8 @@
           <a:p>
             <a:fld id="{5B106E36-FD25-4E2D-B0AA-010F637433A0}" type="datetimeFigureOut">
               <a:rPr lang="ru-RU" smtClean="0"/>
-              <a:t>03.11.2006</a:t>
+              <a:pPr/>
+              <a:t>26.05.2021</a:t>
             </a:fld>
             <a:endParaRPr lang="ru-RU"/>
           </a:p>
@@ -2740,6 +4719,7 @@
           <a:p>
             <a:fld id="{725C68B6-61C2-468F-89AB-4B9F7531AA68}" type="slidenum">
               <a:rPr lang="ru-RU" smtClean="0"/>
+              <a:pPr/>
               <a:t>‹#›</a:t>
             </a:fld>
             <a:endParaRPr lang="ru-RU"/>
@@ -3013,6 +4993,1603 @@
     </p:otherStyle>
   </p:txStyles>
 </p:sldMaster>
+</file>
+
+<file path=ppt/slideMasters/slideMaster2.xml><?xml version="1.0" encoding="utf-8"?>
+<p:sldMaster xmlns:a="http://schemas.openxmlformats.org/drawingml/2006/main" xmlns:r="http://schemas.openxmlformats.org/officeDocument/2006/relationships" xmlns:p="http://schemas.openxmlformats.org/presentationml/2006/main">
+  <p:cSld>
+    <p:bg>
+      <p:bgPr>
+        <a:blipFill dpi="0" rotWithShape="1">
+          <a:blip r:embed="rId7">
+            <a:lum/>
+          </a:blip>
+          <a:srcRect/>
+          <a:stretch>
+            <a:fillRect/>
+          </a:stretch>
+        </a:blipFill>
+        <a:effectLst/>
+      </p:bgPr>
+    </p:bg>
+    <p:spTree>
+      <p:nvGrpSpPr>
+        <p:cNvPr id="1" name=""/>
+        <p:cNvGrpSpPr/>
+        <p:nvPr/>
+      </p:nvGrpSpPr>
+      <p:grpSpPr>
+        <a:xfrm>
+          <a:off x="0" y="0"/>
+          <a:ext cx="0" cy="0"/>
+          <a:chOff x="0" y="0"/>
+          <a:chExt cx="0" cy="0"/>
+        </a:xfrm>
+      </p:grpSpPr>
+      <p:sp>
+        <p:nvSpPr>
+          <p:cNvPr id="2" name="Заголовок 1">
+            <a:extLst>
+              <a:ext uri="{FF2B5EF4-FFF2-40B4-BE49-F238E27FC236}">
+                <a16:creationId xmlns:a16="http://schemas.microsoft.com/office/drawing/2014/main" xmlns="" id="{E4C148D2-75F5-4968-BF4A-E2A681285841}"/>
+              </a:ext>
+            </a:extLst>
+          </p:cNvPr>
+          <p:cNvSpPr>
+            <a:spLocks noGrp="1"/>
+          </p:cNvSpPr>
+          <p:nvPr>
+            <p:ph type="title"/>
+          </p:nvPr>
+        </p:nvSpPr>
+        <p:spPr>
+          <a:xfrm>
+            <a:off x="628651" y="365126"/>
+            <a:ext cx="6943430" cy="690677"/>
+          </a:xfrm>
+          <a:prstGeom prst="rect">
+            <a:avLst/>
+          </a:prstGeom>
+        </p:spPr>
+        <p:txBody>
+          <a:bodyPr vert="horz" lIns="91440" tIns="45720" rIns="91440" bIns="45720" rtlCol="0" anchor="ctr">
+            <a:normAutofit/>
+          </a:bodyPr>
+          <a:lstStyle/>
+          <a:p>
+            <a:r>
+              <a:rPr lang="ru-RU" dirty="0"/>
+              <a:t>Образец заголовка</a:t>
+            </a:r>
+          </a:p>
+        </p:txBody>
+      </p:sp>
+      <p:sp>
+        <p:nvSpPr>
+          <p:cNvPr id="3" name="Текст 2">
+            <a:extLst>
+              <a:ext uri="{FF2B5EF4-FFF2-40B4-BE49-F238E27FC236}">
+                <a16:creationId xmlns:a16="http://schemas.microsoft.com/office/drawing/2014/main" xmlns="" id="{6EB7E328-62D0-4942-BE8A-B7D45C276374}"/>
+              </a:ext>
+            </a:extLst>
+          </p:cNvPr>
+          <p:cNvSpPr>
+            <a:spLocks noGrp="1"/>
+          </p:cNvSpPr>
+          <p:nvPr>
+            <p:ph type="body" idx="1"/>
+          </p:nvPr>
+        </p:nvSpPr>
+        <p:spPr>
+          <a:xfrm>
+            <a:off x="628650" y="1157827"/>
+            <a:ext cx="7886700" cy="5019137"/>
+          </a:xfrm>
+          <a:prstGeom prst="rect">
+            <a:avLst/>
+          </a:prstGeom>
+        </p:spPr>
+        <p:txBody>
+          <a:bodyPr vert="horz" lIns="91440" tIns="45720" rIns="91440" bIns="45720" rtlCol="0">
+            <a:normAutofit/>
+          </a:bodyPr>
+          <a:lstStyle/>
+          <a:p>
+            <a:pPr lvl="0"/>
+            <a:r>
+              <a:rPr lang="ru-RU"/>
+              <a:t>Образец текста</a:t>
+            </a:r>
+          </a:p>
+          <a:p>
+            <a:pPr lvl="1"/>
+            <a:r>
+              <a:rPr lang="ru-RU"/>
+              <a:t>Второй уровень</a:t>
+            </a:r>
+          </a:p>
+          <a:p>
+            <a:pPr lvl="2"/>
+            <a:r>
+              <a:rPr lang="ru-RU"/>
+              <a:t>Третий уровень</a:t>
+            </a:r>
+          </a:p>
+          <a:p>
+            <a:pPr lvl="3"/>
+            <a:r>
+              <a:rPr lang="ru-RU"/>
+              <a:t>Четвертый уровень</a:t>
+            </a:r>
+          </a:p>
+          <a:p>
+            <a:pPr lvl="4"/>
+            <a:r>
+              <a:rPr lang="ru-RU"/>
+              <a:t>Пятый уровень</a:t>
+            </a:r>
+          </a:p>
+        </p:txBody>
+      </p:sp>
+      <p:sp>
+        <p:nvSpPr>
+          <p:cNvPr id="4" name="Дата 3">
+            <a:extLst>
+              <a:ext uri="{FF2B5EF4-FFF2-40B4-BE49-F238E27FC236}">
+                <a16:creationId xmlns:a16="http://schemas.microsoft.com/office/drawing/2014/main" xmlns="" id="{4FE75776-B435-4876-8805-6D9ABA143099}"/>
+              </a:ext>
+            </a:extLst>
+          </p:cNvPr>
+          <p:cNvSpPr>
+            <a:spLocks noGrp="1"/>
+          </p:cNvSpPr>
+          <p:nvPr>
+            <p:ph type="dt" sz="half" idx="2"/>
+          </p:nvPr>
+        </p:nvSpPr>
+        <p:spPr>
+          <a:xfrm>
+            <a:off x="628650" y="6356351"/>
+            <a:ext cx="2057400" cy="365125"/>
+          </a:xfrm>
+          <a:prstGeom prst="rect">
+            <a:avLst/>
+          </a:prstGeom>
+        </p:spPr>
+        <p:txBody>
+          <a:bodyPr vert="horz" lIns="91440" tIns="45720" rIns="91440" bIns="45720" rtlCol="0" anchor="ctr"/>
+          <a:lstStyle>
+            <a:lvl1pPr algn="l">
+              <a:defRPr sz="1200">
+                <a:solidFill>
+                  <a:schemeClr val="tx1">
+                    <a:tint val="75000"/>
+                  </a:schemeClr>
+                </a:solidFill>
+              </a:defRPr>
+            </a:lvl1pPr>
+          </a:lstStyle>
+          <a:p>
+            <a:pPr rtl="0"/>
+            <a:fld id="{BA272BC7-7823-4DF6-81F1-7CEFB7B3C33C}" type="datetime1">
+              <a:rPr lang="ru-RU" kern="1200" smtClean="0">
+                <a:solidFill>
+                  <a:srgbClr val="FFFFFF">
+                    <a:tint val="75000"/>
+                  </a:srgbClr>
+                </a:solidFill>
+                <a:latin typeface="SamsungOne 450C"/>
+                <a:ea typeface="+mn-ea"/>
+                <a:cs typeface="+mn-cs"/>
+              </a:rPr>
+              <a:pPr rtl="0"/>
+              <a:t>26.05.2021</a:t>
+            </a:fld>
+            <a:endParaRPr lang="ru-RU" kern="1200">
+              <a:solidFill>
+                <a:srgbClr val="FFFFFF">
+                  <a:tint val="75000"/>
+                </a:srgbClr>
+              </a:solidFill>
+              <a:latin typeface="SamsungOne 450C"/>
+              <a:ea typeface="+mn-ea"/>
+              <a:cs typeface="+mn-cs"/>
+            </a:endParaRPr>
+          </a:p>
+        </p:txBody>
+      </p:sp>
+      <p:sp>
+        <p:nvSpPr>
+          <p:cNvPr id="5" name="Нижний колонтитул 4">
+            <a:extLst>
+              <a:ext uri="{FF2B5EF4-FFF2-40B4-BE49-F238E27FC236}">
+                <a16:creationId xmlns:a16="http://schemas.microsoft.com/office/drawing/2014/main" xmlns="" id="{DF0CE8DE-F8D7-4826-B98F-926078B078E1}"/>
+              </a:ext>
+            </a:extLst>
+          </p:cNvPr>
+          <p:cNvSpPr>
+            <a:spLocks noGrp="1"/>
+          </p:cNvSpPr>
+          <p:nvPr>
+            <p:ph type="ftr" sz="quarter" idx="3"/>
+          </p:nvPr>
+        </p:nvSpPr>
+        <p:spPr>
+          <a:xfrm>
+            <a:off x="3028950" y="6356351"/>
+            <a:ext cx="3086100" cy="365125"/>
+          </a:xfrm>
+          <a:prstGeom prst="rect">
+            <a:avLst/>
+          </a:prstGeom>
+        </p:spPr>
+        <p:txBody>
+          <a:bodyPr vert="horz" lIns="91440" tIns="45720" rIns="91440" bIns="45720" rtlCol="0" anchor="ctr"/>
+          <a:lstStyle>
+            <a:lvl1pPr algn="ctr">
+              <a:defRPr sz="1200">
+                <a:solidFill>
+                  <a:schemeClr val="tx1">
+                    <a:tint val="75000"/>
+                  </a:schemeClr>
+                </a:solidFill>
+              </a:defRPr>
+            </a:lvl1pPr>
+          </a:lstStyle>
+          <a:p>
+            <a:pPr rtl="0"/>
+            <a:endParaRPr lang="ru-RU" kern="1200">
+              <a:solidFill>
+                <a:srgbClr val="FFFFFF">
+                  <a:tint val="75000"/>
+                </a:srgbClr>
+              </a:solidFill>
+              <a:latin typeface="SamsungOne 450C"/>
+              <a:ea typeface="+mn-ea"/>
+              <a:cs typeface="+mn-cs"/>
+            </a:endParaRPr>
+          </a:p>
+        </p:txBody>
+      </p:sp>
+      <p:sp>
+        <p:nvSpPr>
+          <p:cNvPr id="6" name="Номер слайда 5">
+            <a:extLst>
+              <a:ext uri="{FF2B5EF4-FFF2-40B4-BE49-F238E27FC236}">
+                <a16:creationId xmlns:a16="http://schemas.microsoft.com/office/drawing/2014/main" xmlns="" id="{2013D883-9999-4B3C-991A-C0644E176ECB}"/>
+              </a:ext>
+            </a:extLst>
+          </p:cNvPr>
+          <p:cNvSpPr>
+            <a:spLocks noGrp="1"/>
+          </p:cNvSpPr>
+          <p:nvPr>
+            <p:ph type="sldNum" sz="quarter" idx="4"/>
+          </p:nvPr>
+        </p:nvSpPr>
+        <p:spPr>
+          <a:xfrm>
+            <a:off x="6457950" y="6356351"/>
+            <a:ext cx="2057400" cy="365125"/>
+          </a:xfrm>
+          <a:prstGeom prst="rect">
+            <a:avLst/>
+          </a:prstGeom>
+        </p:spPr>
+        <p:txBody>
+          <a:bodyPr vert="horz" lIns="91440" tIns="45720" rIns="91440" bIns="45720" rtlCol="0" anchor="ctr"/>
+          <a:lstStyle>
+            <a:lvl1pPr algn="r">
+              <a:defRPr sz="1200">
+                <a:solidFill>
+                  <a:schemeClr val="tx1">
+                    <a:tint val="75000"/>
+                  </a:schemeClr>
+                </a:solidFill>
+              </a:defRPr>
+            </a:lvl1pPr>
+          </a:lstStyle>
+          <a:p>
+            <a:pPr rtl="0"/>
+            <a:fld id="{2D0A6DE4-523C-4F70-BC59-CD9CEAB9BA4C}" type="slidenum">
+              <a:rPr lang="ru-RU" kern="1200" smtClean="0">
+                <a:solidFill>
+                  <a:srgbClr val="FFFFFF">
+                    <a:tint val="75000"/>
+                  </a:srgbClr>
+                </a:solidFill>
+                <a:latin typeface="SamsungOne 450C"/>
+                <a:ea typeface="+mn-ea"/>
+                <a:cs typeface="+mn-cs"/>
+              </a:rPr>
+              <a:pPr rtl="0"/>
+              <a:t>‹#›</a:t>
+            </a:fld>
+            <a:endParaRPr lang="ru-RU" kern="1200">
+              <a:solidFill>
+                <a:srgbClr val="FFFFFF">
+                  <a:tint val="75000"/>
+                </a:srgbClr>
+              </a:solidFill>
+              <a:latin typeface="SamsungOne 450C"/>
+              <a:ea typeface="+mn-ea"/>
+              <a:cs typeface="+mn-cs"/>
+            </a:endParaRPr>
+          </a:p>
+        </p:txBody>
+      </p:sp>
+    </p:spTree>
+    <p:extLst>
+      <p:ext uri="{BB962C8B-B14F-4D97-AF65-F5344CB8AC3E}">
+        <p14:creationId xmlns:p14="http://schemas.microsoft.com/office/powerpoint/2010/main" xmlns="" val="1418822774"/>
+      </p:ext>
+    </p:extLst>
+  </p:cSld>
+  <p:clrMap bg1="lt1" tx1="dk1" bg2="lt2" tx2="dk2" accent1="accent1" accent2="accent2" accent3="accent3" accent4="accent4" accent5="accent5" accent6="accent6" hlink="hlink" folHlink="folHlink"/>
+  <p:sldLayoutIdLst>
+    <p:sldLayoutId id="2147483661" r:id="rId1"/>
+    <p:sldLayoutId id="2147483662" r:id="rId2"/>
+    <p:sldLayoutId id="2147483663" r:id="rId3"/>
+    <p:sldLayoutId id="2147483664" r:id="rId4"/>
+    <p:sldLayoutId id="2147483665" r:id="rId5"/>
+  </p:sldLayoutIdLst>
+  <p:hf hdr="0" ftr="0"/>
+  <p:txStyles>
+    <p:titleStyle>
+      <a:lvl1pPr algn="l" defTabSz="914400" rtl="0" eaLnBrk="1" latinLnBrk="0" hangingPunct="1">
+        <a:lnSpc>
+          <a:spcPct val="80000"/>
+        </a:lnSpc>
+        <a:spcBef>
+          <a:spcPct val="0"/>
+        </a:spcBef>
+        <a:buNone/>
+        <a:defRPr sz="2400" kern="1200">
+          <a:solidFill>
+            <a:schemeClr val="tx1"/>
+          </a:solidFill>
+          <a:latin typeface="+mj-lt"/>
+          <a:ea typeface="+mj-ea"/>
+          <a:cs typeface="+mj-cs"/>
+        </a:defRPr>
+      </a:lvl1pPr>
+    </p:titleStyle>
+    <p:bodyStyle>
+      <a:lvl1pPr marL="228600" indent="-228600" algn="l" defTabSz="914400" rtl="0" eaLnBrk="1" latinLnBrk="0" hangingPunct="1">
+        <a:lnSpc>
+          <a:spcPct val="90000"/>
+        </a:lnSpc>
+        <a:spcBef>
+          <a:spcPts val="1000"/>
+        </a:spcBef>
+        <a:buFont typeface="Arial" panose="020B0604020202020204" pitchFamily="34" charset="0"/>
+        <a:buChar char="•"/>
+        <a:defRPr sz="2800" kern="1200">
+          <a:solidFill>
+            <a:schemeClr val="tx1"/>
+          </a:solidFill>
+          <a:latin typeface="+mn-lt"/>
+          <a:ea typeface="+mn-ea"/>
+          <a:cs typeface="+mn-cs"/>
+        </a:defRPr>
+      </a:lvl1pPr>
+      <a:lvl2pPr marL="685800" indent="-228600" algn="l" defTabSz="914400" rtl="0" eaLnBrk="1" latinLnBrk="0" hangingPunct="1">
+        <a:lnSpc>
+          <a:spcPct val="90000"/>
+        </a:lnSpc>
+        <a:spcBef>
+          <a:spcPts val="500"/>
+        </a:spcBef>
+        <a:buFont typeface="Arial" panose="020B0604020202020204" pitchFamily="34" charset="0"/>
+        <a:buChar char="•"/>
+        <a:defRPr sz="2400" kern="1200">
+          <a:solidFill>
+            <a:schemeClr val="tx1"/>
+          </a:solidFill>
+          <a:latin typeface="+mn-lt"/>
+          <a:ea typeface="+mn-ea"/>
+          <a:cs typeface="+mn-cs"/>
+        </a:defRPr>
+      </a:lvl2pPr>
+      <a:lvl3pPr marL="1143000" indent="-228600" algn="l" defTabSz="914400" rtl="0" eaLnBrk="1" latinLnBrk="0" hangingPunct="1">
+        <a:lnSpc>
+          <a:spcPct val="90000"/>
+        </a:lnSpc>
+        <a:spcBef>
+          <a:spcPts val="500"/>
+        </a:spcBef>
+        <a:buFont typeface="Arial" panose="020B0604020202020204" pitchFamily="34" charset="0"/>
+        <a:buChar char="•"/>
+        <a:defRPr sz="2000" kern="1200">
+          <a:solidFill>
+            <a:schemeClr val="tx1"/>
+          </a:solidFill>
+          <a:latin typeface="+mn-lt"/>
+          <a:ea typeface="+mn-ea"/>
+          <a:cs typeface="+mn-cs"/>
+        </a:defRPr>
+      </a:lvl3pPr>
+      <a:lvl4pPr marL="1600200" indent="-228600" algn="l" defTabSz="914400" rtl="0" eaLnBrk="1" latinLnBrk="0" hangingPunct="1">
+        <a:lnSpc>
+          <a:spcPct val="90000"/>
+        </a:lnSpc>
+        <a:spcBef>
+          <a:spcPts val="500"/>
+        </a:spcBef>
+        <a:buFont typeface="Arial" panose="020B0604020202020204" pitchFamily="34" charset="0"/>
+        <a:buChar char="•"/>
+        <a:defRPr sz="1800" kern="1200">
+          <a:solidFill>
+            <a:schemeClr val="tx1"/>
+          </a:solidFill>
+          <a:latin typeface="+mn-lt"/>
+          <a:ea typeface="+mn-ea"/>
+          <a:cs typeface="+mn-cs"/>
+        </a:defRPr>
+      </a:lvl4pPr>
+      <a:lvl5pPr marL="2057400" indent="-228600" algn="l" defTabSz="914400" rtl="0" eaLnBrk="1" latinLnBrk="0" hangingPunct="1">
+        <a:lnSpc>
+          <a:spcPct val="90000"/>
+        </a:lnSpc>
+        <a:spcBef>
+          <a:spcPts val="500"/>
+        </a:spcBef>
+        <a:buFont typeface="Arial" panose="020B0604020202020204" pitchFamily="34" charset="0"/>
+        <a:buChar char="•"/>
+        <a:defRPr sz="1800" kern="1200">
+          <a:solidFill>
+            <a:schemeClr val="tx1"/>
+          </a:solidFill>
+          <a:latin typeface="+mn-lt"/>
+          <a:ea typeface="+mn-ea"/>
+          <a:cs typeface="+mn-cs"/>
+        </a:defRPr>
+      </a:lvl5pPr>
+      <a:lvl6pPr marL="2514600" indent="-228600" algn="l" defTabSz="914400" rtl="0" eaLnBrk="1" latinLnBrk="0" hangingPunct="1">
+        <a:lnSpc>
+          <a:spcPct val="90000"/>
+        </a:lnSpc>
+        <a:spcBef>
+          <a:spcPts val="500"/>
+        </a:spcBef>
+        <a:buFont typeface="Arial" panose="020B0604020202020204" pitchFamily="34" charset="0"/>
+        <a:buChar char="•"/>
+        <a:defRPr sz="1800" kern="1200">
+          <a:solidFill>
+            <a:schemeClr val="tx1"/>
+          </a:solidFill>
+          <a:latin typeface="+mn-lt"/>
+          <a:ea typeface="+mn-ea"/>
+          <a:cs typeface="+mn-cs"/>
+        </a:defRPr>
+      </a:lvl6pPr>
+      <a:lvl7pPr marL="2971800" indent="-228600" algn="l" defTabSz="914400" rtl="0" eaLnBrk="1" latinLnBrk="0" hangingPunct="1">
+        <a:lnSpc>
+          <a:spcPct val="90000"/>
+        </a:lnSpc>
+        <a:spcBef>
+          <a:spcPts val="500"/>
+        </a:spcBef>
+        <a:buFont typeface="Arial" panose="020B0604020202020204" pitchFamily="34" charset="0"/>
+        <a:buChar char="•"/>
+        <a:defRPr sz="1800" kern="1200">
+          <a:solidFill>
+            <a:schemeClr val="tx1"/>
+          </a:solidFill>
+          <a:latin typeface="+mn-lt"/>
+          <a:ea typeface="+mn-ea"/>
+          <a:cs typeface="+mn-cs"/>
+        </a:defRPr>
+      </a:lvl7pPr>
+      <a:lvl8pPr marL="3429000" indent="-228600" algn="l" defTabSz="914400" rtl="0" eaLnBrk="1" latinLnBrk="0" hangingPunct="1">
+        <a:lnSpc>
+          <a:spcPct val="90000"/>
+        </a:lnSpc>
+        <a:spcBef>
+          <a:spcPts val="500"/>
+        </a:spcBef>
+        <a:buFont typeface="Arial" panose="020B0604020202020204" pitchFamily="34" charset="0"/>
+        <a:buChar char="•"/>
+        <a:defRPr sz="1800" kern="1200">
+          <a:solidFill>
+            <a:schemeClr val="tx1"/>
+          </a:solidFill>
+          <a:latin typeface="+mn-lt"/>
+          <a:ea typeface="+mn-ea"/>
+          <a:cs typeface="+mn-cs"/>
+        </a:defRPr>
+      </a:lvl8pPr>
+      <a:lvl9pPr marL="3886200" indent="-228600" algn="l" defTabSz="914400" rtl="0" eaLnBrk="1" latinLnBrk="0" hangingPunct="1">
+        <a:lnSpc>
+          <a:spcPct val="90000"/>
+        </a:lnSpc>
+        <a:spcBef>
+          <a:spcPts val="500"/>
+        </a:spcBef>
+        <a:buFont typeface="Arial" panose="020B0604020202020204" pitchFamily="34" charset="0"/>
+        <a:buChar char="•"/>
+        <a:defRPr sz="1800" kern="1200">
+          <a:solidFill>
+            <a:schemeClr val="tx1"/>
+          </a:solidFill>
+          <a:latin typeface="+mn-lt"/>
+          <a:ea typeface="+mn-ea"/>
+          <a:cs typeface="+mn-cs"/>
+        </a:defRPr>
+      </a:lvl9pPr>
+    </p:bodyStyle>
+    <p:otherStyle>
+      <a:defPPr>
+        <a:defRPr lang="ru-RU"/>
+      </a:defPPr>
+      <a:lvl1pPr marL="0" algn="l" defTabSz="914400" rtl="0" eaLnBrk="1" latinLnBrk="0" hangingPunct="1">
+        <a:defRPr sz="1800" kern="1200">
+          <a:solidFill>
+            <a:schemeClr val="tx1"/>
+          </a:solidFill>
+          <a:latin typeface="+mn-lt"/>
+          <a:ea typeface="+mn-ea"/>
+          <a:cs typeface="+mn-cs"/>
+        </a:defRPr>
+      </a:lvl1pPr>
+      <a:lvl2pPr marL="457200" algn="l" defTabSz="914400" rtl="0" eaLnBrk="1" latinLnBrk="0" hangingPunct="1">
+        <a:defRPr sz="1800" kern="1200">
+          <a:solidFill>
+            <a:schemeClr val="tx1"/>
+          </a:solidFill>
+          <a:latin typeface="+mn-lt"/>
+          <a:ea typeface="+mn-ea"/>
+          <a:cs typeface="+mn-cs"/>
+        </a:defRPr>
+      </a:lvl2pPr>
+      <a:lvl3pPr marL="914400" algn="l" defTabSz="914400" rtl="0" eaLnBrk="1" latinLnBrk="0" hangingPunct="1">
+        <a:defRPr sz="1800" kern="1200">
+          <a:solidFill>
+            <a:schemeClr val="tx1"/>
+          </a:solidFill>
+          <a:latin typeface="+mn-lt"/>
+          <a:ea typeface="+mn-ea"/>
+          <a:cs typeface="+mn-cs"/>
+        </a:defRPr>
+      </a:lvl3pPr>
+      <a:lvl4pPr marL="1371600" algn="l" defTabSz="914400" rtl="0" eaLnBrk="1" latinLnBrk="0" hangingPunct="1">
+        <a:defRPr sz="1800" kern="1200">
+          <a:solidFill>
+            <a:schemeClr val="tx1"/>
+          </a:solidFill>
+          <a:latin typeface="+mn-lt"/>
+          <a:ea typeface="+mn-ea"/>
+          <a:cs typeface="+mn-cs"/>
+        </a:defRPr>
+      </a:lvl4pPr>
+      <a:lvl5pPr marL="1828800" algn="l" defTabSz="914400" rtl="0" eaLnBrk="1" latinLnBrk="0" hangingPunct="1">
+        <a:defRPr sz="1800" kern="1200">
+          <a:solidFill>
+            <a:schemeClr val="tx1"/>
+          </a:solidFill>
+          <a:latin typeface="+mn-lt"/>
+          <a:ea typeface="+mn-ea"/>
+          <a:cs typeface="+mn-cs"/>
+        </a:defRPr>
+      </a:lvl5pPr>
+      <a:lvl6pPr marL="2286000" algn="l" defTabSz="914400" rtl="0" eaLnBrk="1" latinLnBrk="0" hangingPunct="1">
+        <a:defRPr sz="1800" kern="1200">
+          <a:solidFill>
+            <a:schemeClr val="tx1"/>
+          </a:solidFill>
+          <a:latin typeface="+mn-lt"/>
+          <a:ea typeface="+mn-ea"/>
+          <a:cs typeface="+mn-cs"/>
+        </a:defRPr>
+      </a:lvl6pPr>
+      <a:lvl7pPr marL="2743200" algn="l" defTabSz="914400" rtl="0" eaLnBrk="1" latinLnBrk="0" hangingPunct="1">
+        <a:defRPr sz="1800" kern="1200">
+          <a:solidFill>
+            <a:schemeClr val="tx1"/>
+          </a:solidFill>
+          <a:latin typeface="+mn-lt"/>
+          <a:ea typeface="+mn-ea"/>
+          <a:cs typeface="+mn-cs"/>
+        </a:defRPr>
+      </a:lvl7pPr>
+      <a:lvl8pPr marL="3200400" algn="l" defTabSz="914400" rtl="0" eaLnBrk="1" latinLnBrk="0" hangingPunct="1">
+        <a:defRPr sz="1800" kern="1200">
+          <a:solidFill>
+            <a:schemeClr val="tx1"/>
+          </a:solidFill>
+          <a:latin typeface="+mn-lt"/>
+          <a:ea typeface="+mn-ea"/>
+          <a:cs typeface="+mn-cs"/>
+        </a:defRPr>
+      </a:lvl8pPr>
+      <a:lvl9pPr marL="3657600" algn="l" defTabSz="914400" rtl="0" eaLnBrk="1" latinLnBrk="0" hangingPunct="1">
+        <a:defRPr sz="1800" kern="1200">
+          <a:solidFill>
+            <a:schemeClr val="tx1"/>
+          </a:solidFill>
+          <a:latin typeface="+mn-lt"/>
+          <a:ea typeface="+mn-ea"/>
+          <a:cs typeface="+mn-cs"/>
+        </a:defRPr>
+      </a:lvl9pPr>
+    </p:otherStyle>
+  </p:txStyles>
+</p:sldMaster>
+</file>
+
+<file path=ppt/slides/slide1.xml><?xml version="1.0" encoding="utf-8"?>
+<p:sld xmlns:a="http://schemas.openxmlformats.org/drawingml/2006/main" xmlns:r="http://schemas.openxmlformats.org/officeDocument/2006/relationships" xmlns:p="http://schemas.openxmlformats.org/presentationml/2006/main">
+  <p:cSld>
+    <p:spTree>
+      <p:nvGrpSpPr>
+        <p:cNvPr id="1" name=""/>
+        <p:cNvGrpSpPr/>
+        <p:nvPr/>
+      </p:nvGrpSpPr>
+      <p:grpSpPr>
+        <a:xfrm>
+          <a:off x="0" y="0"/>
+          <a:ext cx="0" cy="0"/>
+          <a:chOff x="0" y="0"/>
+          <a:chExt cx="0" cy="0"/>
+        </a:xfrm>
+      </p:grpSpPr>
+      <p:sp>
+        <p:nvSpPr>
+          <p:cNvPr id="2" name="Заголовок 1">
+            <a:extLst>
+              <a:ext uri="{FF2B5EF4-FFF2-40B4-BE49-F238E27FC236}">
+                <a16:creationId xmlns:a16="http://schemas.microsoft.com/office/drawing/2014/main" xmlns="" id="{00AD42FB-C595-4448-903C-F423BC2C9399}"/>
+              </a:ext>
+            </a:extLst>
+          </p:cNvPr>
+          <p:cNvSpPr txBox="1">
+            <a:spLocks/>
+          </p:cNvSpPr>
+          <p:nvPr/>
+        </p:nvSpPr>
+        <p:spPr>
+          <a:xfrm>
+            <a:off x="0" y="4071942"/>
+            <a:ext cx="9144000" cy="1360652"/>
+          </a:xfrm>
+          <a:prstGeom prst="rect">
+            <a:avLst/>
+          </a:prstGeom>
+        </p:spPr>
+        <p:txBody>
+          <a:bodyPr>
+            <a:normAutofit/>
+          </a:bodyPr>
+          <a:lstStyle/>
+          <a:p>
+            <a:pPr marL="0" marR="0" lvl="0" indent="0" algn="ctr" defTabSz="914400" rtl="0" eaLnBrk="1" fontAlgn="auto" latinLnBrk="0" hangingPunct="1">
+              <a:lnSpc>
+                <a:spcPct val="80000"/>
+              </a:lnSpc>
+              <a:spcBef>
+                <a:spcPct val="0"/>
+              </a:spcBef>
+              <a:spcAft>
+                <a:spcPts val="0"/>
+              </a:spcAft>
+              <a:buClrTx/>
+              <a:buSzTx/>
+              <a:buFontTx/>
+              <a:buNone/>
+              <a:tabLst/>
+              <a:defRPr/>
+            </a:pPr>
+            <a:r>
+              <a:rPr kumimoji="0" lang="ru-RU" sz="2400" b="0" i="0" u="none" strike="noStrike" kern="1200" cap="none" spc="0" normalizeH="0" baseline="0" noProof="0" dirty="0" smtClean="0">
+                <a:ln>
+                  <a:noFill/>
+                </a:ln>
+                <a:solidFill>
+                  <a:schemeClr val="tx1"/>
+                </a:solidFill>
+                <a:effectLst/>
+                <a:uLnTx/>
+                <a:uFillTx/>
+                <a:latin typeface="+mj-lt"/>
+                <a:ea typeface="+mj-ea"/>
+                <a:cs typeface="+mj-cs"/>
+              </a:rPr>
+              <a:t>Приложение для учёта расходов</a:t>
+            </a:r>
+            <a:endParaRPr kumimoji="0" lang="ru-RU" sz="2400" b="0" i="0" u="none" strike="noStrike" kern="1200" cap="none" spc="0" normalizeH="0" baseline="0" noProof="0" dirty="0">
+              <a:ln>
+                <a:noFill/>
+              </a:ln>
+              <a:solidFill>
+                <a:schemeClr val="tx1"/>
+              </a:solidFill>
+              <a:effectLst/>
+              <a:uLnTx/>
+              <a:uFillTx/>
+              <a:latin typeface="+mj-lt"/>
+              <a:ea typeface="+mj-ea"/>
+              <a:cs typeface="+mj-cs"/>
+            </a:endParaRPr>
+          </a:p>
+        </p:txBody>
+      </p:sp>
+      <p:sp>
+        <p:nvSpPr>
+          <p:cNvPr id="3" name="Подзаголовок 2">
+            <a:extLst>
+              <a:ext uri="{FF2B5EF4-FFF2-40B4-BE49-F238E27FC236}">
+                <a16:creationId xmlns:a16="http://schemas.microsoft.com/office/drawing/2014/main" xmlns="" id="{9D124A35-A450-4D5D-9EE2-711DE86C0CCA}"/>
+              </a:ext>
+            </a:extLst>
+          </p:cNvPr>
+          <p:cNvSpPr txBox="1">
+            <a:spLocks/>
+          </p:cNvSpPr>
+          <p:nvPr/>
+        </p:nvSpPr>
+        <p:spPr>
+          <a:xfrm>
+            <a:off x="0" y="5524669"/>
+            <a:ext cx="9144000" cy="866267"/>
+          </a:xfrm>
+          <a:prstGeom prst="rect">
+            <a:avLst/>
+          </a:prstGeom>
+        </p:spPr>
+        <p:txBody>
+          <a:bodyPr>
+            <a:normAutofit fontScale="55000" lnSpcReduction="20000"/>
+          </a:bodyPr>
+          <a:lstStyle/>
+          <a:p>
+            <a:pPr marL="228600" marR="0" lvl="0" indent="-228600" algn="ctr" defTabSz="914400" rtl="0" eaLnBrk="1" fontAlgn="auto" latinLnBrk="0" hangingPunct="1">
+              <a:lnSpc>
+                <a:spcPct val="90000"/>
+              </a:lnSpc>
+              <a:spcBef>
+                <a:spcPts val="1000"/>
+              </a:spcBef>
+              <a:spcAft>
+                <a:spcPts val="0"/>
+              </a:spcAft>
+              <a:buClrTx/>
+              <a:buSzTx/>
+              <a:buFont typeface="Arial" panose="020B0604020202020204" pitchFamily="34" charset="0"/>
+              <a:buChar char="•"/>
+              <a:tabLst/>
+              <a:defRPr/>
+            </a:pPr>
+            <a:r>
+              <a:rPr kumimoji="0" lang="ru-RU" sz="2800" b="0" i="0" u="none" strike="noStrike" kern="1200" cap="none" spc="0" normalizeH="0" baseline="0" noProof="0" dirty="0" smtClean="0">
+                <a:ln>
+                  <a:noFill/>
+                </a:ln>
+                <a:solidFill>
+                  <a:schemeClr val="tx1"/>
+                </a:solidFill>
+                <a:effectLst/>
+                <a:uLnTx/>
+                <a:uFillTx/>
+                <a:latin typeface="+mn-lt"/>
+                <a:ea typeface="+mn-ea"/>
+                <a:cs typeface="+mn-cs"/>
+              </a:rPr>
+              <a:t>Подготовил</a:t>
+            </a:r>
+            <a:r>
+              <a:rPr kumimoji="0" lang="en-US" sz="2800" b="0" i="0" u="none" strike="noStrike" kern="1200" cap="none" spc="0" normalizeH="0" baseline="0" noProof="0" dirty="0" smtClean="0">
+                <a:ln>
+                  <a:noFill/>
+                </a:ln>
+                <a:solidFill>
+                  <a:schemeClr val="tx1"/>
+                </a:solidFill>
+                <a:effectLst/>
+                <a:uLnTx/>
+                <a:uFillTx/>
+                <a:latin typeface="+mn-lt"/>
+                <a:ea typeface="+mn-ea"/>
+                <a:cs typeface="+mn-cs"/>
+              </a:rPr>
+              <a:t>:</a:t>
+            </a:r>
+            <a:r>
+              <a:rPr kumimoji="0" lang="ru-RU" sz="2800" b="0" i="0" u="none" strike="noStrike" kern="1200" cap="none" spc="0" normalizeH="0" baseline="0" noProof="0" dirty="0" smtClean="0">
+                <a:ln>
+                  <a:noFill/>
+                </a:ln>
+                <a:solidFill>
+                  <a:schemeClr val="tx1"/>
+                </a:solidFill>
+                <a:effectLst/>
+                <a:uLnTx/>
+                <a:uFillTx/>
+                <a:latin typeface="+mn-lt"/>
+                <a:ea typeface="+mn-ea"/>
+                <a:cs typeface="+mn-cs"/>
+              </a:rPr>
+              <a:t> </a:t>
+            </a:r>
+            <a:r>
+              <a:rPr kumimoji="0" lang="ru-RU" sz="2800" b="0" i="0" u="none" strike="noStrike" kern="1200" cap="none" spc="0" normalizeH="0" baseline="0" noProof="0" dirty="0" err="1" smtClean="0">
+                <a:ln>
+                  <a:noFill/>
+                </a:ln>
+                <a:solidFill>
+                  <a:schemeClr val="tx1"/>
+                </a:solidFill>
+                <a:effectLst/>
+                <a:uLnTx/>
+                <a:uFillTx/>
+                <a:latin typeface="+mn-lt"/>
+                <a:ea typeface="+mn-ea"/>
+                <a:cs typeface="+mn-cs"/>
+              </a:rPr>
+              <a:t>Завёрткин</a:t>
+            </a:r>
+            <a:r>
+              <a:rPr kumimoji="0" lang="ru-RU" sz="2800" b="0" i="0" u="none" strike="noStrike" kern="1200" cap="none" spc="0" normalizeH="0" baseline="0" noProof="0" dirty="0" smtClean="0">
+                <a:ln>
+                  <a:noFill/>
+                </a:ln>
+                <a:solidFill>
+                  <a:schemeClr val="tx1"/>
+                </a:solidFill>
+                <a:effectLst/>
+                <a:uLnTx/>
+                <a:uFillTx/>
+                <a:latin typeface="+mn-lt"/>
+                <a:ea typeface="+mn-ea"/>
+                <a:cs typeface="+mn-cs"/>
+              </a:rPr>
+              <a:t> Михаил</a:t>
+            </a:r>
+          </a:p>
+          <a:p>
+            <a:pPr marL="228600" marR="0" lvl="0" indent="-228600" algn="ctr" defTabSz="914400" rtl="0" eaLnBrk="1" fontAlgn="auto" latinLnBrk="0" hangingPunct="1">
+              <a:lnSpc>
+                <a:spcPct val="90000"/>
+              </a:lnSpc>
+              <a:spcBef>
+                <a:spcPts val="1000"/>
+              </a:spcBef>
+              <a:spcAft>
+                <a:spcPts val="0"/>
+              </a:spcAft>
+              <a:buClrTx/>
+              <a:buSzTx/>
+              <a:buFont typeface="Arial" panose="020B0604020202020204" pitchFamily="34" charset="0"/>
+              <a:buChar char="•"/>
+              <a:tabLst/>
+              <a:defRPr/>
+            </a:pPr>
+            <a:r>
+              <a:rPr kumimoji="0" lang="ru-RU" sz="2800" b="0" i="0" u="none" strike="noStrike" kern="1200" cap="none" spc="0" normalizeH="0" baseline="0" noProof="0" dirty="0" smtClean="0">
+                <a:ln>
+                  <a:noFill/>
+                </a:ln>
+                <a:solidFill>
+                  <a:schemeClr val="tx1"/>
+                </a:solidFill>
+                <a:effectLst/>
+                <a:uLnTx/>
+                <a:uFillTx/>
+                <a:latin typeface="+mn-lt"/>
+                <a:ea typeface="+mn-ea"/>
+                <a:cs typeface="+mn-cs"/>
+              </a:rPr>
+              <a:t> Площадка</a:t>
+            </a:r>
+            <a:r>
+              <a:rPr kumimoji="0" lang="en-US" sz="2800" b="0" i="0" u="none" strike="noStrike" kern="1200" cap="none" spc="0" normalizeH="0" baseline="0" noProof="0" dirty="0" smtClean="0">
+                <a:ln>
+                  <a:noFill/>
+                </a:ln>
+                <a:solidFill>
+                  <a:schemeClr val="tx1"/>
+                </a:solidFill>
+                <a:effectLst/>
+                <a:uLnTx/>
+                <a:uFillTx/>
+                <a:latin typeface="+mn-lt"/>
+                <a:ea typeface="+mn-ea"/>
+                <a:cs typeface="+mn-cs"/>
+              </a:rPr>
+              <a:t>: </a:t>
+            </a:r>
+            <a:r>
+              <a:rPr kumimoji="0" lang="ru-RU" sz="2800" b="0" i="0" u="none" strike="noStrike" kern="1200" cap="none" spc="0" normalizeH="0" baseline="0" noProof="0" dirty="0" smtClean="0">
+                <a:ln>
+                  <a:noFill/>
+                </a:ln>
+                <a:solidFill>
+                  <a:schemeClr val="tx1"/>
+                </a:solidFill>
+                <a:effectLst/>
+                <a:uLnTx/>
+                <a:uFillTx/>
+                <a:latin typeface="+mn-lt"/>
+                <a:ea typeface="+mn-ea"/>
+                <a:cs typeface="+mn-cs"/>
+              </a:rPr>
+              <a:t>Новосибирская классическая гимназия № 17</a:t>
+            </a:r>
+          </a:p>
+          <a:p>
+            <a:pPr marL="228600" marR="0" lvl="0" indent="-228600" algn="ctr" defTabSz="914400" rtl="0" eaLnBrk="1" fontAlgn="auto" latinLnBrk="0" hangingPunct="1">
+              <a:lnSpc>
+                <a:spcPct val="90000"/>
+              </a:lnSpc>
+              <a:spcBef>
+                <a:spcPts val="1000"/>
+              </a:spcBef>
+              <a:spcAft>
+                <a:spcPts val="0"/>
+              </a:spcAft>
+              <a:buClrTx/>
+              <a:buSzTx/>
+              <a:buFont typeface="Arial" panose="020B0604020202020204" pitchFamily="34" charset="0"/>
+              <a:buChar char="•"/>
+              <a:tabLst/>
+              <a:defRPr/>
+            </a:pPr>
+            <a:r>
+              <a:rPr kumimoji="0" lang="ru-RU" sz="2800" b="0" i="0" u="none" strike="noStrike" kern="1200" cap="none" spc="0" normalizeH="0" baseline="0" noProof="0" dirty="0" smtClean="0">
+                <a:ln>
+                  <a:noFill/>
+                </a:ln>
+                <a:solidFill>
+                  <a:schemeClr val="tx1"/>
+                </a:solidFill>
+                <a:effectLst/>
+                <a:uLnTx/>
+                <a:uFillTx/>
+                <a:latin typeface="+mn-lt"/>
+                <a:ea typeface="+mn-ea"/>
+                <a:cs typeface="+mn-cs"/>
+              </a:rPr>
+              <a:t>Руководитель</a:t>
+            </a:r>
+            <a:r>
+              <a:rPr kumimoji="0" lang="en-US" sz="2800" b="0" i="0" u="none" strike="noStrike" kern="1200" cap="none" spc="0" normalizeH="0" baseline="0" noProof="0" dirty="0" smtClean="0">
+                <a:ln>
+                  <a:noFill/>
+                </a:ln>
+                <a:solidFill>
+                  <a:schemeClr val="tx1"/>
+                </a:solidFill>
+                <a:effectLst/>
+                <a:uLnTx/>
+                <a:uFillTx/>
+                <a:latin typeface="+mn-lt"/>
+                <a:ea typeface="+mn-ea"/>
+                <a:cs typeface="+mn-cs"/>
+              </a:rPr>
+              <a:t>:</a:t>
+            </a:r>
+            <a:r>
+              <a:rPr kumimoji="0" lang="ru-RU" sz="2800" b="0" i="0" u="none" strike="noStrike" kern="1200" cap="none" spc="0" normalizeH="0" baseline="0" noProof="0" dirty="0" smtClean="0">
+                <a:ln>
+                  <a:noFill/>
+                </a:ln>
+                <a:solidFill>
+                  <a:schemeClr val="tx1"/>
+                </a:solidFill>
+                <a:effectLst/>
+                <a:uLnTx/>
+                <a:uFillTx/>
+                <a:latin typeface="+mn-lt"/>
+                <a:ea typeface="+mn-ea"/>
+                <a:cs typeface="+mn-cs"/>
+              </a:rPr>
+              <a:t> </a:t>
+            </a:r>
+            <a:r>
+              <a:rPr kumimoji="0" lang="ru-RU" sz="2800" b="0" i="0" u="none" strike="noStrike" kern="1200" cap="none" spc="0" normalizeH="0" baseline="0" noProof="0" dirty="0" err="1" smtClean="0">
+                <a:ln>
+                  <a:noFill/>
+                </a:ln>
+                <a:solidFill>
+                  <a:schemeClr val="tx1"/>
+                </a:solidFill>
+                <a:effectLst/>
+                <a:uLnTx/>
+                <a:uFillTx/>
+                <a:latin typeface="+mn-lt"/>
+                <a:ea typeface="+mn-ea"/>
+                <a:cs typeface="+mn-cs"/>
+              </a:rPr>
+              <a:t>Шперлинг</a:t>
+            </a:r>
+            <a:r>
+              <a:rPr kumimoji="0" lang="ru-RU" sz="2800" b="0" i="0" u="none" strike="noStrike" kern="1200" cap="none" spc="0" normalizeH="0" baseline="0" noProof="0" dirty="0" smtClean="0">
+                <a:ln>
+                  <a:noFill/>
+                </a:ln>
+                <a:solidFill>
+                  <a:schemeClr val="tx1"/>
+                </a:solidFill>
+                <a:effectLst/>
+                <a:uLnTx/>
+                <a:uFillTx/>
+                <a:latin typeface="+mn-lt"/>
+                <a:ea typeface="+mn-ea"/>
+                <a:cs typeface="+mn-cs"/>
+              </a:rPr>
+              <a:t> Владимир</a:t>
+            </a:r>
+            <a:endParaRPr kumimoji="0" lang="ru-RU" sz="2800" b="0" i="0" u="none" strike="noStrike" kern="1200" cap="none" spc="0" normalizeH="0" baseline="0" noProof="0" dirty="0">
+              <a:ln>
+                <a:noFill/>
+              </a:ln>
+              <a:solidFill>
+                <a:schemeClr val="tx1"/>
+              </a:solidFill>
+              <a:effectLst/>
+              <a:uLnTx/>
+              <a:uFillTx/>
+              <a:latin typeface="+mn-lt"/>
+              <a:ea typeface="+mn-ea"/>
+              <a:cs typeface="+mn-cs"/>
+            </a:endParaRPr>
+          </a:p>
+        </p:txBody>
+      </p:sp>
+    </p:spTree>
+    <p:extLst>
+      <p:ext uri="{BB962C8B-B14F-4D97-AF65-F5344CB8AC3E}">
+        <p14:creationId xmlns:p14="http://schemas.microsoft.com/office/powerpoint/2010/main" xmlns="" val="1483264820"/>
+      </p:ext>
+    </p:extLst>
+  </p:cSld>
+  <p:clrMapOvr>
+    <a:masterClrMapping/>
+  </p:clrMapOvr>
+  <p:transition spd="slow">
+    <p:wipe dir="r"/>
+  </p:transition>
+</p:sld>
+</file>
+
+<file path=ppt/slides/slide2.xml><?xml version="1.0" encoding="utf-8"?>
+<p:sld xmlns:a="http://schemas.openxmlformats.org/drawingml/2006/main" xmlns:r="http://schemas.openxmlformats.org/officeDocument/2006/relationships" xmlns:p="http://schemas.openxmlformats.org/presentationml/2006/main">
+  <p:cSld>
+    <p:spTree>
+      <p:nvGrpSpPr>
+        <p:cNvPr id="1" name=""/>
+        <p:cNvGrpSpPr/>
+        <p:nvPr/>
+      </p:nvGrpSpPr>
+      <p:grpSpPr>
+        <a:xfrm>
+          <a:off x="0" y="0"/>
+          <a:ext cx="0" cy="0"/>
+          <a:chOff x="0" y="0"/>
+          <a:chExt cx="0" cy="0"/>
+        </a:xfrm>
+      </p:grpSpPr>
+      <p:sp>
+        <p:nvSpPr>
+          <p:cNvPr id="2" name="TextBox 1"/>
+          <p:cNvSpPr txBox="1"/>
+          <p:nvPr/>
+        </p:nvSpPr>
+        <p:spPr>
+          <a:xfrm>
+            <a:off x="785786" y="785794"/>
+            <a:ext cx="2727029" cy="584775"/>
+          </a:xfrm>
+          <a:prstGeom prst="rect">
+            <a:avLst/>
+          </a:prstGeom>
+          <a:noFill/>
+        </p:spPr>
+        <p:txBody>
+          <a:bodyPr wrap="none" rtlCol="0">
+            <a:spAutoFit/>
+          </a:bodyPr>
+          <a:lstStyle/>
+          <a:p>
+            <a:r>
+              <a:rPr lang="ru-RU" sz="3200" b="1" dirty="0" smtClean="0"/>
+              <a:t>Цель и задачи</a:t>
+            </a:r>
+            <a:endParaRPr lang="ru-RU" sz="3200" b="1" dirty="0"/>
+          </a:p>
+        </p:txBody>
+      </p:sp>
+      <p:sp>
+        <p:nvSpPr>
+          <p:cNvPr id="3" name="TextBox 2"/>
+          <p:cNvSpPr txBox="1"/>
+          <p:nvPr/>
+        </p:nvSpPr>
+        <p:spPr>
+          <a:xfrm>
+            <a:off x="1142976" y="2285992"/>
+            <a:ext cx="5072098" cy="2862322"/>
+          </a:xfrm>
+          <a:prstGeom prst="rect">
+            <a:avLst/>
+          </a:prstGeom>
+          <a:noFill/>
+        </p:spPr>
+        <p:txBody>
+          <a:bodyPr wrap="square" rtlCol="0">
+            <a:spAutoFit/>
+          </a:bodyPr>
+          <a:lstStyle/>
+          <a:p>
+            <a:r>
+              <a:rPr lang="ru-RU" sz="2000" dirty="0" smtClean="0"/>
+              <a:t>Цель:</a:t>
+            </a:r>
+          </a:p>
+          <a:p>
+            <a:pPr>
+              <a:buFont typeface="Arial" pitchFamily="34" charset="0"/>
+              <a:buChar char="•"/>
+            </a:pPr>
+            <a:r>
+              <a:rPr lang="ru-RU" sz="2000" dirty="0" smtClean="0"/>
+              <a:t> </a:t>
+            </a:r>
+            <a:r>
+              <a:rPr lang="ru-RU" sz="2000" dirty="0" smtClean="0"/>
+              <a:t>Написание приложения для учёта расходов</a:t>
+            </a:r>
+          </a:p>
+          <a:p>
+            <a:endParaRPr lang="ru-RU" sz="2000" dirty="0" smtClean="0"/>
+          </a:p>
+          <a:p>
+            <a:r>
+              <a:rPr lang="ru-RU" sz="2000" dirty="0" smtClean="0"/>
+              <a:t>Задачи:</a:t>
+            </a:r>
+          </a:p>
+          <a:p>
+            <a:pPr>
+              <a:buFont typeface="Arial" pitchFamily="34" charset="0"/>
+              <a:buChar char="•"/>
+            </a:pPr>
+            <a:r>
+              <a:rPr lang="ru-RU" sz="2000" dirty="0" smtClean="0"/>
+              <a:t> Написание разметки</a:t>
+            </a:r>
+          </a:p>
+          <a:p>
+            <a:pPr>
+              <a:buFont typeface="Arial" pitchFamily="34" charset="0"/>
+              <a:buChar char="•"/>
+            </a:pPr>
+            <a:r>
+              <a:rPr lang="ru-RU" sz="2000" dirty="0" smtClean="0"/>
+              <a:t> </a:t>
+            </a:r>
+            <a:r>
+              <a:rPr lang="ru-RU" sz="2000" dirty="0" smtClean="0"/>
+              <a:t>Более глубокое изучение </a:t>
+            </a:r>
+            <a:r>
+              <a:rPr lang="en-US" sz="2000" dirty="0" smtClean="0"/>
+              <a:t>Room </a:t>
+            </a:r>
+            <a:r>
+              <a:rPr lang="ru-RU" sz="2000" dirty="0" smtClean="0"/>
+              <a:t>и написание базы данных</a:t>
+            </a:r>
+          </a:p>
+          <a:p>
+            <a:pPr>
+              <a:buFont typeface="Arial" pitchFamily="34" charset="0"/>
+              <a:buChar char="•"/>
+            </a:pPr>
+            <a:r>
+              <a:rPr lang="ru-RU" sz="2000" dirty="0" smtClean="0"/>
+              <a:t> </a:t>
+            </a:r>
+            <a:r>
+              <a:rPr lang="ru-RU" sz="2000" dirty="0" smtClean="0"/>
+              <a:t>Объединение разметки и модели</a:t>
+            </a:r>
+            <a:endParaRPr lang="ru-RU" sz="2000" dirty="0"/>
+          </a:p>
+        </p:txBody>
+      </p:sp>
+    </p:spTree>
+  </p:cSld>
+  <p:clrMapOvr>
+    <a:masterClrMapping/>
+  </p:clrMapOvr>
+  <p:transition spd="slow">
+    <p:wipe dir="r"/>
+  </p:transition>
+</p:sld>
+</file>
+
+<file path=ppt/slides/slide3.xml><?xml version="1.0" encoding="utf-8"?>
+<p:sld xmlns:a="http://schemas.openxmlformats.org/drawingml/2006/main" xmlns:r="http://schemas.openxmlformats.org/officeDocument/2006/relationships" xmlns:p="http://schemas.openxmlformats.org/presentationml/2006/main">
+  <p:cSld>
+    <p:spTree>
+      <p:nvGrpSpPr>
+        <p:cNvPr id="1" name=""/>
+        <p:cNvGrpSpPr/>
+        <p:nvPr/>
+      </p:nvGrpSpPr>
+      <p:grpSpPr>
+        <a:xfrm>
+          <a:off x="0" y="0"/>
+          <a:ext cx="0" cy="0"/>
+          <a:chOff x="0" y="0"/>
+          <a:chExt cx="0" cy="0"/>
+        </a:xfrm>
+      </p:grpSpPr>
+      <p:sp>
+        <p:nvSpPr>
+          <p:cNvPr id="2" name="TextBox 1"/>
+          <p:cNvSpPr txBox="1"/>
+          <p:nvPr/>
+        </p:nvSpPr>
+        <p:spPr>
+          <a:xfrm>
+            <a:off x="5286380" y="571480"/>
+            <a:ext cx="2574744" cy="584775"/>
+          </a:xfrm>
+          <a:prstGeom prst="rect">
+            <a:avLst/>
+          </a:prstGeom>
+          <a:noFill/>
+        </p:spPr>
+        <p:txBody>
+          <a:bodyPr wrap="none" rtlCol="0">
+            <a:spAutoFit/>
+          </a:bodyPr>
+          <a:lstStyle/>
+          <a:p>
+            <a:r>
+              <a:rPr lang="ru-RU" sz="3200" dirty="0" smtClean="0"/>
+              <a:t>Возможности</a:t>
+            </a:r>
+            <a:endParaRPr lang="ru-RU" sz="3200" dirty="0"/>
+          </a:p>
+        </p:txBody>
+      </p:sp>
+      <p:pic>
+        <p:nvPicPr>
+          <p:cNvPr id="1026" name="Picture 2"/>
+          <p:cNvPicPr>
+            <a:picLocks noChangeAspect="1" noChangeArrowheads="1"/>
+          </p:cNvPicPr>
+          <p:nvPr/>
+        </p:nvPicPr>
+        <p:blipFill>
+          <a:blip r:embed="rId2" cstate="print"/>
+          <a:srcRect/>
+          <a:stretch>
+            <a:fillRect/>
+          </a:stretch>
+        </p:blipFill>
+        <p:spPr bwMode="auto">
+          <a:xfrm>
+            <a:off x="214282" y="314199"/>
+            <a:ext cx="4000528" cy="6400845"/>
+          </a:xfrm>
+          <a:prstGeom prst="rect">
+            <a:avLst/>
+          </a:prstGeom>
+          <a:noFill/>
+          <a:ln w="9525">
+            <a:noFill/>
+            <a:miter lim="800000"/>
+            <a:headEnd/>
+            <a:tailEnd/>
+          </a:ln>
+          <a:effectLst/>
+        </p:spPr>
+      </p:pic>
+      <p:pic>
+        <p:nvPicPr>
+          <p:cNvPr id="1027" name="Picture 3"/>
+          <p:cNvPicPr>
+            <a:picLocks noChangeAspect="1" noChangeArrowheads="1"/>
+          </p:cNvPicPr>
+          <p:nvPr/>
+        </p:nvPicPr>
+        <p:blipFill>
+          <a:blip r:embed="rId3" cstate="print"/>
+          <a:srcRect/>
+          <a:stretch>
+            <a:fillRect/>
+          </a:stretch>
+        </p:blipFill>
+        <p:spPr bwMode="auto">
+          <a:xfrm>
+            <a:off x="5643570" y="1343011"/>
+            <a:ext cx="3357553" cy="5372085"/>
+          </a:xfrm>
+          <a:prstGeom prst="rect">
+            <a:avLst/>
+          </a:prstGeom>
+          <a:noFill/>
+          <a:ln w="9525">
+            <a:noFill/>
+            <a:miter lim="800000"/>
+            <a:headEnd/>
+            <a:tailEnd/>
+          </a:ln>
+          <a:effectLst/>
+        </p:spPr>
+      </p:pic>
+    </p:spTree>
+  </p:cSld>
+  <p:clrMapOvr>
+    <a:masterClrMapping/>
+  </p:clrMapOvr>
+  <p:transition spd="slow">
+    <p:wipe dir="r"/>
+  </p:transition>
+</p:sld>
+</file>
+
+<file path=ppt/slides/slide4.xml><?xml version="1.0" encoding="utf-8"?>
+<p:sld xmlns:a="http://schemas.openxmlformats.org/drawingml/2006/main" xmlns:r="http://schemas.openxmlformats.org/officeDocument/2006/relationships" xmlns:p="http://schemas.openxmlformats.org/presentationml/2006/main">
+  <p:cSld>
+    <p:spTree>
+      <p:nvGrpSpPr>
+        <p:cNvPr id="1" name=""/>
+        <p:cNvGrpSpPr/>
+        <p:nvPr/>
+      </p:nvGrpSpPr>
+      <p:grpSpPr>
+        <a:xfrm>
+          <a:off x="0" y="0"/>
+          <a:ext cx="0" cy="0"/>
+          <a:chOff x="0" y="0"/>
+          <a:chExt cx="0" cy="0"/>
+        </a:xfrm>
+      </p:grpSpPr>
+      <p:sp>
+        <p:nvSpPr>
+          <p:cNvPr id="2" name="TextBox 1"/>
+          <p:cNvSpPr txBox="1"/>
+          <p:nvPr/>
+        </p:nvSpPr>
+        <p:spPr>
+          <a:xfrm>
+            <a:off x="571472" y="857232"/>
+            <a:ext cx="4884671" cy="584775"/>
+          </a:xfrm>
+          <a:prstGeom prst="rect">
+            <a:avLst/>
+          </a:prstGeom>
+          <a:noFill/>
+        </p:spPr>
+        <p:txBody>
+          <a:bodyPr wrap="none" rtlCol="0">
+            <a:spAutoFit/>
+          </a:bodyPr>
+          <a:lstStyle/>
+          <a:p>
+            <a:r>
+              <a:rPr lang="ru-RU" sz="3200" dirty="0" smtClean="0"/>
+              <a:t>Используемые технологии</a:t>
+            </a:r>
+            <a:endParaRPr lang="ru-RU" sz="3200" dirty="0"/>
+          </a:p>
+        </p:txBody>
+      </p:sp>
+      <p:pic>
+        <p:nvPicPr>
+          <p:cNvPr id="2050" name="Picture 2" descr="https://androidluckyguys.files.wordpress.com/2018/02/f2003-screen2bshot2b2017-05-172bat2b5-08-052bpm.png"/>
+          <p:cNvPicPr>
+            <a:picLocks noChangeAspect="1" noChangeArrowheads="1"/>
+          </p:cNvPicPr>
+          <p:nvPr/>
+        </p:nvPicPr>
+        <p:blipFill>
+          <a:blip r:embed="rId2" cstate="print"/>
+          <a:srcRect/>
+          <a:stretch>
+            <a:fillRect/>
+          </a:stretch>
+        </p:blipFill>
+        <p:spPr bwMode="auto">
+          <a:xfrm>
+            <a:off x="214282" y="4857760"/>
+            <a:ext cx="4379699" cy="1785950"/>
+          </a:xfrm>
+          <a:prstGeom prst="rect">
+            <a:avLst/>
+          </a:prstGeom>
+          <a:noFill/>
+        </p:spPr>
+      </p:pic>
+      <p:pic>
+        <p:nvPicPr>
+          <p:cNvPr id="2052" name="Picture 4" descr="http://i1.ytimg.com/vi/QsBQnFUx388/maxresdefault.jpg"/>
+          <p:cNvPicPr>
+            <a:picLocks noChangeAspect="1" noChangeArrowheads="1"/>
+          </p:cNvPicPr>
+          <p:nvPr/>
+        </p:nvPicPr>
+        <p:blipFill>
+          <a:blip r:embed="rId3" cstate="print"/>
+          <a:srcRect/>
+          <a:stretch>
+            <a:fillRect/>
+          </a:stretch>
+        </p:blipFill>
+        <p:spPr bwMode="auto">
+          <a:xfrm>
+            <a:off x="4500562" y="2000240"/>
+            <a:ext cx="3913130" cy="2201136"/>
+          </a:xfrm>
+          <a:prstGeom prst="rect">
+            <a:avLst/>
+          </a:prstGeom>
+          <a:noFill/>
+        </p:spPr>
+      </p:pic>
+    </p:spTree>
+  </p:cSld>
+  <p:clrMapOvr>
+    <a:masterClrMapping/>
+  </p:clrMapOvr>
+  <p:transition spd="slow">
+    <p:wipe dir="r"/>
+  </p:transition>
+</p:sld>
+</file>
+
+<file path=ppt/slides/slide5.xml><?xml version="1.0" encoding="utf-8"?>
+<p:sld xmlns:a="http://schemas.openxmlformats.org/drawingml/2006/main" xmlns:r="http://schemas.openxmlformats.org/officeDocument/2006/relationships" xmlns:p="http://schemas.openxmlformats.org/presentationml/2006/main">
+  <p:cSld>
+    <p:spTree>
+      <p:nvGrpSpPr>
+        <p:cNvPr id="1" name=""/>
+        <p:cNvGrpSpPr/>
+        <p:nvPr/>
+      </p:nvGrpSpPr>
+      <p:grpSpPr>
+        <a:xfrm>
+          <a:off x="0" y="0"/>
+          <a:ext cx="0" cy="0"/>
+          <a:chOff x="0" y="0"/>
+          <a:chExt cx="0" cy="0"/>
+        </a:xfrm>
+      </p:grpSpPr>
+      <p:sp>
+        <p:nvSpPr>
+          <p:cNvPr id="2" name="TextBox 1"/>
+          <p:cNvSpPr txBox="1"/>
+          <p:nvPr/>
+        </p:nvSpPr>
+        <p:spPr>
+          <a:xfrm>
+            <a:off x="5786446" y="857232"/>
+            <a:ext cx="2762295" cy="584775"/>
+          </a:xfrm>
+          <a:prstGeom prst="rect">
+            <a:avLst/>
+          </a:prstGeom>
+          <a:noFill/>
+        </p:spPr>
+        <p:txBody>
+          <a:bodyPr wrap="none" rtlCol="0">
+            <a:spAutoFit/>
+          </a:bodyPr>
+          <a:lstStyle/>
+          <a:p>
+            <a:r>
+              <a:rPr lang="ru-RU" sz="3200" dirty="0" smtClean="0"/>
+              <a:t>Демонстрация</a:t>
+            </a:r>
+            <a:endParaRPr lang="ru-RU" sz="3200" dirty="0"/>
+          </a:p>
+        </p:txBody>
+      </p:sp>
+    </p:spTree>
+  </p:cSld>
+  <p:clrMapOvr>
+    <a:masterClrMapping/>
+  </p:clrMapOvr>
+  <p:transition spd="slow">
+    <p:wipe dir="r"/>
+  </p:transition>
+</p:sld>
+</file>
+
+<file path=ppt/slides/slide6.xml><?xml version="1.0" encoding="utf-8"?>
+<p:sld xmlns:a="http://schemas.openxmlformats.org/drawingml/2006/main" xmlns:r="http://schemas.openxmlformats.org/officeDocument/2006/relationships" xmlns:p="http://schemas.openxmlformats.org/presentationml/2006/main">
+  <p:cSld>
+    <p:spTree>
+      <p:nvGrpSpPr>
+        <p:cNvPr id="1" name=""/>
+        <p:cNvGrpSpPr/>
+        <p:nvPr/>
+      </p:nvGrpSpPr>
+      <p:grpSpPr>
+        <a:xfrm>
+          <a:off x="0" y="0"/>
+          <a:ext cx="0" cy="0"/>
+          <a:chOff x="0" y="0"/>
+          <a:chExt cx="0" cy="0"/>
+        </a:xfrm>
+      </p:grpSpPr>
+      <p:sp>
+        <p:nvSpPr>
+          <p:cNvPr id="2" name="TextBox 1"/>
+          <p:cNvSpPr txBox="1"/>
+          <p:nvPr/>
+        </p:nvSpPr>
+        <p:spPr>
+          <a:xfrm>
+            <a:off x="785786" y="785794"/>
+            <a:ext cx="2359941" cy="584775"/>
+          </a:xfrm>
+          <a:prstGeom prst="rect">
+            <a:avLst/>
+          </a:prstGeom>
+          <a:noFill/>
+        </p:spPr>
+        <p:txBody>
+          <a:bodyPr wrap="none" rtlCol="0">
+            <a:spAutoFit/>
+          </a:bodyPr>
+          <a:lstStyle/>
+          <a:p>
+            <a:r>
+              <a:rPr lang="ru-RU" sz="3200" dirty="0" smtClean="0"/>
+              <a:t>Заключение</a:t>
+            </a:r>
+            <a:endParaRPr lang="ru-RU" sz="3200" dirty="0"/>
+          </a:p>
+        </p:txBody>
+      </p:sp>
+      <p:pic>
+        <p:nvPicPr>
+          <p:cNvPr id="23554" name="Picture 2"/>
+          <p:cNvPicPr>
+            <a:picLocks noChangeAspect="1" noChangeArrowheads="1"/>
+          </p:cNvPicPr>
+          <p:nvPr/>
+        </p:nvPicPr>
+        <p:blipFill>
+          <a:blip r:embed="rId2"/>
+          <a:srcRect/>
+          <a:stretch>
+            <a:fillRect/>
+          </a:stretch>
+        </p:blipFill>
+        <p:spPr bwMode="auto">
+          <a:xfrm>
+            <a:off x="4000496" y="1428736"/>
+            <a:ext cx="4641876" cy="4865740"/>
+          </a:xfrm>
+          <a:prstGeom prst="rect">
+            <a:avLst/>
+          </a:prstGeom>
+          <a:noFill/>
+          <a:ln w="9525">
+            <a:noFill/>
+            <a:miter lim="800000"/>
+            <a:headEnd/>
+            <a:tailEnd/>
+          </a:ln>
+          <a:effectLst/>
+        </p:spPr>
+      </p:pic>
+    </p:spTree>
+  </p:cSld>
+  <p:clrMapOvr>
+    <a:masterClrMapping/>
+  </p:clrMapOvr>
+  <p:transition spd="slow">
+    <p:wipe dir="r"/>
+  </p:transition>
+</p:sld>
 </file>
 
 <file path=ppt/theme/theme1.xml><?xml version="1.0" encoding="utf-8"?>
@@ -3296,4 +6873,205 @@
   <a:objectDefaults/>
   <a:extraClrSchemeLst/>
 </a:theme>
+</file>
+
+<file path=ppt/theme/theme2.xml><?xml version="1.0" encoding="utf-8"?>
+<a:theme xmlns:a="http://schemas.openxmlformats.org/drawingml/2006/main" name="Samsung IT School">
+  <a:themeElements>
+    <a:clrScheme name="Другая 1">
+      <a:dk1>
+        <a:srgbClr val="FFFFFF"/>
+      </a:dk1>
+      <a:lt1>
+        <a:sysClr val="window" lastClr="FFFFFF"/>
+      </a:lt1>
+      <a:dk2>
+        <a:srgbClr val="44546A"/>
+      </a:dk2>
+      <a:lt2>
+        <a:srgbClr val="E7E6E6"/>
+      </a:lt2>
+      <a:accent1>
+        <a:srgbClr val="4472C4"/>
+      </a:accent1>
+      <a:accent2>
+        <a:srgbClr val="ED7D31"/>
+      </a:accent2>
+      <a:accent3>
+        <a:srgbClr val="A5A5A5"/>
+      </a:accent3>
+      <a:accent4>
+        <a:srgbClr val="FFC000"/>
+      </a:accent4>
+      <a:accent5>
+        <a:srgbClr val="5B9BD5"/>
+      </a:accent5>
+      <a:accent6>
+        <a:srgbClr val="70AD47"/>
+      </a:accent6>
+      <a:hlink>
+        <a:srgbClr val="E7E6E6"/>
+      </a:hlink>
+      <a:folHlink>
+        <a:srgbClr val="954F72"/>
+      </a:folHlink>
+    </a:clrScheme>
+    <a:fontScheme name="Samsung Fonts">
+      <a:majorFont>
+        <a:latin typeface="SamsungOne 800C"/>
+        <a:ea typeface=""/>
+        <a:cs typeface=""/>
+      </a:majorFont>
+      <a:minorFont>
+        <a:latin typeface="SamsungOne 450C"/>
+        <a:ea typeface=""/>
+        <a:cs typeface=""/>
+      </a:minorFont>
+    </a:fontScheme>
+    <a:fmtScheme name="Стандартная">
+      <a:fillStyleLst>
+        <a:solidFill>
+          <a:schemeClr val="phClr"/>
+        </a:solidFill>
+        <a:gradFill rotWithShape="1">
+          <a:gsLst>
+            <a:gs pos="0">
+              <a:schemeClr val="phClr">
+                <a:lumMod val="110000"/>
+                <a:satMod val="105000"/>
+                <a:tint val="67000"/>
+              </a:schemeClr>
+            </a:gs>
+            <a:gs pos="50000">
+              <a:schemeClr val="phClr">
+                <a:lumMod val="105000"/>
+                <a:satMod val="103000"/>
+                <a:tint val="73000"/>
+              </a:schemeClr>
+            </a:gs>
+            <a:gs pos="100000">
+              <a:schemeClr val="phClr">
+                <a:lumMod val="105000"/>
+                <a:satMod val="109000"/>
+                <a:tint val="81000"/>
+              </a:schemeClr>
+            </a:gs>
+          </a:gsLst>
+          <a:lin ang="5400000" scaled="0"/>
+        </a:gradFill>
+        <a:gradFill rotWithShape="1">
+          <a:gsLst>
+            <a:gs pos="0">
+              <a:schemeClr val="phClr">
+                <a:satMod val="103000"/>
+                <a:lumMod val="102000"/>
+                <a:tint val="94000"/>
+              </a:schemeClr>
+            </a:gs>
+            <a:gs pos="50000">
+              <a:schemeClr val="phClr">
+                <a:satMod val="110000"/>
+                <a:lumMod val="100000"/>
+                <a:shade val="100000"/>
+              </a:schemeClr>
+            </a:gs>
+            <a:gs pos="100000">
+              <a:schemeClr val="phClr">
+                <a:lumMod val="99000"/>
+                <a:satMod val="120000"/>
+                <a:shade val="78000"/>
+              </a:schemeClr>
+            </a:gs>
+          </a:gsLst>
+          <a:lin ang="5400000" scaled="0"/>
+        </a:gradFill>
+      </a:fillStyleLst>
+      <a:lnStyleLst>
+        <a:ln w="6350" cap="flat" cmpd="sng" algn="ctr">
+          <a:solidFill>
+            <a:schemeClr val="phClr"/>
+          </a:solidFill>
+          <a:prstDash val="solid"/>
+          <a:miter lim="800000"/>
+        </a:ln>
+        <a:ln w="12700" cap="flat" cmpd="sng" algn="ctr">
+          <a:solidFill>
+            <a:schemeClr val="phClr"/>
+          </a:solidFill>
+          <a:prstDash val="solid"/>
+          <a:miter lim="800000"/>
+        </a:ln>
+        <a:ln w="19050" cap="flat" cmpd="sng" algn="ctr">
+          <a:solidFill>
+            <a:schemeClr val="phClr"/>
+          </a:solidFill>
+          <a:prstDash val="solid"/>
+          <a:miter lim="800000"/>
+        </a:ln>
+      </a:lnStyleLst>
+      <a:effectStyleLst>
+        <a:effectStyle>
+          <a:effectLst/>
+        </a:effectStyle>
+        <a:effectStyle>
+          <a:effectLst/>
+        </a:effectStyle>
+        <a:effectStyle>
+          <a:effectLst>
+            <a:outerShdw blurRad="57150" dist="19050" dir="5400000" algn="ctr" rotWithShape="0">
+              <a:srgbClr val="000000">
+                <a:alpha val="63000"/>
+              </a:srgbClr>
+            </a:outerShdw>
+          </a:effectLst>
+        </a:effectStyle>
+      </a:effectStyleLst>
+      <a:bgFillStyleLst>
+        <a:solidFill>
+          <a:schemeClr val="phClr"/>
+        </a:solidFill>
+        <a:solidFill>
+          <a:schemeClr val="phClr">
+            <a:tint val="95000"/>
+            <a:satMod val="170000"/>
+          </a:schemeClr>
+        </a:solidFill>
+        <a:gradFill rotWithShape="1">
+          <a:gsLst>
+            <a:gs pos="0">
+              <a:schemeClr val="phClr">
+                <a:tint val="93000"/>
+                <a:satMod val="150000"/>
+                <a:shade val="98000"/>
+                <a:lumMod val="102000"/>
+              </a:schemeClr>
+            </a:gs>
+            <a:gs pos="50000">
+              <a:schemeClr val="phClr">
+                <a:tint val="98000"/>
+                <a:satMod val="130000"/>
+                <a:shade val="90000"/>
+                <a:lumMod val="103000"/>
+              </a:schemeClr>
+            </a:gs>
+            <a:gs pos="100000">
+              <a:schemeClr val="phClr">
+                <a:shade val="63000"/>
+                <a:satMod val="120000"/>
+              </a:schemeClr>
+            </a:gs>
+          </a:gsLst>
+          <a:lin ang="5400000" scaled="0"/>
+        </a:gradFill>
+      </a:bgFillStyleLst>
+    </a:fmtScheme>
+  </a:themeElements>
+  <a:objectDefaults/>
+  <a:extraClrSchemeLst/>
+  <a:extLst>
+    <a:ext uri="{05A4C25C-085E-4340-85A3-A5531E510DB2}">
+      <thm15:themeFamily xmlns:thm15="http://schemas.microsoft.com/office/thememl/2012/main" xmlns="" name="Office Theme" id="{62F939B6-93AF-4DB8-9C6B-D6C7DFDC589F}" vid="{4A3C46E8-61CC-4603-A589-7422A47A8E4A}"/>
+    </a:ext>
+  </a:extLst>
+</a:theme>
 </file>
--- a/Files/Презентация.pptx
+++ b/Files/Презентация.pptx
@@ -7,11 +7,12 @@
   </p:sldMasterIdLst>
   <p:sldIdLst>
     <p:sldId id="256" r:id="rId3"/>
-    <p:sldId id="257" r:id="rId4"/>
-    <p:sldId id="258" r:id="rId5"/>
-    <p:sldId id="259" r:id="rId6"/>
-    <p:sldId id="260" r:id="rId7"/>
-    <p:sldId id="261" r:id="rId8"/>
+    <p:sldId id="262" r:id="rId4"/>
+    <p:sldId id="257" r:id="rId5"/>
+    <p:sldId id="258" r:id="rId6"/>
+    <p:sldId id="259" r:id="rId7"/>
+    <p:sldId id="260" r:id="rId8"/>
+    <p:sldId id="261" r:id="rId9"/>
   </p:sldIdLst>
   <p:sldSz cx="9144000" cy="6858000" type="screen4x3"/>
   <p:notesSz cx="6858000" cy="9144000"/>
@@ -718,7 +719,7 @@
           <p:cNvPr id="13" name="Рисунок 12">
             <a:extLst>
               <a:ext uri="{FF2B5EF4-FFF2-40B4-BE49-F238E27FC236}">
-                <a16:creationId xmlns:a16="http://schemas.microsoft.com/office/drawing/2014/main" xmlns="" id="{4A31B4A1-04B8-44D5-9807-F086E65FC243}"/>
+                <a16:creationId xmlns="" xmlns:a16="http://schemas.microsoft.com/office/drawing/2014/main" id="{4A31B4A1-04B8-44D5-9807-F086E65FC243}"/>
               </a:ext>
             </a:extLst>
           </p:cNvPr>
@@ -731,7 +732,7 @@
           <a:blip r:embed="rId2">
             <a:extLst>
               <a:ext uri="{28A0092B-C50C-407E-A947-70E740481C1C}">
-                <a14:useLocalDpi xmlns:a14="http://schemas.microsoft.com/office/drawing/2010/main" xmlns="" val="0"/>
+                <a14:useLocalDpi xmlns="" xmlns:a14="http://schemas.microsoft.com/office/drawing/2010/main" val="0"/>
               </a:ext>
             </a:extLst>
           </a:blip>
@@ -753,7 +754,7 @@
           <p:cNvPr id="17" name="Рисунок 16">
             <a:extLst>
               <a:ext uri="{FF2B5EF4-FFF2-40B4-BE49-F238E27FC236}">
-                <a16:creationId xmlns:a16="http://schemas.microsoft.com/office/drawing/2014/main" xmlns="" id="{060B23B0-1F13-4112-BAB2-7DFE67F06978}"/>
+                <a16:creationId xmlns="" xmlns:a16="http://schemas.microsoft.com/office/drawing/2014/main" id="{060B23B0-1F13-4112-BAB2-7DFE67F06978}"/>
               </a:ext>
             </a:extLst>
           </p:cNvPr>
@@ -766,7 +767,7 @@
           <a:blip r:embed="rId3" cstate="print">
             <a:extLst>
               <a:ext uri="{28A0092B-C50C-407E-A947-70E740481C1C}">
-                <a14:useLocalDpi xmlns:a14="http://schemas.microsoft.com/office/drawing/2010/main" xmlns="" val="0"/>
+                <a14:useLocalDpi xmlns="" xmlns:a14="http://schemas.microsoft.com/office/drawing/2010/main" val="0"/>
               </a:ext>
             </a:extLst>
           </a:blip>
@@ -789,7 +790,7 @@
           <p:cNvPr id="18" name="Рисунок 17">
             <a:extLst>
               <a:ext uri="{FF2B5EF4-FFF2-40B4-BE49-F238E27FC236}">
-                <a16:creationId xmlns:a16="http://schemas.microsoft.com/office/drawing/2014/main" xmlns="" id="{F29E0DE8-6BA8-4BCD-9713-F4117FC7D2A8}"/>
+                <a16:creationId xmlns="" xmlns:a16="http://schemas.microsoft.com/office/drawing/2014/main" id="{F29E0DE8-6BA8-4BCD-9713-F4117FC7D2A8}"/>
               </a:ext>
             </a:extLst>
           </p:cNvPr>
@@ -802,7 +803,7 @@
           <a:blip r:embed="rId4">
             <a:extLst>
               <a:ext uri="{28A0092B-C50C-407E-A947-70E740481C1C}">
-                <a14:useLocalDpi xmlns:a14="http://schemas.microsoft.com/office/drawing/2010/main" xmlns="" val="0"/>
+                <a14:useLocalDpi xmlns="" xmlns:a14="http://schemas.microsoft.com/office/drawing/2010/main" val="0"/>
               </a:ext>
             </a:extLst>
           </a:blip>
@@ -824,7 +825,7 @@
           <p:cNvPr id="2" name="Группа 27">
             <a:extLst>
               <a:ext uri="{FF2B5EF4-FFF2-40B4-BE49-F238E27FC236}">
-                <a16:creationId xmlns:a16="http://schemas.microsoft.com/office/drawing/2014/main" xmlns="" id="{07BBF26F-CF90-4923-AF12-668894DE37DC}"/>
+                <a16:creationId xmlns="" xmlns:a16="http://schemas.microsoft.com/office/drawing/2014/main" id="{07BBF26F-CF90-4923-AF12-668894DE37DC}"/>
               </a:ext>
             </a:extLst>
           </p:cNvPr>
@@ -844,7 +845,7 @@
             <p:cNvPr id="29" name="Овал 28">
               <a:extLst>
                 <a:ext uri="{FF2B5EF4-FFF2-40B4-BE49-F238E27FC236}">
-                  <a16:creationId xmlns:a16="http://schemas.microsoft.com/office/drawing/2014/main" xmlns="" id="{33CD5DF1-0A51-4B8C-98D1-9408A20E705E}"/>
+                  <a16:creationId xmlns="" xmlns:a16="http://schemas.microsoft.com/office/drawing/2014/main" id="{33CD5DF1-0A51-4B8C-98D1-9408A20E705E}"/>
                 </a:ext>
               </a:extLst>
             </p:cNvPr>
@@ -903,7 +904,7 @@
             <p:cNvPr id="30" name="Овал 29">
               <a:extLst>
                 <a:ext uri="{FF2B5EF4-FFF2-40B4-BE49-F238E27FC236}">
-                  <a16:creationId xmlns:a16="http://schemas.microsoft.com/office/drawing/2014/main" xmlns="" id="{DD845DBC-7FF4-4F7E-BD11-080AB9E6BCD4}"/>
+                  <a16:creationId xmlns="" xmlns:a16="http://schemas.microsoft.com/office/drawing/2014/main" id="{DD845DBC-7FF4-4F7E-BD11-080AB9E6BCD4}"/>
                 </a:ext>
               </a:extLst>
             </p:cNvPr>
@@ -962,7 +963,7 @@
             <p:cNvPr id="31" name="Овал 30">
               <a:extLst>
                 <a:ext uri="{FF2B5EF4-FFF2-40B4-BE49-F238E27FC236}">
-                  <a16:creationId xmlns:a16="http://schemas.microsoft.com/office/drawing/2014/main" xmlns="" id="{8732161D-26BD-4287-9735-97BEF0C8FD13}"/>
+                  <a16:creationId xmlns="" xmlns:a16="http://schemas.microsoft.com/office/drawing/2014/main" id="{8732161D-26BD-4287-9735-97BEF0C8FD13}"/>
                 </a:ext>
               </a:extLst>
             </p:cNvPr>
@@ -1022,7 +1023,7 @@
           <p:cNvPr id="3" name="Группа 31">
             <a:extLst>
               <a:ext uri="{FF2B5EF4-FFF2-40B4-BE49-F238E27FC236}">
-                <a16:creationId xmlns:a16="http://schemas.microsoft.com/office/drawing/2014/main" xmlns="" id="{C6C7C577-D02F-475A-A11A-44E37236557A}"/>
+                <a16:creationId xmlns="" xmlns:a16="http://schemas.microsoft.com/office/drawing/2014/main" id="{C6C7C577-D02F-475A-A11A-44E37236557A}"/>
               </a:ext>
             </a:extLst>
           </p:cNvPr>
@@ -1042,7 +1043,7 @@
             <p:cNvPr id="33" name="Овал 32">
               <a:extLst>
                 <a:ext uri="{FF2B5EF4-FFF2-40B4-BE49-F238E27FC236}">
-                  <a16:creationId xmlns:a16="http://schemas.microsoft.com/office/drawing/2014/main" xmlns="" id="{11A52B35-C6A7-4021-B646-C13FF1E69398}"/>
+                  <a16:creationId xmlns="" xmlns:a16="http://schemas.microsoft.com/office/drawing/2014/main" id="{11A52B35-C6A7-4021-B646-C13FF1E69398}"/>
                 </a:ext>
               </a:extLst>
             </p:cNvPr>
@@ -1101,7 +1102,7 @@
             <p:cNvPr id="34" name="Овал 33">
               <a:extLst>
                 <a:ext uri="{FF2B5EF4-FFF2-40B4-BE49-F238E27FC236}">
-                  <a16:creationId xmlns:a16="http://schemas.microsoft.com/office/drawing/2014/main" xmlns="" id="{AD0BBEA0-20B7-47E7-9148-C2C0DB9C2B6B}"/>
+                  <a16:creationId xmlns="" xmlns:a16="http://schemas.microsoft.com/office/drawing/2014/main" id="{AD0BBEA0-20B7-47E7-9148-C2C0DB9C2B6B}"/>
                 </a:ext>
               </a:extLst>
             </p:cNvPr>
@@ -1160,7 +1161,7 @@
             <p:cNvPr id="35" name="Овал 34">
               <a:extLst>
                 <a:ext uri="{FF2B5EF4-FFF2-40B4-BE49-F238E27FC236}">
-                  <a16:creationId xmlns:a16="http://schemas.microsoft.com/office/drawing/2014/main" xmlns="" id="{F0A5DB99-6505-461F-95D0-9BF2F3882E33}"/>
+                  <a16:creationId xmlns="" xmlns:a16="http://schemas.microsoft.com/office/drawing/2014/main" id="{F0A5DB99-6505-461F-95D0-9BF2F3882E33}"/>
                 </a:ext>
               </a:extLst>
             </p:cNvPr>
@@ -1218,7 +1219,7 @@
     </p:spTree>
     <p:extLst>
       <p:ext uri="{BB962C8B-B14F-4D97-AF65-F5344CB8AC3E}">
-        <p14:creationId xmlns:p14="http://schemas.microsoft.com/office/powerpoint/2010/main" xmlns="" val="2183302227"/>
+        <p14:creationId xmlns="" xmlns:p14="http://schemas.microsoft.com/office/powerpoint/2010/main" val="2183302227"/>
       </p:ext>
     </p:extLst>
   </p:cSld>
@@ -1253,7 +1254,7 @@
           <p:cNvPr id="13" name="Рисунок 12">
             <a:extLst>
               <a:ext uri="{FF2B5EF4-FFF2-40B4-BE49-F238E27FC236}">
-                <a16:creationId xmlns:a16="http://schemas.microsoft.com/office/drawing/2014/main" xmlns="" id="{4A31B4A1-04B8-44D5-9807-F086E65FC243}"/>
+                <a16:creationId xmlns="" xmlns:a16="http://schemas.microsoft.com/office/drawing/2014/main" id="{4A31B4A1-04B8-44D5-9807-F086E65FC243}"/>
               </a:ext>
             </a:extLst>
           </p:cNvPr>
@@ -1266,7 +1267,7 @@
           <a:blip r:embed="rId2">
             <a:extLst>
               <a:ext uri="{28A0092B-C50C-407E-A947-70E740481C1C}">
-                <a14:useLocalDpi xmlns:a14="http://schemas.microsoft.com/office/drawing/2010/main" xmlns="" val="0"/>
+                <a14:useLocalDpi xmlns="" xmlns:a14="http://schemas.microsoft.com/office/drawing/2010/main" val="0"/>
               </a:ext>
             </a:extLst>
           </a:blip>
@@ -1288,7 +1289,7 @@
           <p:cNvPr id="18" name="Рисунок 17">
             <a:extLst>
               <a:ext uri="{FF2B5EF4-FFF2-40B4-BE49-F238E27FC236}">
-                <a16:creationId xmlns:a16="http://schemas.microsoft.com/office/drawing/2014/main" xmlns="" id="{F29E0DE8-6BA8-4BCD-9713-F4117FC7D2A8}"/>
+                <a16:creationId xmlns="" xmlns:a16="http://schemas.microsoft.com/office/drawing/2014/main" id="{F29E0DE8-6BA8-4BCD-9713-F4117FC7D2A8}"/>
               </a:ext>
             </a:extLst>
           </p:cNvPr>
@@ -1301,7 +1302,7 @@
           <a:blip r:embed="rId3">
             <a:extLst>
               <a:ext uri="{28A0092B-C50C-407E-A947-70E740481C1C}">
-                <a14:useLocalDpi xmlns:a14="http://schemas.microsoft.com/office/drawing/2010/main" xmlns="" val="0"/>
+                <a14:useLocalDpi xmlns="" xmlns:a14="http://schemas.microsoft.com/office/drawing/2010/main" val="0"/>
               </a:ext>
             </a:extLst>
           </a:blip>
@@ -1323,7 +1324,7 @@
           <p:cNvPr id="2" name="Группа 27">
             <a:extLst>
               <a:ext uri="{FF2B5EF4-FFF2-40B4-BE49-F238E27FC236}">
-                <a16:creationId xmlns:a16="http://schemas.microsoft.com/office/drawing/2014/main" xmlns="" id="{07BBF26F-CF90-4923-AF12-668894DE37DC}"/>
+                <a16:creationId xmlns="" xmlns:a16="http://schemas.microsoft.com/office/drawing/2014/main" id="{07BBF26F-CF90-4923-AF12-668894DE37DC}"/>
               </a:ext>
             </a:extLst>
           </p:cNvPr>
@@ -1343,7 +1344,7 @@
             <p:cNvPr id="29" name="Овал 28">
               <a:extLst>
                 <a:ext uri="{FF2B5EF4-FFF2-40B4-BE49-F238E27FC236}">
-                  <a16:creationId xmlns:a16="http://schemas.microsoft.com/office/drawing/2014/main" xmlns="" id="{33CD5DF1-0A51-4B8C-98D1-9408A20E705E}"/>
+                  <a16:creationId xmlns="" xmlns:a16="http://schemas.microsoft.com/office/drawing/2014/main" id="{33CD5DF1-0A51-4B8C-98D1-9408A20E705E}"/>
                 </a:ext>
               </a:extLst>
             </p:cNvPr>
@@ -1402,7 +1403,7 @@
             <p:cNvPr id="30" name="Овал 29">
               <a:extLst>
                 <a:ext uri="{FF2B5EF4-FFF2-40B4-BE49-F238E27FC236}">
-                  <a16:creationId xmlns:a16="http://schemas.microsoft.com/office/drawing/2014/main" xmlns="" id="{DD845DBC-7FF4-4F7E-BD11-080AB9E6BCD4}"/>
+                  <a16:creationId xmlns="" xmlns:a16="http://schemas.microsoft.com/office/drawing/2014/main" id="{DD845DBC-7FF4-4F7E-BD11-080AB9E6BCD4}"/>
                 </a:ext>
               </a:extLst>
             </p:cNvPr>
@@ -1461,7 +1462,7 @@
             <p:cNvPr id="31" name="Овал 30">
               <a:extLst>
                 <a:ext uri="{FF2B5EF4-FFF2-40B4-BE49-F238E27FC236}">
-                  <a16:creationId xmlns:a16="http://schemas.microsoft.com/office/drawing/2014/main" xmlns="" id="{8732161D-26BD-4287-9735-97BEF0C8FD13}"/>
+                  <a16:creationId xmlns="" xmlns:a16="http://schemas.microsoft.com/office/drawing/2014/main" id="{8732161D-26BD-4287-9735-97BEF0C8FD13}"/>
                 </a:ext>
               </a:extLst>
             </p:cNvPr>
@@ -1521,7 +1522,7 @@
           <p:cNvPr id="3" name="Группа 31">
             <a:extLst>
               <a:ext uri="{FF2B5EF4-FFF2-40B4-BE49-F238E27FC236}">
-                <a16:creationId xmlns:a16="http://schemas.microsoft.com/office/drawing/2014/main" xmlns="" id="{C6C7C577-D02F-475A-A11A-44E37236557A}"/>
+                <a16:creationId xmlns="" xmlns:a16="http://schemas.microsoft.com/office/drawing/2014/main" id="{C6C7C577-D02F-475A-A11A-44E37236557A}"/>
               </a:ext>
             </a:extLst>
           </p:cNvPr>
@@ -1541,7 +1542,7 @@
             <p:cNvPr id="33" name="Овал 32">
               <a:extLst>
                 <a:ext uri="{FF2B5EF4-FFF2-40B4-BE49-F238E27FC236}">
-                  <a16:creationId xmlns:a16="http://schemas.microsoft.com/office/drawing/2014/main" xmlns="" id="{11A52B35-C6A7-4021-B646-C13FF1E69398}"/>
+                  <a16:creationId xmlns="" xmlns:a16="http://schemas.microsoft.com/office/drawing/2014/main" id="{11A52B35-C6A7-4021-B646-C13FF1E69398}"/>
                 </a:ext>
               </a:extLst>
             </p:cNvPr>
@@ -1600,7 +1601,7 @@
             <p:cNvPr id="34" name="Овал 33">
               <a:extLst>
                 <a:ext uri="{FF2B5EF4-FFF2-40B4-BE49-F238E27FC236}">
-                  <a16:creationId xmlns:a16="http://schemas.microsoft.com/office/drawing/2014/main" xmlns="" id="{AD0BBEA0-20B7-47E7-9148-C2C0DB9C2B6B}"/>
+                  <a16:creationId xmlns="" xmlns:a16="http://schemas.microsoft.com/office/drawing/2014/main" id="{AD0BBEA0-20B7-47E7-9148-C2C0DB9C2B6B}"/>
                 </a:ext>
               </a:extLst>
             </p:cNvPr>
@@ -1659,7 +1660,7 @@
             <p:cNvPr id="35" name="Овал 34">
               <a:extLst>
                 <a:ext uri="{FF2B5EF4-FFF2-40B4-BE49-F238E27FC236}">
-                  <a16:creationId xmlns:a16="http://schemas.microsoft.com/office/drawing/2014/main" xmlns="" id="{F0A5DB99-6505-461F-95D0-9BF2F3882E33}"/>
+                  <a16:creationId xmlns="" xmlns:a16="http://schemas.microsoft.com/office/drawing/2014/main" id="{F0A5DB99-6505-461F-95D0-9BF2F3882E33}"/>
                 </a:ext>
               </a:extLst>
             </p:cNvPr>
@@ -1717,7 +1718,7 @@
     </p:spTree>
     <p:extLst>
       <p:ext uri="{BB962C8B-B14F-4D97-AF65-F5344CB8AC3E}">
-        <p14:creationId xmlns:p14="http://schemas.microsoft.com/office/powerpoint/2010/main" xmlns="" val="2689282344"/>
+        <p14:creationId xmlns="" xmlns:p14="http://schemas.microsoft.com/office/powerpoint/2010/main" val="2689282344"/>
       </p:ext>
     </p:extLst>
   </p:cSld>
@@ -1752,7 +1753,7 @@
           <p:cNvPr id="2" name="Заголовок 1">
             <a:extLst>
               <a:ext uri="{FF2B5EF4-FFF2-40B4-BE49-F238E27FC236}">
-                <a16:creationId xmlns:a16="http://schemas.microsoft.com/office/drawing/2014/main" xmlns="" id="{9D10B654-93F3-4721-A290-17E9A5184111}"/>
+                <a16:creationId xmlns="" xmlns:a16="http://schemas.microsoft.com/office/drawing/2014/main" id="{9D10B654-93F3-4721-A290-17E9A5184111}"/>
               </a:ext>
             </a:extLst>
           </p:cNvPr>
@@ -1789,7 +1790,7 @@
           <p:cNvPr id="3" name="Подзаголовок 2">
             <a:extLst>
               <a:ext uri="{FF2B5EF4-FFF2-40B4-BE49-F238E27FC236}">
-                <a16:creationId xmlns:a16="http://schemas.microsoft.com/office/drawing/2014/main" xmlns="" id="{6CB0B30C-7A61-451E-B6EB-667FC2B0DB67}"/>
+                <a16:creationId xmlns="" xmlns:a16="http://schemas.microsoft.com/office/drawing/2014/main" id="{6CB0B30C-7A61-451E-B6EB-667FC2B0DB67}"/>
               </a:ext>
             </a:extLst>
           </p:cNvPr>
@@ -1863,7 +1864,7 @@
           <p:cNvPr id="4" name="Дата 3">
             <a:extLst>
               <a:ext uri="{FF2B5EF4-FFF2-40B4-BE49-F238E27FC236}">
-                <a16:creationId xmlns:a16="http://schemas.microsoft.com/office/drawing/2014/main" xmlns="" id="{ACF9A802-5335-40EA-BD36-A4ED6BD71534}"/>
+                <a16:creationId xmlns="" xmlns:a16="http://schemas.microsoft.com/office/drawing/2014/main" id="{ACF9A802-5335-40EA-BD36-A4ED6BD71534}"/>
               </a:ext>
             </a:extLst>
           </p:cNvPr>
@@ -1912,7 +1913,7 @@
           <p:cNvPr id="5" name="Нижний колонтитул 4">
             <a:extLst>
               <a:ext uri="{FF2B5EF4-FFF2-40B4-BE49-F238E27FC236}">
-                <a16:creationId xmlns:a16="http://schemas.microsoft.com/office/drawing/2014/main" xmlns="" id="{4CCDB0EB-4A6A-49DF-BB01-129F4E1405CB}"/>
+                <a16:creationId xmlns="" xmlns:a16="http://schemas.microsoft.com/office/drawing/2014/main" id="{4CCDB0EB-4A6A-49DF-BB01-129F4E1405CB}"/>
               </a:ext>
             </a:extLst>
           </p:cNvPr>
@@ -1947,7 +1948,7 @@
           <p:cNvPr id="6" name="Номер слайда 5">
             <a:extLst>
               <a:ext uri="{FF2B5EF4-FFF2-40B4-BE49-F238E27FC236}">
-                <a16:creationId xmlns:a16="http://schemas.microsoft.com/office/drawing/2014/main" xmlns="" id="{35CE9C39-4E1D-4183-B199-2D081277E3AA}"/>
+                <a16:creationId xmlns="" xmlns:a16="http://schemas.microsoft.com/office/drawing/2014/main" id="{35CE9C39-4E1D-4183-B199-2D081277E3AA}"/>
               </a:ext>
             </a:extLst>
           </p:cNvPr>
@@ -1996,7 +1997,7 @@
           <p:cNvPr id="7" name="Рисунок 6">
             <a:extLst>
               <a:ext uri="{FF2B5EF4-FFF2-40B4-BE49-F238E27FC236}">
-                <a16:creationId xmlns:a16="http://schemas.microsoft.com/office/drawing/2014/main" xmlns="" id="{71FD7808-0438-4480-A8FF-E29DCEE768E2}"/>
+                <a16:creationId xmlns="" xmlns:a16="http://schemas.microsoft.com/office/drawing/2014/main" id="{71FD7808-0438-4480-A8FF-E29DCEE768E2}"/>
               </a:ext>
             </a:extLst>
           </p:cNvPr>
@@ -2009,7 +2010,7 @@
           <a:blip r:embed="rId2" cstate="print">
             <a:extLst>
               <a:ext uri="{28A0092B-C50C-407E-A947-70E740481C1C}">
-                <a14:useLocalDpi xmlns:a14="http://schemas.microsoft.com/office/drawing/2010/main" xmlns="" val="0"/>
+                <a14:useLocalDpi xmlns="" xmlns:a14="http://schemas.microsoft.com/office/drawing/2010/main" val="0"/>
               </a:ext>
             </a:extLst>
           </a:blip>
@@ -2032,7 +2033,7 @@
           <p:cNvPr id="10" name="Группа 11">
             <a:extLst>
               <a:ext uri="{FF2B5EF4-FFF2-40B4-BE49-F238E27FC236}">
-                <a16:creationId xmlns:a16="http://schemas.microsoft.com/office/drawing/2014/main" xmlns="" id="{82A927BB-4456-4AA2-AF00-6090662CA4DC}"/>
+                <a16:creationId xmlns="" xmlns:a16="http://schemas.microsoft.com/office/drawing/2014/main" id="{82A927BB-4456-4AA2-AF00-6090662CA4DC}"/>
               </a:ext>
             </a:extLst>
           </p:cNvPr>
@@ -2052,7 +2053,7 @@
             <p:cNvPr id="8" name="Рисунок 7">
               <a:extLst>
                 <a:ext uri="{FF2B5EF4-FFF2-40B4-BE49-F238E27FC236}">
-                  <a16:creationId xmlns:a16="http://schemas.microsoft.com/office/drawing/2014/main" xmlns="" id="{C463AE3D-6F37-4235-8BFD-EBD8FEC3C1BF}"/>
+                  <a16:creationId xmlns="" xmlns:a16="http://schemas.microsoft.com/office/drawing/2014/main" id="{C463AE3D-6F37-4235-8BFD-EBD8FEC3C1BF}"/>
                 </a:ext>
               </a:extLst>
             </p:cNvPr>
@@ -2065,7 +2066,7 @@
             <a:blip r:embed="rId3">
               <a:extLst>
                 <a:ext uri="{28A0092B-C50C-407E-A947-70E740481C1C}">
-                  <a14:useLocalDpi xmlns:a14="http://schemas.microsoft.com/office/drawing/2010/main" xmlns="" val="0"/>
+                  <a14:useLocalDpi xmlns="" xmlns:a14="http://schemas.microsoft.com/office/drawing/2010/main" val="0"/>
                 </a:ext>
               </a:extLst>
             </a:blip>
@@ -2087,7 +2088,7 @@
             <p:cNvPr id="9" name="Рисунок 8">
               <a:extLst>
                 <a:ext uri="{FF2B5EF4-FFF2-40B4-BE49-F238E27FC236}">
-                  <a16:creationId xmlns:a16="http://schemas.microsoft.com/office/drawing/2014/main" xmlns="" id="{2B2F3198-1EA3-4864-9C8E-69839F491D92}"/>
+                  <a16:creationId xmlns="" xmlns:a16="http://schemas.microsoft.com/office/drawing/2014/main" id="{2B2F3198-1EA3-4864-9C8E-69839F491D92}"/>
                 </a:ext>
               </a:extLst>
             </p:cNvPr>
@@ -2100,7 +2101,7 @@
             <a:blip r:embed="rId4">
               <a:extLst>
                 <a:ext uri="{28A0092B-C50C-407E-A947-70E740481C1C}">
-                  <a14:useLocalDpi xmlns:a14="http://schemas.microsoft.com/office/drawing/2010/main" xmlns="" val="0"/>
+                  <a14:useLocalDpi xmlns="" xmlns:a14="http://schemas.microsoft.com/office/drawing/2010/main" val="0"/>
                 </a:ext>
               </a:extLst>
             </a:blip>
@@ -2123,7 +2124,7 @@
           <p:cNvPr id="11" name="Группа 12">
             <a:extLst>
               <a:ext uri="{FF2B5EF4-FFF2-40B4-BE49-F238E27FC236}">
-                <a16:creationId xmlns:a16="http://schemas.microsoft.com/office/drawing/2014/main" xmlns="" id="{FD1F5E58-08B9-43B6-9CF8-68AF52E6DFA1}"/>
+                <a16:creationId xmlns="" xmlns:a16="http://schemas.microsoft.com/office/drawing/2014/main" id="{FD1F5E58-08B9-43B6-9CF8-68AF52E6DFA1}"/>
               </a:ext>
             </a:extLst>
           </p:cNvPr>
@@ -2143,7 +2144,7 @@
             <p:cNvPr id="14" name="Рисунок 13">
               <a:extLst>
                 <a:ext uri="{FF2B5EF4-FFF2-40B4-BE49-F238E27FC236}">
-                  <a16:creationId xmlns:a16="http://schemas.microsoft.com/office/drawing/2014/main" xmlns="" id="{344523D2-5A2A-4FE2-A104-DD929904318D}"/>
+                  <a16:creationId xmlns="" xmlns:a16="http://schemas.microsoft.com/office/drawing/2014/main" id="{344523D2-5A2A-4FE2-A104-DD929904318D}"/>
                 </a:ext>
               </a:extLst>
             </p:cNvPr>
@@ -2156,7 +2157,7 @@
             <a:blip r:embed="rId5">
               <a:extLst>
                 <a:ext uri="{28A0092B-C50C-407E-A947-70E740481C1C}">
-                  <a14:useLocalDpi xmlns:a14="http://schemas.microsoft.com/office/drawing/2010/main" xmlns="" val="0"/>
+                  <a14:useLocalDpi xmlns="" xmlns:a14="http://schemas.microsoft.com/office/drawing/2010/main" val="0"/>
                 </a:ext>
               </a:extLst>
             </a:blip>
@@ -2178,7 +2179,7 @@
             <p:cNvPr id="15" name="Рисунок 14">
               <a:extLst>
                 <a:ext uri="{FF2B5EF4-FFF2-40B4-BE49-F238E27FC236}">
-                  <a16:creationId xmlns:a16="http://schemas.microsoft.com/office/drawing/2014/main" xmlns="" id="{60F1EB72-0D3C-4CF7-BA89-80474328040E}"/>
+                  <a16:creationId xmlns="" xmlns:a16="http://schemas.microsoft.com/office/drawing/2014/main" id="{60F1EB72-0D3C-4CF7-BA89-80474328040E}"/>
                 </a:ext>
               </a:extLst>
             </p:cNvPr>
@@ -2191,7 +2192,7 @@
             <a:blip r:embed="rId6">
               <a:extLst>
                 <a:ext uri="{28A0092B-C50C-407E-A947-70E740481C1C}">
-                  <a14:useLocalDpi xmlns:a14="http://schemas.microsoft.com/office/drawing/2010/main" xmlns="" val="0"/>
+                  <a14:useLocalDpi xmlns="" xmlns:a14="http://schemas.microsoft.com/office/drawing/2010/main" val="0"/>
                 </a:ext>
               </a:extLst>
             </a:blip>
@@ -2212,7 +2213,7 @@
     </p:spTree>
     <p:extLst>
       <p:ext uri="{BB962C8B-B14F-4D97-AF65-F5344CB8AC3E}">
-        <p14:creationId xmlns:p14="http://schemas.microsoft.com/office/powerpoint/2010/main" xmlns="" val="1854442229"/>
+        <p14:creationId xmlns="" xmlns:p14="http://schemas.microsoft.com/office/powerpoint/2010/main" val="1854442229"/>
       </p:ext>
     </p:extLst>
   </p:cSld>
@@ -2247,7 +2248,7 @@
           <p:cNvPr id="3" name="Дата 2">
             <a:extLst>
               <a:ext uri="{FF2B5EF4-FFF2-40B4-BE49-F238E27FC236}">
-                <a16:creationId xmlns:a16="http://schemas.microsoft.com/office/drawing/2014/main" xmlns="" id="{268D3F8B-16D9-4FA9-A055-B3C99F9C7804}"/>
+                <a16:creationId xmlns="" xmlns:a16="http://schemas.microsoft.com/office/drawing/2014/main" id="{268D3F8B-16D9-4FA9-A055-B3C99F9C7804}"/>
               </a:ext>
             </a:extLst>
           </p:cNvPr>
@@ -2296,7 +2297,7 @@
           <p:cNvPr id="4" name="Нижний колонтитул 3">
             <a:extLst>
               <a:ext uri="{FF2B5EF4-FFF2-40B4-BE49-F238E27FC236}">
-                <a16:creationId xmlns:a16="http://schemas.microsoft.com/office/drawing/2014/main" xmlns="" id="{B958765E-1D59-4EBD-8B0C-D90EDEBF1927}"/>
+                <a16:creationId xmlns="" xmlns:a16="http://schemas.microsoft.com/office/drawing/2014/main" id="{B958765E-1D59-4EBD-8B0C-D90EDEBF1927}"/>
               </a:ext>
             </a:extLst>
           </p:cNvPr>
@@ -2331,7 +2332,7 @@
           <p:cNvPr id="5" name="Номер слайда 4">
             <a:extLst>
               <a:ext uri="{FF2B5EF4-FFF2-40B4-BE49-F238E27FC236}">
-                <a16:creationId xmlns:a16="http://schemas.microsoft.com/office/drawing/2014/main" xmlns="" id="{84BC9D76-2C00-47FC-B1BC-53DDDD5D7BD2}"/>
+                <a16:creationId xmlns="" xmlns:a16="http://schemas.microsoft.com/office/drawing/2014/main" id="{84BC9D76-2C00-47FC-B1BC-53DDDD5D7BD2}"/>
               </a:ext>
             </a:extLst>
           </p:cNvPr>
@@ -2380,7 +2381,7 @@
           <p:cNvPr id="6" name="Заголовок 1">
             <a:extLst>
               <a:ext uri="{FF2B5EF4-FFF2-40B4-BE49-F238E27FC236}">
-                <a16:creationId xmlns:a16="http://schemas.microsoft.com/office/drawing/2014/main" xmlns="" id="{2619D724-5309-42B0-9DD6-2097051A2255}"/>
+                <a16:creationId xmlns="" xmlns:a16="http://schemas.microsoft.com/office/drawing/2014/main" id="{2619D724-5309-42B0-9DD6-2097051A2255}"/>
               </a:ext>
             </a:extLst>
           </p:cNvPr>
@@ -2422,7 +2423,7 @@
           <p:cNvPr id="8" name="Рисунок 7">
             <a:extLst>
               <a:ext uri="{FF2B5EF4-FFF2-40B4-BE49-F238E27FC236}">
-                <a16:creationId xmlns:a16="http://schemas.microsoft.com/office/drawing/2014/main" xmlns="" id="{58854032-24A2-4F97-996D-2040FAF5D95D}"/>
+                <a16:creationId xmlns="" xmlns:a16="http://schemas.microsoft.com/office/drawing/2014/main" id="{58854032-24A2-4F97-996D-2040FAF5D95D}"/>
               </a:ext>
             </a:extLst>
           </p:cNvPr>
@@ -2435,7 +2436,7 @@
           <a:blip r:embed="rId2" cstate="print">
             <a:extLst>
               <a:ext uri="{28A0092B-C50C-407E-A947-70E740481C1C}">
-                <a14:useLocalDpi xmlns:a14="http://schemas.microsoft.com/office/drawing/2010/main" xmlns="" val="0"/>
+                <a14:useLocalDpi xmlns="" xmlns:a14="http://schemas.microsoft.com/office/drawing/2010/main" val="0"/>
               </a:ext>
             </a:extLst>
           </a:blip>
@@ -2458,7 +2459,7 @@
           <p:cNvPr id="9" name="Рисунок 8">
             <a:extLst>
               <a:ext uri="{FF2B5EF4-FFF2-40B4-BE49-F238E27FC236}">
-                <a16:creationId xmlns:a16="http://schemas.microsoft.com/office/drawing/2014/main" xmlns="" id="{6EBF6EA5-4E5B-4CD5-90BE-6CA4D9B0937E}"/>
+                <a16:creationId xmlns="" xmlns:a16="http://schemas.microsoft.com/office/drawing/2014/main" id="{6EBF6EA5-4E5B-4CD5-90BE-6CA4D9B0937E}"/>
               </a:ext>
             </a:extLst>
           </p:cNvPr>
@@ -2471,7 +2472,7 @@
           <a:blip r:embed="rId3">
             <a:extLst>
               <a:ext uri="{28A0092B-C50C-407E-A947-70E740481C1C}">
-                <a14:useLocalDpi xmlns:a14="http://schemas.microsoft.com/office/drawing/2010/main" xmlns="" val="0"/>
+                <a14:useLocalDpi xmlns="" xmlns:a14="http://schemas.microsoft.com/office/drawing/2010/main" val="0"/>
               </a:ext>
             </a:extLst>
           </a:blip>
@@ -2493,7 +2494,7 @@
           <p:cNvPr id="10" name="Рисунок 9">
             <a:extLst>
               <a:ext uri="{FF2B5EF4-FFF2-40B4-BE49-F238E27FC236}">
-                <a16:creationId xmlns:a16="http://schemas.microsoft.com/office/drawing/2014/main" xmlns="" id="{E50C46FF-DB49-4C1C-AE2F-D07AD97199BC}"/>
+                <a16:creationId xmlns="" xmlns:a16="http://schemas.microsoft.com/office/drawing/2014/main" id="{E50C46FF-DB49-4C1C-AE2F-D07AD97199BC}"/>
               </a:ext>
             </a:extLst>
           </p:cNvPr>
@@ -2506,7 +2507,7 @@
           <a:blip r:embed="rId4">
             <a:extLst>
               <a:ext uri="{28A0092B-C50C-407E-A947-70E740481C1C}">
-                <a14:useLocalDpi xmlns:a14="http://schemas.microsoft.com/office/drawing/2010/main" xmlns="" val="0"/>
+                <a14:useLocalDpi xmlns="" xmlns:a14="http://schemas.microsoft.com/office/drawing/2010/main" val="0"/>
               </a:ext>
             </a:extLst>
           </a:blip>
@@ -2528,7 +2529,7 @@
           <p:cNvPr id="12" name="Рисунок 11">
             <a:extLst>
               <a:ext uri="{FF2B5EF4-FFF2-40B4-BE49-F238E27FC236}">
-                <a16:creationId xmlns:a16="http://schemas.microsoft.com/office/drawing/2014/main" xmlns="" id="{FBF37052-BE88-4EBF-AE14-CA53F211E9DA}"/>
+                <a16:creationId xmlns="" xmlns:a16="http://schemas.microsoft.com/office/drawing/2014/main" id="{FBF37052-BE88-4EBF-AE14-CA53F211E9DA}"/>
               </a:ext>
             </a:extLst>
           </p:cNvPr>
@@ -2541,7 +2542,7 @@
           <a:blip r:embed="rId5">
             <a:extLst>
               <a:ext uri="{28A0092B-C50C-407E-A947-70E740481C1C}">
-                <a14:useLocalDpi xmlns:a14="http://schemas.microsoft.com/office/drawing/2010/main" xmlns="" val="0"/>
+                <a14:useLocalDpi xmlns="" xmlns:a14="http://schemas.microsoft.com/office/drawing/2010/main" val="0"/>
               </a:ext>
             </a:extLst>
           </a:blip>
@@ -2561,7 +2562,7 @@
     </p:spTree>
     <p:extLst>
       <p:ext uri="{BB962C8B-B14F-4D97-AF65-F5344CB8AC3E}">
-        <p14:creationId xmlns:p14="http://schemas.microsoft.com/office/powerpoint/2010/main" xmlns="" val="3455829964"/>
+        <p14:creationId xmlns="" xmlns:p14="http://schemas.microsoft.com/office/powerpoint/2010/main" val="3455829964"/>
       </p:ext>
     </p:extLst>
   </p:cSld>
@@ -2596,7 +2597,7 @@
           <p:cNvPr id="8" name="Рисунок 7">
             <a:extLst>
               <a:ext uri="{FF2B5EF4-FFF2-40B4-BE49-F238E27FC236}">
-                <a16:creationId xmlns:a16="http://schemas.microsoft.com/office/drawing/2014/main" xmlns="" id="{33DF5192-23A1-4E74-948A-DD7949D7E813}"/>
+                <a16:creationId xmlns="" xmlns:a16="http://schemas.microsoft.com/office/drawing/2014/main" id="{33DF5192-23A1-4E74-948A-DD7949D7E813}"/>
               </a:ext>
             </a:extLst>
           </p:cNvPr>
@@ -2609,7 +2610,7 @@
           <a:blip r:embed="rId2">
             <a:extLst>
               <a:ext uri="{28A0092B-C50C-407E-A947-70E740481C1C}">
-                <a14:useLocalDpi xmlns:a14="http://schemas.microsoft.com/office/drawing/2010/main" xmlns="" val="0"/>
+                <a14:useLocalDpi xmlns="" xmlns:a14="http://schemas.microsoft.com/office/drawing/2010/main" val="0"/>
               </a:ext>
             </a:extLst>
           </a:blip>
@@ -2630,7 +2631,7 @@
     </p:spTree>
     <p:extLst>
       <p:ext uri="{BB962C8B-B14F-4D97-AF65-F5344CB8AC3E}">
-        <p14:creationId xmlns:p14="http://schemas.microsoft.com/office/powerpoint/2010/main" xmlns="" val="256258894"/>
+        <p14:creationId xmlns="" xmlns:p14="http://schemas.microsoft.com/office/powerpoint/2010/main" val="256258894"/>
       </p:ext>
     </p:extLst>
   </p:cSld>
@@ -5031,7 +5032,7 @@
           <p:cNvPr id="2" name="Заголовок 1">
             <a:extLst>
               <a:ext uri="{FF2B5EF4-FFF2-40B4-BE49-F238E27FC236}">
-                <a16:creationId xmlns:a16="http://schemas.microsoft.com/office/drawing/2014/main" xmlns="" id="{E4C148D2-75F5-4968-BF4A-E2A681285841}"/>
+                <a16:creationId xmlns="" xmlns:a16="http://schemas.microsoft.com/office/drawing/2014/main" id="{E4C148D2-75F5-4968-BF4A-E2A681285841}"/>
               </a:ext>
             </a:extLst>
           </p:cNvPr>
@@ -5069,7 +5070,7 @@
           <p:cNvPr id="3" name="Текст 2">
             <a:extLst>
               <a:ext uri="{FF2B5EF4-FFF2-40B4-BE49-F238E27FC236}">
-                <a16:creationId xmlns:a16="http://schemas.microsoft.com/office/drawing/2014/main" xmlns="" id="{6EB7E328-62D0-4942-BE8A-B7D45C276374}"/>
+                <a16:creationId xmlns="" xmlns:a16="http://schemas.microsoft.com/office/drawing/2014/main" id="{6EB7E328-62D0-4942-BE8A-B7D45C276374}"/>
               </a:ext>
             </a:extLst>
           </p:cNvPr>
@@ -5136,7 +5137,7 @@
           <p:cNvPr id="4" name="Дата 3">
             <a:extLst>
               <a:ext uri="{FF2B5EF4-FFF2-40B4-BE49-F238E27FC236}">
-                <a16:creationId xmlns:a16="http://schemas.microsoft.com/office/drawing/2014/main" xmlns="" id="{4FE75776-B435-4876-8805-6D9ABA143099}"/>
+                <a16:creationId xmlns="" xmlns:a16="http://schemas.microsoft.com/office/drawing/2014/main" id="{4FE75776-B435-4876-8805-6D9ABA143099}"/>
               </a:ext>
             </a:extLst>
           </p:cNvPr>
@@ -5203,7 +5204,7 @@
           <p:cNvPr id="5" name="Нижний колонтитул 4">
             <a:extLst>
               <a:ext uri="{FF2B5EF4-FFF2-40B4-BE49-F238E27FC236}">
-                <a16:creationId xmlns:a16="http://schemas.microsoft.com/office/drawing/2014/main" xmlns="" id="{DF0CE8DE-F8D7-4826-B98F-926078B078E1}"/>
+                <a16:creationId xmlns="" xmlns:a16="http://schemas.microsoft.com/office/drawing/2014/main" id="{DF0CE8DE-F8D7-4826-B98F-926078B078E1}"/>
               </a:ext>
             </a:extLst>
           </p:cNvPr>
@@ -5256,7 +5257,7 @@
           <p:cNvPr id="6" name="Номер слайда 5">
             <a:extLst>
               <a:ext uri="{FF2B5EF4-FFF2-40B4-BE49-F238E27FC236}">
-                <a16:creationId xmlns:a16="http://schemas.microsoft.com/office/drawing/2014/main" xmlns="" id="{2013D883-9999-4B3C-991A-C0644E176ECB}"/>
+                <a16:creationId xmlns="" xmlns:a16="http://schemas.microsoft.com/office/drawing/2014/main" id="{2013D883-9999-4B3C-991A-C0644E176ECB}"/>
               </a:ext>
             </a:extLst>
           </p:cNvPr>
@@ -5321,7 +5322,7 @@
     </p:spTree>
     <p:extLst>
       <p:ext uri="{BB962C8B-B14F-4D97-AF65-F5344CB8AC3E}">
-        <p14:creationId xmlns:p14="http://schemas.microsoft.com/office/powerpoint/2010/main" xmlns="" val="1418822774"/>
+        <p14:creationId xmlns="" xmlns:p14="http://schemas.microsoft.com/office/powerpoint/2010/main" val="1418822774"/>
       </p:ext>
     </p:extLst>
   </p:cSld>
@@ -5639,7 +5640,7 @@
           <p:cNvPr id="2" name="Заголовок 1">
             <a:extLst>
               <a:ext uri="{FF2B5EF4-FFF2-40B4-BE49-F238E27FC236}">
-                <a16:creationId xmlns:a16="http://schemas.microsoft.com/office/drawing/2014/main" xmlns="" id="{00AD42FB-C595-4448-903C-F423BC2C9399}"/>
+                <a16:creationId xmlns="" xmlns:a16="http://schemas.microsoft.com/office/drawing/2014/main" id="{00AD42FB-C595-4448-903C-F423BC2C9399}"/>
               </a:ext>
             </a:extLst>
           </p:cNvPr>
@@ -5719,7 +5720,7 @@
           <p:cNvPr id="3" name="Подзаголовок 2">
             <a:extLst>
               <a:ext uri="{FF2B5EF4-FFF2-40B4-BE49-F238E27FC236}">
-                <a16:creationId xmlns:a16="http://schemas.microsoft.com/office/drawing/2014/main" xmlns="" id="{9D124A35-A450-4D5D-9EE2-711DE86C0CCA}"/>
+                <a16:creationId xmlns="" xmlns:a16="http://schemas.microsoft.com/office/drawing/2014/main" id="{9D124A35-A450-4D5D-9EE2-711DE86C0CCA}"/>
               </a:ext>
             </a:extLst>
           </p:cNvPr>
@@ -6039,7 +6040,7 @@
     </p:spTree>
     <p:extLst>
       <p:ext uri="{BB962C8B-B14F-4D97-AF65-F5344CB8AC3E}">
-        <p14:creationId xmlns:p14="http://schemas.microsoft.com/office/powerpoint/2010/main" xmlns="" val="1483264820"/>
+        <p14:creationId xmlns="" xmlns:p14="http://schemas.microsoft.com/office/powerpoint/2010/main" val="1483264820"/>
       </p:ext>
     </p:extLst>
   </p:cSld>
@@ -6049,6 +6050,13 @@
   <p:transition spd="slow">
     <p:wipe dir="r"/>
   </p:transition>
+  <p:timing>
+    <p:tnLst>
+      <p:par>
+        <p:cTn id="1" dur="indefinite" restart="never" nodeType="tmRoot"/>
+      </p:par>
+    </p:tnLst>
+  </p:timing>
 </p:sld>
 </file>
 
@@ -6077,8 +6085,8 @@
         </p:nvSpPr>
         <p:spPr>
           <a:xfrm>
-            <a:off x="785786" y="785794"/>
-            <a:ext cx="2727029" cy="584775"/>
+            <a:off x="6357950" y="928670"/>
+            <a:ext cx="2040110" cy="584775"/>
           </a:xfrm>
           <a:prstGeom prst="rect">
             <a:avLst/>
@@ -6092,23 +6100,25 @@
           <a:lstStyle/>
           <a:p>
             <a:r>
-              <a:rPr lang="ru-RU" sz="3200" b="1" dirty="0" smtClean="0"/>
-              <a:t>Цель и задачи</a:t>
-            </a:r>
-            <a:endParaRPr lang="ru-RU" sz="3200" b="1" dirty="0"/>
-          </a:p>
-        </p:txBody>
-      </p:sp>
-      <p:sp>
-        <p:nvSpPr>
-          <p:cNvPr id="3" name="TextBox 2"/>
-          <p:cNvSpPr txBox="1"/>
+              <a:rPr lang="ru-RU" sz="3200" dirty="0" smtClean="0"/>
+              <a:t>Введение</a:t>
+            </a:r>
+            <a:endParaRPr lang="ru-RU" sz="3200" dirty="0"/>
+          </a:p>
+        </p:txBody>
+      </p:sp>
+      <p:sp>
+        <p:nvSpPr>
+          <p:cNvPr id="2050" name="AutoShape 2" descr="https://i.mycdn.me/i?r=AzEPZsRbOZEKgBhR0XGMT1RkOd6f8Dwc5PZlNMwPpyBIMqaKTM5SRkZCeTgDn6uOyic"/>
+          <p:cNvSpPr>
+            <a:spLocks noChangeAspect="1" noChangeArrowheads="1"/>
+          </p:cNvSpPr>
           <p:nvPr/>
         </p:nvSpPr>
-        <p:spPr>
+        <p:spPr bwMode="auto">
           <a:xfrm>
-            <a:off x="1142976" y="2285992"/>
-            <a:ext cx="5072098" cy="2862322"/>
+            <a:off x="155575" y="-144463"/>
+            <a:ext cx="304800" cy="304801"/>
           </a:xfrm>
           <a:prstGeom prst="rect">
             <a:avLst/>
@@ -6116,88 +6126,43 @@
           <a:noFill/>
         </p:spPr>
         <p:txBody>
-          <a:bodyPr wrap="square" rtlCol="0">
-            <a:spAutoFit/>
+          <a:bodyPr vert="horz" wrap="square" lIns="91440" tIns="45720" rIns="91440" bIns="45720" numCol="1" anchor="t" anchorCtr="0" compatLnSpc="1">
+            <a:prstTxWarp prst="textNoShape">
+              <a:avLst/>
+            </a:prstTxWarp>
           </a:bodyPr>
           <a:lstStyle/>
           <a:p>
-            <a:r>
-              <a:rPr lang="ru-RU" sz="2000" dirty="0" smtClean="0"/>
-              <a:t>Цель:</a:t>
-            </a:r>
-          </a:p>
-          <a:p>
-            <a:pPr>
-              <a:buFont typeface="Arial" pitchFamily="34" charset="0"/>
-              <a:buChar char="•"/>
-            </a:pPr>
-            <a:r>
-              <a:rPr lang="ru-RU" sz="2000" dirty="0" smtClean="0"/>
-              <a:t> </a:t>
-            </a:r>
-            <a:r>
-              <a:rPr lang="ru-RU" sz="2000" dirty="0" smtClean="0"/>
-              <a:t>Написание приложения для учёта расходов</a:t>
-            </a:r>
-          </a:p>
-          <a:p>
-            <a:endParaRPr lang="ru-RU" sz="2000" dirty="0" smtClean="0"/>
-          </a:p>
-          <a:p>
-            <a:r>
-              <a:rPr lang="ru-RU" sz="2000" dirty="0" smtClean="0"/>
-              <a:t>Задачи:</a:t>
-            </a:r>
-          </a:p>
-          <a:p>
-            <a:pPr>
-              <a:buFont typeface="Arial" pitchFamily="34" charset="0"/>
-              <a:buChar char="•"/>
-            </a:pPr>
-            <a:r>
-              <a:rPr lang="ru-RU" sz="2000" dirty="0" smtClean="0"/>
-              <a:t> Написание разметки</a:t>
-            </a:r>
-          </a:p>
-          <a:p>
-            <a:pPr>
-              <a:buFont typeface="Arial" pitchFamily="34" charset="0"/>
-              <a:buChar char="•"/>
-            </a:pPr>
-            <a:r>
-              <a:rPr lang="ru-RU" sz="2000" dirty="0" smtClean="0"/>
-              <a:t> </a:t>
-            </a:r>
-            <a:r>
-              <a:rPr lang="ru-RU" sz="2000" dirty="0" smtClean="0"/>
-              <a:t>Более глубокое изучение </a:t>
-            </a:r>
-            <a:r>
-              <a:rPr lang="en-US" sz="2000" dirty="0" smtClean="0"/>
-              <a:t>Room </a:t>
-            </a:r>
-            <a:r>
-              <a:rPr lang="ru-RU" sz="2000" dirty="0" smtClean="0"/>
-              <a:t>и написание базы данных</a:t>
-            </a:r>
-          </a:p>
-          <a:p>
-            <a:pPr>
-              <a:buFont typeface="Arial" pitchFamily="34" charset="0"/>
-              <a:buChar char="•"/>
-            </a:pPr>
-            <a:r>
-              <a:rPr lang="ru-RU" sz="2000" dirty="0" smtClean="0"/>
-              <a:t> </a:t>
-            </a:r>
-            <a:r>
-              <a:rPr lang="ru-RU" sz="2000" dirty="0" smtClean="0"/>
-              <a:t>Объединение разметки и модели</a:t>
-            </a:r>
-            <a:endParaRPr lang="ru-RU" sz="2000" dirty="0"/>
-          </a:p>
-        </p:txBody>
-      </p:sp>
+            <a:endParaRPr lang="ru-RU"/>
+          </a:p>
+        </p:txBody>
+      </p:sp>
+      <p:pic>
+        <p:nvPicPr>
+          <p:cNvPr id="2052" name="Picture 4" descr="https://i.mycdn.me/i?r=AzEPZsRbOZEKgBhR0XGMT1RkOd6f8Dwc5PZlNMwPpyBIMqaKTM5SRkZCeTgDn6uOyic"/>
+          <p:cNvPicPr>
+            <a:picLocks noChangeAspect="1" noChangeArrowheads="1"/>
+          </p:cNvPicPr>
+          <p:nvPr/>
+        </p:nvPicPr>
+        <p:blipFill>
+          <a:blip r:embed="rId2"/>
+          <a:srcRect/>
+          <a:stretch>
+            <a:fillRect/>
+          </a:stretch>
+        </p:blipFill>
+        <p:spPr bwMode="auto">
+          <a:xfrm>
+            <a:off x="214282" y="2071678"/>
+            <a:ext cx="6143636" cy="4607728"/>
+          </a:xfrm>
+          <a:prstGeom prst="rect">
+            <a:avLst/>
+          </a:prstGeom>
+          <a:noFill/>
+        </p:spPr>
+      </p:pic>
     </p:spTree>
   </p:cSld>
   <p:clrMapOvr>
@@ -6210,6 +6175,158 @@
 </file>
 
 <file path=ppt/slides/slide3.xml><?xml version="1.0" encoding="utf-8"?>
+<p:sld xmlns:a="http://schemas.openxmlformats.org/drawingml/2006/main" xmlns:r="http://schemas.openxmlformats.org/officeDocument/2006/relationships" xmlns:p="http://schemas.openxmlformats.org/presentationml/2006/main">
+  <p:cSld>
+    <p:spTree>
+      <p:nvGrpSpPr>
+        <p:cNvPr id="1" name=""/>
+        <p:cNvGrpSpPr/>
+        <p:nvPr/>
+      </p:nvGrpSpPr>
+      <p:grpSpPr>
+        <a:xfrm>
+          <a:off x="0" y="0"/>
+          <a:ext cx="0" cy="0"/>
+          <a:chOff x="0" y="0"/>
+          <a:chExt cx="0" cy="0"/>
+        </a:xfrm>
+      </p:grpSpPr>
+      <p:sp>
+        <p:nvSpPr>
+          <p:cNvPr id="2" name="TextBox 1"/>
+          <p:cNvSpPr txBox="1"/>
+          <p:nvPr/>
+        </p:nvSpPr>
+        <p:spPr>
+          <a:xfrm>
+            <a:off x="785786" y="785794"/>
+            <a:ext cx="2727029" cy="584775"/>
+          </a:xfrm>
+          <a:prstGeom prst="rect">
+            <a:avLst/>
+          </a:prstGeom>
+          <a:noFill/>
+        </p:spPr>
+        <p:txBody>
+          <a:bodyPr wrap="none" rtlCol="0">
+            <a:spAutoFit/>
+          </a:bodyPr>
+          <a:lstStyle/>
+          <a:p>
+            <a:r>
+              <a:rPr lang="ru-RU" sz="3200" b="1" dirty="0" smtClean="0"/>
+              <a:t>Цель и задачи</a:t>
+            </a:r>
+            <a:endParaRPr lang="ru-RU" sz="3200" b="1" dirty="0"/>
+          </a:p>
+        </p:txBody>
+      </p:sp>
+      <p:sp>
+        <p:nvSpPr>
+          <p:cNvPr id="3" name="TextBox 2"/>
+          <p:cNvSpPr txBox="1"/>
+          <p:nvPr/>
+        </p:nvSpPr>
+        <p:spPr>
+          <a:xfrm>
+            <a:off x="1142976" y="2285992"/>
+            <a:ext cx="5072098" cy="2862322"/>
+          </a:xfrm>
+          <a:prstGeom prst="rect">
+            <a:avLst/>
+          </a:prstGeom>
+          <a:noFill/>
+        </p:spPr>
+        <p:txBody>
+          <a:bodyPr wrap="square" rtlCol="0">
+            <a:spAutoFit/>
+          </a:bodyPr>
+          <a:lstStyle/>
+          <a:p>
+            <a:r>
+              <a:rPr lang="ru-RU" sz="2000" dirty="0" smtClean="0"/>
+              <a:t>Цель:</a:t>
+            </a:r>
+          </a:p>
+          <a:p>
+            <a:pPr>
+              <a:buFont typeface="Arial" pitchFamily="34" charset="0"/>
+              <a:buChar char="•"/>
+            </a:pPr>
+            <a:r>
+              <a:rPr lang="ru-RU" sz="2000" dirty="0" smtClean="0"/>
+              <a:t> Написание приложения для учёта расходов</a:t>
+            </a:r>
+          </a:p>
+          <a:p>
+            <a:endParaRPr lang="ru-RU" sz="2000" dirty="0" smtClean="0"/>
+          </a:p>
+          <a:p>
+            <a:r>
+              <a:rPr lang="ru-RU" sz="2000" dirty="0" smtClean="0"/>
+              <a:t>Задачи:</a:t>
+            </a:r>
+          </a:p>
+          <a:p>
+            <a:pPr>
+              <a:buFont typeface="Arial" pitchFamily="34" charset="0"/>
+              <a:buChar char="•"/>
+            </a:pPr>
+            <a:r>
+              <a:rPr lang="ru-RU" sz="2000" dirty="0" smtClean="0"/>
+              <a:t> Написание разметки</a:t>
+            </a:r>
+          </a:p>
+          <a:p>
+            <a:pPr>
+              <a:buFont typeface="Arial" pitchFamily="34" charset="0"/>
+              <a:buChar char="•"/>
+            </a:pPr>
+            <a:r>
+              <a:rPr lang="ru-RU" sz="2000" dirty="0" smtClean="0"/>
+              <a:t> Более глубокое изучение </a:t>
+            </a:r>
+            <a:r>
+              <a:rPr lang="en-US" sz="2000" dirty="0" smtClean="0"/>
+              <a:t>Room </a:t>
+            </a:r>
+            <a:r>
+              <a:rPr lang="ru-RU" sz="2000" dirty="0" smtClean="0"/>
+              <a:t>и написание базы данных</a:t>
+            </a:r>
+          </a:p>
+          <a:p>
+            <a:pPr>
+              <a:buFont typeface="Arial" pitchFamily="34" charset="0"/>
+              <a:buChar char="•"/>
+            </a:pPr>
+            <a:r>
+              <a:rPr lang="ru-RU" sz="2000" dirty="0" smtClean="0"/>
+              <a:t> Объединение разметки и модели</a:t>
+            </a:r>
+            <a:endParaRPr lang="ru-RU" sz="2000" dirty="0"/>
+          </a:p>
+        </p:txBody>
+      </p:sp>
+    </p:spTree>
+  </p:cSld>
+  <p:clrMapOvr>
+    <a:masterClrMapping/>
+  </p:clrMapOvr>
+  <p:transition spd="slow">
+    <p:wipe dir="r"/>
+  </p:transition>
+  <p:timing>
+    <p:tnLst>
+      <p:par>
+        <p:cTn id="1" dur="indefinite" restart="never" nodeType="tmRoot"/>
+      </p:par>
+    </p:tnLst>
+  </p:timing>
+</p:sld>
+</file>
+
+<file path=ppt/slides/slide4.xml><?xml version="1.0" encoding="utf-8"?>
 <p:sld xmlns:a="http://schemas.openxmlformats.org/drawingml/2006/main" xmlns:r="http://schemas.openxmlformats.org/officeDocument/2006/relationships" xmlns:p="http://schemas.openxmlformats.org/presentationml/2006/main">
   <p:cSld>
     <p:spTree>
@@ -6330,10 +6447,17 @@
   <p:transition spd="slow">
     <p:wipe dir="r"/>
   </p:transition>
+  <p:timing>
+    <p:tnLst>
+      <p:par>
+        <p:cTn id="1" dur="indefinite" restart="never" nodeType="tmRoot"/>
+      </p:par>
+    </p:tnLst>
+  </p:timing>
 </p:sld>
 </file>
 
-<file path=ppt/slides/slide4.xml><?xml version="1.0" encoding="utf-8"?>
+<file path=ppt/slides/slide5.xml><?xml version="1.0" encoding="utf-8"?>
 <p:sld xmlns:a="http://schemas.openxmlformats.org/drawingml/2006/main" xmlns:r="http://schemas.openxmlformats.org/officeDocument/2006/relationships" xmlns:p="http://schemas.openxmlformats.org/presentationml/2006/main">
   <p:cSld>
     <p:spTree>
@@ -6440,10 +6564,17 @@
   <p:transition spd="slow">
     <p:wipe dir="r"/>
   </p:transition>
+  <p:timing>
+    <p:tnLst>
+      <p:par>
+        <p:cTn id="1" dur="indefinite" restart="never" nodeType="tmRoot"/>
+      </p:par>
+    </p:tnLst>
+  </p:timing>
 </p:sld>
 </file>
 
-<file path=ppt/slides/slide5.xml><?xml version="1.0" encoding="utf-8"?>
+<file path=ppt/slides/slide6.xml><?xml version="1.0" encoding="utf-8"?>
 <p:sld xmlns:a="http://schemas.openxmlformats.org/drawingml/2006/main" xmlns:r="http://schemas.openxmlformats.org/officeDocument/2006/relationships" xmlns:p="http://schemas.openxmlformats.org/presentationml/2006/main">
   <p:cSld>
     <p:spTree>
@@ -6490,6 +6621,34 @@
           </a:p>
         </p:txBody>
       </p:sp>
+      <p:pic>
+        <p:nvPicPr>
+          <p:cNvPr id="7" name="Демонстрация.mp4">
+            <a:hlinkClick r:id="" action="ppaction://media"/>
+          </p:cNvPr>
+          <p:cNvPicPr>
+            <a:picLocks noRot="1" noChangeAspect="1"/>
+          </p:cNvPicPr>
+          <p:nvPr>
+            <a:videoFile r:link="rId1"/>
+          </p:nvPr>
+        </p:nvPicPr>
+        <p:blipFill>
+          <a:blip r:embed="rId3"/>
+          <a:stretch>
+            <a:fillRect/>
+          </a:stretch>
+        </p:blipFill>
+        <p:spPr>
+          <a:xfrm>
+            <a:off x="0" y="-1"/>
+            <a:ext cx="4000496" cy="6858001"/>
+          </a:xfrm>
+          <a:prstGeom prst="rect">
+            <a:avLst/>
+          </a:prstGeom>
+        </p:spPr>
+      </p:pic>
     </p:spTree>
   </p:cSld>
   <p:clrMapOvr>
@@ -6498,10 +6657,102 @@
   <p:transition spd="slow">
     <p:wipe dir="r"/>
   </p:transition>
+  <p:timing>
+    <p:tnLst>
+      <p:par>
+        <p:cTn id="1" dur="indefinite" restart="never" nodeType="tmRoot">
+          <p:childTnLst>
+            <p:seq concurrent="1" nextAc="seek">
+              <p:cTn id="2" restart="whenNotActive" fill="hold" evtFilter="cancelBubble" nodeType="interactiveSeq">
+                <p:stCondLst>
+                  <p:cond evt="onClick" delay="0">
+                    <p:tgtEl>
+                      <p:spTgt spid="7"/>
+                    </p:tgtEl>
+                  </p:cond>
+                </p:stCondLst>
+                <p:endSync evt="end" delay="0">
+                  <p:rtn val="all"/>
+                </p:endSync>
+                <p:childTnLst>
+                  <p:par>
+                    <p:cTn id="3" fill="hold">
+                      <p:stCondLst>
+                        <p:cond delay="0"/>
+                      </p:stCondLst>
+                      <p:childTnLst>
+                        <p:par>
+                          <p:cTn id="4" fill="hold">
+                            <p:stCondLst>
+                              <p:cond delay="0"/>
+                            </p:stCondLst>
+                            <p:childTnLst>
+                              <p:par>
+                                <p:cTn id="5" presetID="2" presetClass="mediacall" presetSubtype="0" fill="hold" nodeType="clickEffect">
+                                  <p:stCondLst>
+                                    <p:cond delay="0"/>
+                                  </p:stCondLst>
+                                  <p:childTnLst>
+                                    <p:cmd type="call" cmd="togglePause">
+                                      <p:cBhvr>
+                                        <p:cTn id="6" dur="1" fill="hold"/>
+                                        <p:tgtEl>
+                                          <p:spTgt spid="7"/>
+                                        </p:tgtEl>
+                                      </p:cBhvr>
+                                    </p:cmd>
+                                  </p:childTnLst>
+                                </p:cTn>
+                              </p:par>
+                            </p:childTnLst>
+                          </p:cTn>
+                        </p:par>
+                      </p:childTnLst>
+                    </p:cTn>
+                  </p:par>
+                </p:childTnLst>
+              </p:cTn>
+              <p:nextCondLst>
+                <p:cond evt="onClick" delay="0">
+                  <p:tgtEl>
+                    <p:spTgt spid="7"/>
+                  </p:tgtEl>
+                </p:cond>
+              </p:nextCondLst>
+            </p:seq>
+            <p:video>
+              <p:cMediaNode>
+                <p:cTn id="7" fill="hold" display="0">
+                  <p:stCondLst>
+                    <p:cond delay="indefinite"/>
+                  </p:stCondLst>
+                  <p:endCondLst>
+                    <p:cond evt="onNext" delay="0">
+                      <p:tgtEl>
+                        <p:sldTgt/>
+                      </p:tgtEl>
+                    </p:cond>
+                    <p:cond evt="onPrev" delay="0">
+                      <p:tgtEl>
+                        <p:sldTgt/>
+                      </p:tgtEl>
+                    </p:cond>
+                  </p:endCondLst>
+                </p:cTn>
+                <p:tgtEl>
+                  <p:spTgt spid="7"/>
+                </p:tgtEl>
+              </p:cMediaNode>
+            </p:video>
+          </p:childTnLst>
+        </p:cTn>
+      </p:par>
+    </p:tnLst>
+  </p:timing>
 </p:sld>
 </file>
 
-<file path=ppt/slides/slide6.xml><?xml version="1.0" encoding="utf-8"?>
+<file path=ppt/slides/slide7.xml><?xml version="1.0" encoding="utf-8"?>
 <p:sld xmlns:a="http://schemas.openxmlformats.org/drawingml/2006/main" xmlns:r="http://schemas.openxmlformats.org/officeDocument/2006/relationships" xmlns:p="http://schemas.openxmlformats.org/presentationml/2006/main">
   <p:cSld>
     <p:spTree>
@@ -6589,6 +6840,13 @@
   <p:transition spd="slow">
     <p:wipe dir="r"/>
   </p:transition>
+  <p:timing>
+    <p:tnLst>
+      <p:par>
+        <p:cTn id="1" dur="indefinite" restart="never" nodeType="tmRoot"/>
+      </p:par>
+    </p:tnLst>
+  </p:timing>
 </p:sld>
 </file>
 
@@ -7070,7 +7328,7 @@
   <a:extraClrSchemeLst/>
   <a:extLst>
     <a:ext uri="{05A4C25C-085E-4340-85A3-A5531E510DB2}">
-      <thm15:themeFamily xmlns:thm15="http://schemas.microsoft.com/office/thememl/2012/main" xmlns="" name="Office Theme" id="{62F939B6-93AF-4DB8-9C6B-D6C7DFDC589F}" vid="{4A3C46E8-61CC-4603-A589-7422A47A8E4A}"/>
+      <thm15:themeFamily xmlns="" xmlns:thm15="http://schemas.microsoft.com/office/thememl/2012/main" name="Office Theme" id="{62F939B6-93AF-4DB8-9C6B-D6C7DFDC589F}" vid="{4A3C46E8-61CC-4603-A589-7422A47A8E4A}"/>
     </a:ext>
   </a:extLst>
 </a:theme>
